--- a/+meegpipe/+node/figs.pptx
+++ b/+meegpipe/+node/figs.pptx
@@ -5,9 +5,10 @@
     <p:sldMasterId id="2147483648" r:id="rId1"/>
   </p:sldMasterIdLst>
   <p:sldIdLst>
-    <p:sldId id="256" r:id="rId2"/>
-    <p:sldId id="257" r:id="rId3"/>
-    <p:sldId id="258" r:id="rId4"/>
+    <p:sldId id="257" r:id="rId2"/>
+    <p:sldId id="258" r:id="rId3"/>
+    <p:sldId id="259" r:id="rId4"/>
+    <p:sldId id="260" r:id="rId5"/>
   </p:sldIdLst>
   <p:sldSz cx="9144000" cy="6858000" type="screen4x3"/>
   <p:notesSz cx="6858000" cy="9144000"/>
@@ -290,7 +291,7 @@
           <a:p>
             <a:fld id="{EAE51E3F-6184-428E-993A-68B9C2A64341}" type="datetimeFigureOut">
               <a:rPr lang="en-GB" smtClean="0"/>
-              <a:t>17/04/2013</a:t>
+              <a:t>12/7/13</a:t>
             </a:fld>
             <a:endParaRPr lang="en-GB"/>
           </a:p>
@@ -460,7 +461,7 @@
           <a:p>
             <a:fld id="{EAE51E3F-6184-428E-993A-68B9C2A64341}" type="datetimeFigureOut">
               <a:rPr lang="en-GB" smtClean="0"/>
-              <a:t>17/04/2013</a:t>
+              <a:t>12/7/13</a:t>
             </a:fld>
             <a:endParaRPr lang="en-GB"/>
           </a:p>
@@ -640,7 +641,7 @@
           <a:p>
             <a:fld id="{EAE51E3F-6184-428E-993A-68B9C2A64341}" type="datetimeFigureOut">
               <a:rPr lang="en-GB" smtClean="0"/>
-              <a:t>17/04/2013</a:t>
+              <a:t>12/7/13</a:t>
             </a:fld>
             <a:endParaRPr lang="en-GB"/>
           </a:p>
@@ -810,7 +811,7 @@
           <a:p>
             <a:fld id="{EAE51E3F-6184-428E-993A-68B9C2A64341}" type="datetimeFigureOut">
               <a:rPr lang="en-GB" smtClean="0"/>
-              <a:t>17/04/2013</a:t>
+              <a:t>12/7/13</a:t>
             </a:fld>
             <a:endParaRPr lang="en-GB"/>
           </a:p>
@@ -1056,7 +1057,7 @@
           <a:p>
             <a:fld id="{EAE51E3F-6184-428E-993A-68B9C2A64341}" type="datetimeFigureOut">
               <a:rPr lang="en-GB" smtClean="0"/>
-              <a:t>17/04/2013</a:t>
+              <a:t>12/7/13</a:t>
             </a:fld>
             <a:endParaRPr lang="en-GB"/>
           </a:p>
@@ -1344,7 +1345,7 @@
           <a:p>
             <a:fld id="{EAE51E3F-6184-428E-993A-68B9C2A64341}" type="datetimeFigureOut">
               <a:rPr lang="en-GB" smtClean="0"/>
-              <a:t>17/04/2013</a:t>
+              <a:t>12/7/13</a:t>
             </a:fld>
             <a:endParaRPr lang="en-GB"/>
           </a:p>
@@ -1766,7 +1767,7 @@
           <a:p>
             <a:fld id="{EAE51E3F-6184-428E-993A-68B9C2A64341}" type="datetimeFigureOut">
               <a:rPr lang="en-GB" smtClean="0"/>
-              <a:t>17/04/2013</a:t>
+              <a:t>12/7/13</a:t>
             </a:fld>
             <a:endParaRPr lang="en-GB"/>
           </a:p>
@@ -1884,7 +1885,7 @@
           <a:p>
             <a:fld id="{EAE51E3F-6184-428E-993A-68B9C2A64341}" type="datetimeFigureOut">
               <a:rPr lang="en-GB" smtClean="0"/>
-              <a:t>17/04/2013</a:t>
+              <a:t>12/7/13</a:t>
             </a:fld>
             <a:endParaRPr lang="en-GB"/>
           </a:p>
@@ -1979,7 +1980,7 @@
           <a:p>
             <a:fld id="{EAE51E3F-6184-428E-993A-68B9C2A64341}" type="datetimeFigureOut">
               <a:rPr lang="en-GB" smtClean="0"/>
-              <a:t>17/04/2013</a:t>
+              <a:t>12/7/13</a:t>
             </a:fld>
             <a:endParaRPr lang="en-GB"/>
           </a:p>
@@ -2256,7 +2257,7 @@
           <a:p>
             <a:fld id="{EAE51E3F-6184-428E-993A-68B9C2A64341}" type="datetimeFigureOut">
               <a:rPr lang="en-GB" smtClean="0"/>
-              <a:t>17/04/2013</a:t>
+              <a:t>12/7/13</a:t>
             </a:fld>
             <a:endParaRPr lang="en-GB"/>
           </a:p>
@@ -2509,7 +2510,7 @@
           <a:p>
             <a:fld id="{EAE51E3F-6184-428E-993A-68B9C2A64341}" type="datetimeFigureOut">
               <a:rPr lang="en-GB" smtClean="0"/>
-              <a:t>17/04/2013</a:t>
+              <a:t>12/7/13</a:t>
             </a:fld>
             <a:endParaRPr lang="en-GB"/>
           </a:p>
@@ -2722,7 +2723,7 @@
           <a:p>
             <a:fld id="{EAE51E3F-6184-428E-993A-68B9C2A64341}" type="datetimeFigureOut">
               <a:rPr lang="en-GB" smtClean="0"/>
-              <a:t>17/04/2013</a:t>
+              <a:t>12/7/13</a:t>
             </a:fld>
             <a:endParaRPr lang="en-GB"/>
           </a:p>
@@ -3097,1225 +3098,6 @@
           <a:chExt cx="0" cy="0"/>
         </a:xfrm>
       </p:grpSpPr>
-      <p:grpSp>
-        <p:nvGrpSpPr>
-          <p:cNvPr id="25" name="Group 24"/>
-          <p:cNvGrpSpPr/>
-          <p:nvPr/>
-        </p:nvGrpSpPr>
-        <p:grpSpPr>
-          <a:xfrm>
-            <a:off x="3086566" y="1778341"/>
-            <a:ext cx="4655241" cy="1110599"/>
-            <a:chOff x="3086566" y="1778341"/>
-            <a:chExt cx="4655241" cy="1110599"/>
-          </a:xfrm>
-        </p:grpSpPr>
-        <p:cxnSp>
-          <p:nvCxnSpPr>
-            <p:cNvPr id="6" name="Straight Arrow Connector 5"/>
-            <p:cNvCxnSpPr>
-              <a:endCxn id="12" idx="3"/>
-            </p:cNvCxnSpPr>
-            <p:nvPr/>
-          </p:nvCxnSpPr>
-          <p:spPr>
-            <a:xfrm flipH="1">
-              <a:off x="5347032" y="2510898"/>
-              <a:ext cx="305088" cy="0"/>
-            </a:xfrm>
-            <a:prstGeom prst="straightConnector1">
-              <a:avLst/>
-            </a:prstGeom>
-            <a:ln>
-              <a:tailEnd type="arrow"/>
-            </a:ln>
-          </p:spPr>
-          <p:style>
-            <a:lnRef idx="1">
-              <a:schemeClr val="accent1"/>
-            </a:lnRef>
-            <a:fillRef idx="0">
-              <a:schemeClr val="accent1"/>
-            </a:fillRef>
-            <a:effectRef idx="0">
-              <a:schemeClr val="accent1"/>
-            </a:effectRef>
-            <a:fontRef idx="minor">
-              <a:schemeClr val="tx1"/>
-            </a:fontRef>
-          </p:style>
-        </p:cxnSp>
-        <p:cxnSp>
-          <p:nvCxnSpPr>
-            <p:cNvPr id="8" name="Straight Arrow Connector 7"/>
-            <p:cNvCxnSpPr>
-              <a:stCxn id="12" idx="1"/>
-            </p:cNvCxnSpPr>
-            <p:nvPr/>
-          </p:nvCxnSpPr>
-          <p:spPr>
-            <a:xfrm flipH="1" flipV="1">
-              <a:off x="3239852" y="2507376"/>
-              <a:ext cx="396044" cy="3522"/>
-            </a:xfrm>
-            <a:prstGeom prst="straightConnector1">
-              <a:avLst/>
-            </a:prstGeom>
-            <a:ln>
-              <a:tailEnd type="arrow"/>
-            </a:ln>
-          </p:spPr>
-          <p:style>
-            <a:lnRef idx="1">
-              <a:schemeClr val="accent1"/>
-            </a:lnRef>
-            <a:fillRef idx="0">
-              <a:schemeClr val="accent1"/>
-            </a:fillRef>
-            <a:effectRef idx="0">
-              <a:schemeClr val="accent1"/>
-            </a:effectRef>
-            <a:fontRef idx="minor">
-              <a:schemeClr val="tx1"/>
-            </a:fontRef>
-          </p:style>
-        </p:cxnSp>
-        <p:sp>
-          <p:nvSpPr>
-            <p:cNvPr id="12" name="Rounded Rectangle 11"/>
-            <p:cNvSpPr/>
-            <p:nvPr/>
-          </p:nvSpPr>
-          <p:spPr>
-            <a:xfrm>
-              <a:off x="3635896" y="2132856"/>
-              <a:ext cx="1711136" cy="756084"/>
-            </a:xfrm>
-            <a:prstGeom prst="roundRect">
-              <a:avLst/>
-            </a:prstGeom>
-            <a:noFill/>
-          </p:spPr>
-          <p:style>
-            <a:lnRef idx="2">
-              <a:schemeClr val="accent1">
-                <a:shade val="50000"/>
-              </a:schemeClr>
-            </a:lnRef>
-            <a:fillRef idx="1">
-              <a:schemeClr val="accent1"/>
-            </a:fillRef>
-            <a:effectRef idx="0">
-              <a:schemeClr val="accent1"/>
-            </a:effectRef>
-            <a:fontRef idx="minor">
-              <a:schemeClr val="lt1"/>
-            </a:fontRef>
-          </p:style>
-          <p:txBody>
-            <a:bodyPr rtlCol="0" anchor="ctr"/>
-            <a:lstStyle/>
-            <a:p>
-              <a:pPr algn="ctr"/>
-              <a:endParaRPr lang="en-GB"/>
-            </a:p>
-          </p:txBody>
-        </p:sp>
-        <p:sp>
-          <p:nvSpPr>
-            <p:cNvPr id="14" name="TextBox 13"/>
-            <p:cNvSpPr txBox="1"/>
-            <p:nvPr/>
-          </p:nvSpPr>
-          <p:spPr>
-            <a:xfrm>
-              <a:off x="5354487" y="2507376"/>
-              <a:ext cx="2387320" cy="338554"/>
-            </a:xfrm>
-            <a:prstGeom prst="rect">
-              <a:avLst/>
-            </a:prstGeom>
-            <a:noFill/>
-          </p:spPr>
-          <p:txBody>
-            <a:bodyPr wrap="none" rtlCol="0">
-              <a:spAutoFit/>
-            </a:bodyPr>
-            <a:lstStyle/>
-            <a:p>
-              <a:r>
-                <a:rPr lang="en-GB" sz="1600" b="1" dirty="0" smtClean="0"/>
-                <a:t>data</a:t>
-              </a:r>
-              <a:r>
-                <a:rPr lang="en-GB" sz="1600" dirty="0" smtClean="0"/>
-                <a:t> &lt; </a:t>
-              </a:r>
-              <a:r>
-                <a:rPr lang="en-GB" sz="1600" i="1" dirty="0" err="1" smtClean="0"/>
-                <a:t>physioset.physioset</a:t>
-              </a:r>
-              <a:endParaRPr lang="en-GB" sz="1600" i="1" dirty="0"/>
-            </a:p>
-          </p:txBody>
-        </p:sp>
-        <p:sp>
-          <p:nvSpPr>
-            <p:cNvPr id="16" name="TextBox 15"/>
-            <p:cNvSpPr txBox="1"/>
-            <p:nvPr/>
-          </p:nvSpPr>
-          <p:spPr>
-            <a:xfrm>
-              <a:off x="3690938" y="2322710"/>
-              <a:ext cx="1672702" cy="369332"/>
-            </a:xfrm>
-            <a:prstGeom prst="rect">
-              <a:avLst/>
-            </a:prstGeom>
-            <a:noFill/>
-          </p:spPr>
-          <p:txBody>
-            <a:bodyPr wrap="none" rtlCol="0">
-              <a:spAutoFit/>
-            </a:bodyPr>
-            <a:lstStyle/>
-            <a:p>
-              <a:r>
-                <a:rPr lang="en-GB" dirty="0" smtClean="0"/>
-                <a:t>run(</a:t>
-              </a:r>
-              <a:r>
-                <a:rPr lang="en-GB" b="1" dirty="0" smtClean="0"/>
-                <a:t>node</a:t>
-              </a:r>
-              <a:r>
-                <a:rPr lang="en-GB" dirty="0" smtClean="0"/>
-                <a:t>, </a:t>
-              </a:r>
-              <a:r>
-                <a:rPr lang="en-GB" b="1" dirty="0" smtClean="0"/>
-                <a:t>data</a:t>
-              </a:r>
-              <a:r>
-                <a:rPr lang="en-GB" dirty="0" smtClean="0"/>
-                <a:t>)</a:t>
-              </a:r>
-              <a:endParaRPr lang="en-GB" dirty="0"/>
-            </a:p>
-          </p:txBody>
-        </p:sp>
-        <p:sp>
-          <p:nvSpPr>
-            <p:cNvPr id="21" name="TextBox 20"/>
-            <p:cNvSpPr txBox="1"/>
-            <p:nvPr/>
-          </p:nvSpPr>
-          <p:spPr>
-            <a:xfrm>
-              <a:off x="3227895" y="1778341"/>
-              <a:ext cx="2598788" cy="338554"/>
-            </a:xfrm>
-            <a:prstGeom prst="rect">
-              <a:avLst/>
-            </a:prstGeom>
-            <a:noFill/>
-          </p:spPr>
-          <p:txBody>
-            <a:bodyPr wrap="none" rtlCol="0">
-              <a:spAutoFit/>
-            </a:bodyPr>
-            <a:lstStyle/>
-            <a:p>
-              <a:r>
-                <a:rPr lang="en-GB" sz="1600" b="1" dirty="0"/>
-                <a:t>n</a:t>
-              </a:r>
-              <a:r>
-                <a:rPr lang="en-GB" sz="1600" b="1" dirty="0" smtClean="0"/>
-                <a:t>ode</a:t>
-              </a:r>
-              <a:r>
-                <a:rPr lang="en-GB" sz="1600" dirty="0" smtClean="0"/>
-                <a:t> &lt; </a:t>
-              </a:r>
-              <a:r>
-                <a:rPr lang="en-GB" sz="1600" i="1" dirty="0" err="1" smtClean="0"/>
-                <a:t>meegpipe.node.node</a:t>
-              </a:r>
-              <a:endParaRPr lang="en-GB" sz="1600" i="1" dirty="0"/>
-            </a:p>
-          </p:txBody>
-        </p:sp>
-        <p:sp>
-          <p:nvSpPr>
-            <p:cNvPr id="22" name="TextBox 21"/>
-            <p:cNvSpPr txBox="1"/>
-            <p:nvPr/>
-          </p:nvSpPr>
-          <p:spPr>
-            <a:xfrm>
-              <a:off x="3086566" y="2505404"/>
-              <a:ext cx="563872" cy="338554"/>
-            </a:xfrm>
-            <a:prstGeom prst="rect">
-              <a:avLst/>
-            </a:prstGeom>
-            <a:noFill/>
-          </p:spPr>
-          <p:txBody>
-            <a:bodyPr wrap="none" rtlCol="0">
-              <a:spAutoFit/>
-            </a:bodyPr>
-            <a:lstStyle/>
-            <a:p>
-              <a:r>
-                <a:rPr lang="en-GB" sz="1600" b="1" dirty="0" smtClean="0"/>
-                <a:t>data</a:t>
-              </a:r>
-              <a:endParaRPr lang="en-GB" sz="1600" dirty="0"/>
-            </a:p>
-          </p:txBody>
-        </p:sp>
-      </p:grpSp>
-    </p:spTree>
-    <p:extLst>
-      <p:ext uri="{BB962C8B-B14F-4D97-AF65-F5344CB8AC3E}">
-        <p14:creationId xmlns:p14="http://schemas.microsoft.com/office/powerpoint/2010/main" val="1141885429"/>
-      </p:ext>
-    </p:extLst>
-  </p:cSld>
-  <p:clrMapOvr>
-    <a:masterClrMapping/>
-  </p:clrMapOvr>
-</p:sld>
-</file>
-
-<file path=ppt/slides/slide2.xml><?xml version="1.0" encoding="utf-8"?>
-<p:sld xmlns:a="http://schemas.openxmlformats.org/drawingml/2006/main" xmlns:r="http://schemas.openxmlformats.org/officeDocument/2006/relationships" xmlns:p="http://schemas.openxmlformats.org/presentationml/2006/main">
-  <p:cSld>
-    <p:spTree>
-      <p:nvGrpSpPr>
-        <p:cNvPr id="1" name=""/>
-        <p:cNvGrpSpPr/>
-        <p:nvPr/>
-      </p:nvGrpSpPr>
-      <p:grpSpPr>
-        <a:xfrm>
-          <a:off x="0" y="0"/>
-          <a:ext cx="0" cy="0"/>
-          <a:chOff x="0" y="0"/>
-          <a:chExt cx="0" cy="0"/>
-        </a:xfrm>
-      </p:grpSpPr>
-      <p:grpSp>
-        <p:nvGrpSpPr>
-          <p:cNvPr id="8" name="Group 7"/>
-          <p:cNvGrpSpPr/>
-          <p:nvPr/>
-        </p:nvGrpSpPr>
-        <p:grpSpPr>
-          <a:xfrm>
-            <a:off x="2627784" y="1268760"/>
-            <a:ext cx="4855467" cy="3927341"/>
-            <a:chOff x="2627784" y="1268760"/>
-            <a:chExt cx="4855467" cy="3927341"/>
-          </a:xfrm>
-        </p:grpSpPr>
-        <p:cxnSp>
-          <p:nvCxnSpPr>
-            <p:cNvPr id="6" name="Straight Arrow Connector 5"/>
-            <p:cNvCxnSpPr/>
-            <p:nvPr/>
-          </p:nvCxnSpPr>
-          <p:spPr>
-            <a:xfrm flipH="1">
-              <a:off x="6660232" y="2492896"/>
-              <a:ext cx="561971" cy="10020"/>
-            </a:xfrm>
-            <a:prstGeom prst="straightConnector1">
-              <a:avLst/>
-            </a:prstGeom>
-            <a:ln>
-              <a:tailEnd type="arrow"/>
-            </a:ln>
-          </p:spPr>
-          <p:style>
-            <a:lnRef idx="1">
-              <a:schemeClr val="accent1"/>
-            </a:lnRef>
-            <a:fillRef idx="0">
-              <a:schemeClr val="accent1"/>
-            </a:fillRef>
-            <a:effectRef idx="0">
-              <a:schemeClr val="accent1"/>
-            </a:effectRef>
-            <a:fontRef idx="minor">
-              <a:schemeClr val="tx1"/>
-            </a:fontRef>
-          </p:style>
-        </p:cxnSp>
-        <p:sp>
-          <p:nvSpPr>
-            <p:cNvPr id="12" name="Rounded Rectangle 11"/>
-            <p:cNvSpPr/>
-            <p:nvPr/>
-          </p:nvSpPr>
-          <p:spPr>
-            <a:xfrm>
-              <a:off x="3347864" y="1700808"/>
-              <a:ext cx="3456384" cy="2376264"/>
-            </a:xfrm>
-            <a:prstGeom prst="roundRect">
-              <a:avLst/>
-            </a:prstGeom>
-            <a:noFill/>
-          </p:spPr>
-          <p:style>
-            <a:lnRef idx="2">
-              <a:schemeClr val="accent1">
-                <a:shade val="50000"/>
-              </a:schemeClr>
-            </a:lnRef>
-            <a:fillRef idx="1">
-              <a:schemeClr val="accent1"/>
-            </a:fillRef>
-            <a:effectRef idx="0">
-              <a:schemeClr val="accent1"/>
-            </a:effectRef>
-            <a:fontRef idx="minor">
-              <a:schemeClr val="lt1"/>
-            </a:fontRef>
-          </p:style>
-          <p:txBody>
-            <a:bodyPr rtlCol="0" anchor="ctr"/>
-            <a:lstStyle/>
-            <a:p>
-              <a:pPr algn="ctr"/>
-              <a:endParaRPr lang="en-GB"/>
-            </a:p>
-          </p:txBody>
-        </p:sp>
-        <p:sp>
-          <p:nvSpPr>
-            <p:cNvPr id="14" name="TextBox 13"/>
-            <p:cNvSpPr txBox="1"/>
-            <p:nvPr/>
-          </p:nvSpPr>
-          <p:spPr>
-            <a:xfrm>
-              <a:off x="6876256" y="2060848"/>
-              <a:ext cx="606995" cy="338554"/>
-            </a:xfrm>
-            <a:prstGeom prst="rect">
-              <a:avLst/>
-            </a:prstGeom>
-            <a:noFill/>
-          </p:spPr>
-          <p:txBody>
-            <a:bodyPr wrap="none" rtlCol="0">
-              <a:spAutoFit/>
-            </a:bodyPr>
-            <a:lstStyle/>
-            <a:p>
-              <a:r>
-                <a:rPr lang="en-GB" sz="1600" b="1" dirty="0"/>
-                <a:t>d</a:t>
-              </a:r>
-              <a:r>
-                <a:rPr lang="en-GB" sz="1600" b="1" dirty="0" smtClean="0"/>
-                <a:t>ata</a:t>
-              </a:r>
-              <a:endParaRPr lang="en-GB" sz="1600" i="1" dirty="0"/>
-            </a:p>
-          </p:txBody>
-        </p:sp>
-        <p:sp>
-          <p:nvSpPr>
-            <p:cNvPr id="16" name="TextBox 15"/>
-            <p:cNvSpPr txBox="1"/>
-            <p:nvPr/>
-          </p:nvSpPr>
-          <p:spPr>
-            <a:xfrm>
-              <a:off x="4283968" y="1700808"/>
-              <a:ext cx="1511451" cy="338554"/>
-            </a:xfrm>
-            <a:prstGeom prst="rect">
-              <a:avLst/>
-            </a:prstGeom>
-            <a:noFill/>
-          </p:spPr>
-          <p:txBody>
-            <a:bodyPr wrap="none" rtlCol="0">
-              <a:spAutoFit/>
-            </a:bodyPr>
-            <a:lstStyle/>
-            <a:p>
-              <a:r>
-                <a:rPr lang="en-GB" sz="1600" dirty="0" smtClean="0"/>
-                <a:t>run(</a:t>
-              </a:r>
-              <a:r>
-                <a:rPr lang="en-GB" sz="1600" b="1" dirty="0" smtClean="0"/>
-                <a:t>node</a:t>
-              </a:r>
-              <a:r>
-                <a:rPr lang="en-GB" sz="1600" dirty="0" smtClean="0"/>
-                <a:t>, </a:t>
-              </a:r>
-              <a:r>
-                <a:rPr lang="en-GB" sz="1600" b="1" dirty="0" smtClean="0"/>
-                <a:t>data</a:t>
-              </a:r>
-              <a:r>
-                <a:rPr lang="en-GB" sz="1600" dirty="0" smtClean="0"/>
-                <a:t>)</a:t>
-              </a:r>
-              <a:endParaRPr lang="en-GB" sz="1600" dirty="0"/>
-            </a:p>
-          </p:txBody>
-        </p:sp>
-        <p:sp>
-          <p:nvSpPr>
-            <p:cNvPr id="21" name="TextBox 20"/>
-            <p:cNvSpPr txBox="1"/>
-            <p:nvPr/>
-          </p:nvSpPr>
-          <p:spPr>
-            <a:xfrm>
-              <a:off x="4644008" y="1268760"/>
-              <a:ext cx="656988" cy="338554"/>
-            </a:xfrm>
-            <a:prstGeom prst="rect">
-              <a:avLst/>
-            </a:prstGeom>
-            <a:noFill/>
-          </p:spPr>
-          <p:txBody>
-            <a:bodyPr wrap="none" rtlCol="0">
-              <a:spAutoFit/>
-            </a:bodyPr>
-            <a:lstStyle/>
-            <a:p>
-              <a:r>
-                <a:rPr lang="en-GB" sz="1600" b="1" dirty="0" smtClean="0"/>
-                <a:t>node</a:t>
-              </a:r>
-              <a:endParaRPr lang="en-GB" sz="1600" i="1" dirty="0"/>
-            </a:p>
-          </p:txBody>
-        </p:sp>
-        <p:sp>
-          <p:nvSpPr>
-            <p:cNvPr id="22" name="TextBox 21"/>
-            <p:cNvSpPr txBox="1"/>
-            <p:nvPr/>
-          </p:nvSpPr>
-          <p:spPr>
-            <a:xfrm>
-              <a:off x="2627784" y="2060848"/>
-              <a:ext cx="563872" cy="338554"/>
-            </a:xfrm>
-            <a:prstGeom prst="rect">
-              <a:avLst/>
-            </a:prstGeom>
-            <a:noFill/>
-          </p:spPr>
-          <p:txBody>
-            <a:bodyPr wrap="none" rtlCol="0">
-              <a:spAutoFit/>
-            </a:bodyPr>
-            <a:lstStyle/>
-            <a:p>
-              <a:r>
-                <a:rPr lang="en-GB" sz="1600" b="1" dirty="0" smtClean="0"/>
-                <a:t>data</a:t>
-              </a:r>
-              <a:endParaRPr lang="en-GB" sz="1600" dirty="0"/>
-            </a:p>
-          </p:txBody>
-        </p:sp>
-        <p:sp>
-          <p:nvSpPr>
-            <p:cNvPr id="13" name="Rounded Rectangle 12"/>
-            <p:cNvSpPr/>
-            <p:nvPr/>
-          </p:nvSpPr>
-          <p:spPr>
-            <a:xfrm>
-              <a:off x="3635896" y="3068960"/>
-              <a:ext cx="1440160" cy="792088"/>
-            </a:xfrm>
-            <a:prstGeom prst="roundRect">
-              <a:avLst/>
-            </a:prstGeom>
-            <a:ln>
-              <a:solidFill>
-                <a:schemeClr val="bg1">
-                  <a:lumMod val="75000"/>
-                </a:schemeClr>
-              </a:solidFill>
-            </a:ln>
-          </p:spPr>
-          <p:style>
-            <a:lnRef idx="2">
-              <a:schemeClr val="accent3"/>
-            </a:lnRef>
-            <a:fillRef idx="1">
-              <a:schemeClr val="lt1"/>
-            </a:fillRef>
-            <a:effectRef idx="0">
-              <a:schemeClr val="accent3"/>
-            </a:effectRef>
-            <a:fontRef idx="minor">
-              <a:schemeClr val="dk1"/>
-            </a:fontRef>
-          </p:style>
-          <p:txBody>
-            <a:bodyPr rtlCol="0" anchor="ctr"/>
-            <a:lstStyle/>
-            <a:p>
-              <a:pPr algn="ctr"/>
-              <a:endParaRPr lang="en-GB"/>
-            </a:p>
-          </p:txBody>
-        </p:sp>
-        <p:sp>
-          <p:nvSpPr>
-            <p:cNvPr id="5" name="TextBox 4"/>
-            <p:cNvSpPr txBox="1"/>
-            <p:nvPr/>
-          </p:nvSpPr>
-          <p:spPr>
-            <a:xfrm>
-              <a:off x="3635896" y="3170276"/>
-              <a:ext cx="1401083" cy="584776"/>
-            </a:xfrm>
-            <a:prstGeom prst="rect">
-              <a:avLst/>
-            </a:prstGeom>
-            <a:noFill/>
-          </p:spPr>
-          <p:txBody>
-            <a:bodyPr wrap="square" rtlCol="0">
-              <a:spAutoFit/>
-            </a:bodyPr>
-            <a:lstStyle/>
-            <a:p>
-              <a:pPr algn="ctr"/>
-              <a:r>
-                <a:rPr lang="en-US" sz="1600" dirty="0" smtClean="0"/>
-                <a:t>configuration options</a:t>
-              </a:r>
-              <a:endParaRPr lang="en-US" sz="1600" dirty="0"/>
-            </a:p>
-          </p:txBody>
-        </p:sp>
-        <p:sp>
-          <p:nvSpPr>
-            <p:cNvPr id="15" name="Rounded Rectangle 14"/>
-            <p:cNvSpPr/>
-            <p:nvPr/>
-          </p:nvSpPr>
-          <p:spPr>
-            <a:xfrm>
-              <a:off x="5148064" y="3068960"/>
-              <a:ext cx="1368152" cy="792088"/>
-            </a:xfrm>
-            <a:prstGeom prst="roundRect">
-              <a:avLst/>
-            </a:prstGeom>
-            <a:ln>
-              <a:solidFill>
-                <a:schemeClr val="bg1">
-                  <a:lumMod val="75000"/>
-                </a:schemeClr>
-              </a:solidFill>
-            </a:ln>
-          </p:spPr>
-          <p:style>
-            <a:lnRef idx="2">
-              <a:schemeClr val="accent3"/>
-            </a:lnRef>
-            <a:fillRef idx="1">
-              <a:schemeClr val="lt1"/>
-            </a:fillRef>
-            <a:effectRef idx="0">
-              <a:schemeClr val="accent3"/>
-            </a:effectRef>
-            <a:fontRef idx="minor">
-              <a:schemeClr val="dk1"/>
-            </a:fontRef>
-          </p:style>
-          <p:txBody>
-            <a:bodyPr rtlCol="0" anchor="ctr"/>
-            <a:lstStyle/>
-            <a:p>
-              <a:pPr algn="ctr"/>
-              <a:endParaRPr lang="en-GB"/>
-            </a:p>
-          </p:txBody>
-        </p:sp>
-        <p:sp>
-          <p:nvSpPr>
-            <p:cNvPr id="17" name="TextBox 16"/>
-            <p:cNvSpPr txBox="1"/>
-            <p:nvPr/>
-          </p:nvSpPr>
-          <p:spPr>
-            <a:xfrm>
-              <a:off x="5180995" y="3170276"/>
-              <a:ext cx="1296144" cy="584776"/>
-            </a:xfrm>
-            <a:prstGeom prst="rect">
-              <a:avLst/>
-            </a:prstGeom>
-            <a:noFill/>
-          </p:spPr>
-          <p:txBody>
-            <a:bodyPr wrap="square" rtlCol="0">
-              <a:spAutoFit/>
-            </a:bodyPr>
-            <a:lstStyle/>
-            <a:p>
-              <a:pPr algn="ctr"/>
-              <a:r>
-                <a:rPr lang="en-US" sz="1600" dirty="0" smtClean="0"/>
-                <a:t>Basic node properties</a:t>
-              </a:r>
-            </a:p>
-          </p:txBody>
-        </p:sp>
-        <p:cxnSp>
-          <p:nvCxnSpPr>
-            <p:cNvPr id="28" name="Straight Arrow Connector 27"/>
-            <p:cNvCxnSpPr>
-              <a:stCxn id="32" idx="0"/>
-              <a:endCxn id="13" idx="2"/>
-            </p:cNvCxnSpPr>
-            <p:nvPr/>
-          </p:nvCxnSpPr>
-          <p:spPr>
-            <a:xfrm flipV="1">
-              <a:off x="4355976" y="3861048"/>
-              <a:ext cx="0" cy="504056"/>
-            </a:xfrm>
-            <a:prstGeom prst="straightConnector1">
-              <a:avLst/>
-            </a:prstGeom>
-            <a:ln>
-              <a:headEnd type="arrow"/>
-              <a:tailEnd type="arrow"/>
-            </a:ln>
-          </p:spPr>
-          <p:style>
-            <a:lnRef idx="1">
-              <a:schemeClr val="accent1"/>
-            </a:lnRef>
-            <a:fillRef idx="0">
-              <a:schemeClr val="accent1"/>
-            </a:fillRef>
-            <a:effectRef idx="0">
-              <a:schemeClr val="accent1"/>
-            </a:effectRef>
-            <a:fontRef idx="minor">
-              <a:schemeClr val="tx1"/>
-            </a:fontRef>
-          </p:style>
-        </p:cxnSp>
-        <p:cxnSp>
-          <p:nvCxnSpPr>
-            <p:cNvPr id="31" name="Straight Arrow Connector 30"/>
-            <p:cNvCxnSpPr/>
-            <p:nvPr/>
-          </p:nvCxnSpPr>
-          <p:spPr>
-            <a:xfrm flipV="1">
-              <a:off x="5868144" y="3861048"/>
-              <a:ext cx="1860" cy="548872"/>
-            </a:xfrm>
-            <a:prstGeom prst="straightConnector1">
-              <a:avLst/>
-            </a:prstGeom>
-            <a:ln>
-              <a:headEnd type="arrow"/>
-              <a:tailEnd type="arrow"/>
-            </a:ln>
-          </p:spPr>
-          <p:style>
-            <a:lnRef idx="1">
-              <a:schemeClr val="accent1"/>
-            </a:lnRef>
-            <a:fillRef idx="0">
-              <a:schemeClr val="accent1"/>
-            </a:fillRef>
-            <a:effectRef idx="0">
-              <a:schemeClr val="accent1"/>
-            </a:effectRef>
-            <a:fontRef idx="minor">
-              <a:schemeClr val="tx1"/>
-            </a:fontRef>
-          </p:style>
-        </p:cxnSp>
-        <p:sp>
-          <p:nvSpPr>
-            <p:cNvPr id="32" name="TextBox 31"/>
-            <p:cNvSpPr txBox="1"/>
-            <p:nvPr/>
-          </p:nvSpPr>
-          <p:spPr>
-            <a:xfrm>
-              <a:off x="3707904" y="4365104"/>
-              <a:ext cx="1296144" cy="461665"/>
-            </a:xfrm>
-            <a:prstGeom prst="rect">
-              <a:avLst/>
-            </a:prstGeom>
-            <a:noFill/>
-          </p:spPr>
-          <p:txBody>
-            <a:bodyPr wrap="square" rtlCol="0">
-              <a:spAutoFit/>
-            </a:bodyPr>
-            <a:lstStyle/>
-            <a:p>
-              <a:pPr algn="ctr"/>
-              <a:r>
-                <a:rPr lang="en-US" sz="1200" i="1" dirty="0" err="1"/>
-                <a:t>s</a:t>
-              </a:r>
-              <a:r>
-                <a:rPr lang="en-US" sz="1200" i="1" dirty="0" err="1" smtClean="0"/>
-                <a:t>et_config</a:t>
-              </a:r>
-              <a:r>
-                <a:rPr lang="en-US" sz="1200" i="1" dirty="0" smtClean="0"/>
-                <a:t>()</a:t>
-              </a:r>
-            </a:p>
-            <a:p>
-              <a:pPr algn="ctr"/>
-              <a:r>
-                <a:rPr lang="en-US" sz="1200" i="1" dirty="0" err="1"/>
-                <a:t>g</a:t>
-              </a:r>
-              <a:r>
-                <a:rPr lang="en-US" sz="1200" i="1" dirty="0" err="1" smtClean="0"/>
-                <a:t>et_config</a:t>
-              </a:r>
-              <a:r>
-                <a:rPr lang="en-US" sz="1200" i="1" dirty="0" smtClean="0"/>
-                <a:t>()</a:t>
-              </a:r>
-              <a:endParaRPr lang="en-US" sz="1200" i="1" dirty="0"/>
-            </a:p>
-          </p:txBody>
-        </p:sp>
-        <p:sp>
-          <p:nvSpPr>
-            <p:cNvPr id="33" name="TextBox 32"/>
-            <p:cNvSpPr txBox="1"/>
-            <p:nvPr/>
-          </p:nvSpPr>
-          <p:spPr>
-            <a:xfrm>
-              <a:off x="5436096" y="4365104"/>
-              <a:ext cx="1728192" cy="830997"/>
-            </a:xfrm>
-            <a:prstGeom prst="rect">
-              <a:avLst/>
-            </a:prstGeom>
-            <a:noFill/>
-          </p:spPr>
-          <p:txBody>
-            <a:bodyPr wrap="square" rtlCol="0">
-              <a:spAutoFit/>
-            </a:bodyPr>
-            <a:lstStyle/>
-            <a:p>
-              <a:r>
-                <a:rPr lang="en-US" sz="1200" i="1" dirty="0" smtClean="0"/>
-                <a:t>.Name</a:t>
-              </a:r>
-              <a:endParaRPr lang="en-US" sz="1200" i="1" dirty="0"/>
-            </a:p>
-            <a:p>
-              <a:r>
-                <a:rPr lang="en-US" sz="1200" i="1" dirty="0" smtClean="0"/>
-                <a:t>.</a:t>
-              </a:r>
-              <a:r>
-                <a:rPr lang="en-US" sz="1200" i="1" dirty="0" err="1" smtClean="0"/>
-                <a:t>DataSelector</a:t>
-              </a:r>
-              <a:endParaRPr lang="en-US" sz="1200" i="1" dirty="0"/>
-            </a:p>
-            <a:p>
-              <a:r>
-                <a:rPr lang="en-US" sz="1200" i="1" dirty="0" smtClean="0"/>
-                <a:t>.Save</a:t>
-              </a:r>
-              <a:endParaRPr lang="en-US" sz="1200" i="1" dirty="0"/>
-            </a:p>
-            <a:p>
-              <a:r>
-                <a:rPr lang="en-US" sz="1200" i="1" dirty="0" smtClean="0"/>
-                <a:t>.</a:t>
-              </a:r>
-              <a:r>
-                <a:rPr lang="en-US" sz="1200" i="1" dirty="0" err="1" smtClean="0"/>
-                <a:t>GenerateReport</a:t>
-              </a:r>
-              <a:endParaRPr lang="en-US" sz="1200" i="1" dirty="0"/>
-            </a:p>
-          </p:txBody>
-        </p:sp>
-        <p:sp>
-          <p:nvSpPr>
-            <p:cNvPr id="35" name="Rounded Rectangle 34"/>
-            <p:cNvSpPr/>
-            <p:nvPr/>
-          </p:nvSpPr>
-          <p:spPr>
-            <a:xfrm>
-              <a:off x="5724128" y="2132856"/>
-              <a:ext cx="936104" cy="792088"/>
-            </a:xfrm>
-            <a:prstGeom prst="roundRect">
-              <a:avLst/>
-            </a:prstGeom>
-            <a:ln/>
-          </p:spPr>
-          <p:style>
-            <a:lnRef idx="2">
-              <a:schemeClr val="accent1"/>
-            </a:lnRef>
-            <a:fillRef idx="1">
-              <a:schemeClr val="lt1"/>
-            </a:fillRef>
-            <a:effectRef idx="0">
-              <a:schemeClr val="accent1"/>
-            </a:effectRef>
-            <a:fontRef idx="minor">
-              <a:schemeClr val="dk1"/>
-            </a:fontRef>
-          </p:style>
-          <p:txBody>
-            <a:bodyPr rtlCol="0" anchor="ctr"/>
-            <a:lstStyle/>
-            <a:p>
-              <a:pPr algn="ctr"/>
-              <a:endParaRPr lang="en-GB"/>
-            </a:p>
-          </p:txBody>
-        </p:sp>
-        <p:sp>
-          <p:nvSpPr>
-            <p:cNvPr id="37" name="TextBox 36"/>
-            <p:cNvSpPr txBox="1"/>
-            <p:nvPr/>
-          </p:nvSpPr>
-          <p:spPr>
-            <a:xfrm>
-              <a:off x="5724128" y="2276872"/>
-              <a:ext cx="936104" cy="461665"/>
-            </a:xfrm>
-            <a:prstGeom prst="rect">
-              <a:avLst/>
-            </a:prstGeom>
-            <a:noFill/>
-          </p:spPr>
-          <p:txBody>
-            <a:bodyPr wrap="square" rtlCol="0">
-              <a:spAutoFit/>
-            </a:bodyPr>
-            <a:lstStyle/>
-            <a:p>
-              <a:pPr algn="ctr"/>
-              <a:r>
-                <a:rPr lang="en-US" sz="1200" i="1" dirty="0" smtClean="0"/>
-                <a:t>Data selection</a:t>
-              </a:r>
-              <a:endParaRPr lang="en-US" sz="1200" i="1" dirty="0"/>
-            </a:p>
-          </p:txBody>
-        </p:sp>
-        <p:sp>
-          <p:nvSpPr>
-            <p:cNvPr id="38" name="Rounded Rectangle 37"/>
-            <p:cNvSpPr/>
-            <p:nvPr/>
-          </p:nvSpPr>
-          <p:spPr>
-            <a:xfrm>
-              <a:off x="3491880" y="2132856"/>
-              <a:ext cx="936104" cy="792088"/>
-            </a:xfrm>
-            <a:prstGeom prst="roundRect">
-              <a:avLst/>
-            </a:prstGeom>
-            <a:ln/>
-          </p:spPr>
-          <p:style>
-            <a:lnRef idx="2">
-              <a:schemeClr val="accent1"/>
-            </a:lnRef>
-            <a:fillRef idx="1">
-              <a:schemeClr val="lt1"/>
-            </a:fillRef>
-            <a:effectRef idx="0">
-              <a:schemeClr val="accent1"/>
-            </a:effectRef>
-            <a:fontRef idx="minor">
-              <a:schemeClr val="dk1"/>
-            </a:fontRef>
-          </p:style>
-          <p:txBody>
-            <a:bodyPr rtlCol="0" anchor="ctr"/>
-            <a:lstStyle/>
-            <a:p>
-              <a:pPr algn="ctr"/>
-              <a:endParaRPr lang="en-GB"/>
-            </a:p>
-          </p:txBody>
-        </p:sp>
-        <p:sp>
-          <p:nvSpPr>
-            <p:cNvPr id="39" name="TextBox 38"/>
-            <p:cNvSpPr txBox="1"/>
-            <p:nvPr/>
-          </p:nvSpPr>
-          <p:spPr>
-            <a:xfrm>
-              <a:off x="3563888" y="2204864"/>
-              <a:ext cx="792088" cy="646331"/>
-            </a:xfrm>
-            <a:prstGeom prst="rect">
-              <a:avLst/>
-            </a:prstGeom>
-            <a:noFill/>
-          </p:spPr>
-          <p:txBody>
-            <a:bodyPr wrap="square" rtlCol="0">
-              <a:spAutoFit/>
-            </a:bodyPr>
-            <a:lstStyle/>
-            <a:p>
-              <a:pPr algn="ctr"/>
-              <a:r>
-                <a:rPr lang="en-US" sz="1200" i="1" dirty="0" smtClean="0"/>
-                <a:t>Restore data selection</a:t>
-              </a:r>
-              <a:endParaRPr lang="en-US" sz="1200" i="1" dirty="0"/>
-            </a:p>
-          </p:txBody>
-        </p:sp>
-        <p:sp>
-          <p:nvSpPr>
-            <p:cNvPr id="44" name="Rounded Rectangle 43"/>
-            <p:cNvSpPr/>
-            <p:nvPr/>
-          </p:nvSpPr>
-          <p:spPr>
-            <a:xfrm>
-              <a:off x="4644008" y="2132856"/>
-              <a:ext cx="936104" cy="792088"/>
-            </a:xfrm>
-            <a:prstGeom prst="roundRect">
-              <a:avLst/>
-            </a:prstGeom>
-            <a:ln/>
-          </p:spPr>
-          <p:style>
-            <a:lnRef idx="2">
-              <a:schemeClr val="accent1"/>
-            </a:lnRef>
-            <a:fillRef idx="1">
-              <a:schemeClr val="lt1"/>
-            </a:fillRef>
-            <a:effectRef idx="0">
-              <a:schemeClr val="accent1"/>
-            </a:effectRef>
-            <a:fontRef idx="minor">
-              <a:schemeClr val="dk1"/>
-            </a:fontRef>
-          </p:style>
-          <p:txBody>
-            <a:bodyPr rtlCol="0" anchor="ctr"/>
-            <a:lstStyle/>
-            <a:p>
-              <a:pPr algn="ctr"/>
-              <a:endParaRPr lang="en-GB"/>
-            </a:p>
-          </p:txBody>
-        </p:sp>
-        <p:sp>
-          <p:nvSpPr>
-            <p:cNvPr id="45" name="TextBox 44"/>
-            <p:cNvSpPr txBox="1"/>
-            <p:nvPr/>
-          </p:nvSpPr>
-          <p:spPr>
-            <a:xfrm>
-              <a:off x="4644008" y="2348880"/>
-              <a:ext cx="936104" cy="276999"/>
-            </a:xfrm>
-            <a:prstGeom prst="rect">
-              <a:avLst/>
-            </a:prstGeom>
-            <a:noFill/>
-          </p:spPr>
-          <p:txBody>
-            <a:bodyPr wrap="square" rtlCol="0">
-              <a:spAutoFit/>
-            </a:bodyPr>
-            <a:lstStyle/>
-            <a:p>
-              <a:pPr algn="ctr"/>
-              <a:r>
-                <a:rPr lang="en-US" sz="1200" i="1" dirty="0"/>
-                <a:t>p</a:t>
-              </a:r>
-              <a:r>
-                <a:rPr lang="en-US" sz="1200" i="1" dirty="0" smtClean="0"/>
-                <a:t>rocess()</a:t>
-              </a:r>
-              <a:endParaRPr lang="en-US" sz="1200" i="1" dirty="0"/>
-            </a:p>
-          </p:txBody>
-        </p:sp>
-        <p:cxnSp>
-          <p:nvCxnSpPr>
-            <p:cNvPr id="53" name="Straight Arrow Connector 52"/>
-            <p:cNvCxnSpPr/>
-            <p:nvPr/>
-          </p:nvCxnSpPr>
-          <p:spPr>
-            <a:xfrm flipH="1">
-              <a:off x="5436097" y="2499114"/>
-              <a:ext cx="453580" cy="3802"/>
-            </a:xfrm>
-            <a:prstGeom prst="straightConnector1">
-              <a:avLst/>
-            </a:prstGeom>
-            <a:ln>
-              <a:tailEnd type="arrow"/>
-            </a:ln>
-          </p:spPr>
-          <p:style>
-            <a:lnRef idx="1">
-              <a:schemeClr val="accent1"/>
-            </a:lnRef>
-            <a:fillRef idx="0">
-              <a:schemeClr val="accent1"/>
-            </a:fillRef>
-            <a:effectRef idx="0">
-              <a:schemeClr val="accent1"/>
-            </a:effectRef>
-            <a:fontRef idx="minor">
-              <a:schemeClr val="tx1"/>
-            </a:fontRef>
-          </p:style>
-        </p:cxnSp>
-        <p:cxnSp>
-          <p:nvCxnSpPr>
-            <p:cNvPr id="56" name="Straight Arrow Connector 55"/>
-            <p:cNvCxnSpPr/>
-            <p:nvPr/>
-          </p:nvCxnSpPr>
-          <p:spPr>
-            <a:xfrm flipH="1">
-              <a:off x="4283968" y="2492896"/>
-              <a:ext cx="453580" cy="3802"/>
-            </a:xfrm>
-            <a:prstGeom prst="straightConnector1">
-              <a:avLst/>
-            </a:prstGeom>
-            <a:ln>
-              <a:tailEnd type="arrow"/>
-            </a:ln>
-          </p:spPr>
-          <p:style>
-            <a:lnRef idx="1">
-              <a:schemeClr val="accent1"/>
-            </a:lnRef>
-            <a:fillRef idx="0">
-              <a:schemeClr val="accent1"/>
-            </a:fillRef>
-            <a:effectRef idx="0">
-              <a:schemeClr val="accent1"/>
-            </a:effectRef>
-            <a:fontRef idx="minor">
-              <a:schemeClr val="tx1"/>
-            </a:fontRef>
-          </p:style>
-        </p:cxnSp>
-        <p:cxnSp>
-          <p:nvCxnSpPr>
-            <p:cNvPr id="26" name="Straight Arrow Connector 25"/>
-            <p:cNvCxnSpPr/>
-            <p:nvPr/>
-          </p:nvCxnSpPr>
-          <p:spPr>
-            <a:xfrm flipH="1" flipV="1">
-              <a:off x="2889495" y="2481638"/>
-              <a:ext cx="594211" cy="5825"/>
-            </a:xfrm>
-            <a:prstGeom prst="straightConnector1">
-              <a:avLst/>
-            </a:prstGeom>
-            <a:ln>
-              <a:tailEnd type="arrow"/>
-            </a:ln>
-          </p:spPr>
-          <p:style>
-            <a:lnRef idx="1">
-              <a:schemeClr val="accent1"/>
-            </a:lnRef>
-            <a:fillRef idx="0">
-              <a:schemeClr val="accent1"/>
-            </a:fillRef>
-            <a:effectRef idx="0">
-              <a:schemeClr val="accent1"/>
-            </a:effectRef>
-            <a:fontRef idx="minor">
-              <a:schemeClr val="tx1"/>
-            </a:fontRef>
-          </p:style>
-        </p:cxnSp>
-      </p:grpSp>
-    </p:spTree>
-    <p:extLst>
-      <p:ext uri="{BB962C8B-B14F-4D97-AF65-F5344CB8AC3E}">
-        <p14:creationId xmlns:p14="http://schemas.microsoft.com/office/powerpoint/2010/main" val="1170458979"/>
-      </p:ext>
-    </p:extLst>
-  </p:cSld>
-  <p:clrMapOvr>
-    <a:masterClrMapping/>
-  </p:clrMapOvr>
-</p:sld>
-</file>
-
-<file path=ppt/slides/slide3.xml><?xml version="1.0" encoding="utf-8"?>
-<p:sld xmlns:a="http://schemas.openxmlformats.org/drawingml/2006/main" xmlns:r="http://schemas.openxmlformats.org/officeDocument/2006/relationships" xmlns:p="http://schemas.openxmlformats.org/presentationml/2006/main">
-  <p:cSld>
-    <p:spTree>
-      <p:nvGrpSpPr>
-        <p:cNvPr id="1" name=""/>
-        <p:cNvGrpSpPr/>
-        <p:nvPr/>
-      </p:nvGrpSpPr>
-      <p:grpSpPr>
-        <a:xfrm>
-          <a:off x="0" y="0"/>
-          <a:ext cx="0" cy="0"/>
-          <a:chOff x="0" y="0"/>
-          <a:chExt cx="0" cy="0"/>
-        </a:xfrm>
-      </p:grpSpPr>
       <p:cxnSp>
         <p:nvCxnSpPr>
           <p:cNvPr id="6" name="Straight Arrow Connector 5"/>
@@ -4323,9 +3105,9 @@
           <p:nvPr/>
         </p:nvCxnSpPr>
         <p:spPr>
-          <a:xfrm flipH="1">
-            <a:off x="6660232" y="2492896"/>
-            <a:ext cx="561971" cy="10020"/>
+          <a:xfrm>
+            <a:off x="6617182" y="2500769"/>
+            <a:ext cx="488468" cy="1131"/>
           </a:xfrm>
           <a:prstGeom prst="straightConnector1">
             <a:avLst/>
@@ -4398,8 +3180,8 @@
         </p:nvSpPr>
         <p:spPr>
           <a:xfrm>
-            <a:off x="6876256" y="2060848"/>
-            <a:ext cx="606995" cy="338554"/>
+            <a:off x="6804248" y="2060848"/>
+            <a:ext cx="1368152" cy="307777"/>
           </a:xfrm>
           <a:prstGeom prst="rect">
             <a:avLst/>
@@ -4407,20 +3189,16 @@
           <a:noFill/>
         </p:spPr>
         <p:txBody>
-          <a:bodyPr wrap="none" rtlCol="0">
+          <a:bodyPr wrap="square" rtlCol="0">
             <a:spAutoFit/>
           </a:bodyPr>
           <a:lstStyle/>
           <a:p>
             <a:r>
-              <a:rPr lang="en-GB" sz="1600" b="1" dirty="0"/>
-              <a:t>d</a:t>
-            </a:r>
-            <a:r>
-              <a:rPr lang="en-GB" sz="1600" b="1" dirty="0" smtClean="0"/>
-              <a:t>ata</a:t>
-            </a:r>
-            <a:endParaRPr lang="en-GB" sz="1600" i="1" dirty="0"/>
+              <a:rPr lang="en-GB" sz="1400" b="1" dirty="0" smtClean="0"/>
+              <a:t>processed data</a:t>
+            </a:r>
+            <a:endParaRPr lang="en-GB" sz="1400" i="1" dirty="0"/>
           </a:p>
         </p:txBody>
       </p:sp>
@@ -4478,8 +3256,8 @@
         </p:nvSpPr>
         <p:spPr>
           <a:xfrm>
-            <a:off x="4283968" y="1268760"/>
-            <a:ext cx="1362874" cy="338554"/>
+            <a:off x="4644008" y="1268760"/>
+            <a:ext cx="656988" cy="338554"/>
           </a:xfrm>
           <a:prstGeom prst="rect">
             <a:avLst/>
@@ -4493,8 +3271,8 @@
           <a:lstStyle/>
           <a:p>
             <a:r>
-              <a:rPr lang="en-GB" sz="1600" b="1" dirty="0" err="1" smtClean="0"/>
-              <a:t>bad_channels</a:t>
+              <a:rPr lang="en-GB" sz="1600" b="1" dirty="0" smtClean="0"/>
+              <a:t>node</a:t>
             </a:r>
             <a:endParaRPr lang="en-GB" sz="1600" i="1" dirty="0"/>
           </a:p>
@@ -4508,8 +3286,8 @@
         </p:nvSpPr>
         <p:spPr>
           <a:xfrm>
-            <a:off x="2627784" y="2060848"/>
-            <a:ext cx="563872" cy="338554"/>
+            <a:off x="2831569" y="2144178"/>
+            <a:ext cx="516295" cy="307777"/>
           </a:xfrm>
           <a:prstGeom prst="rect">
             <a:avLst/>
@@ -4523,10 +3301,10 @@
           <a:lstStyle/>
           <a:p>
             <a:r>
-              <a:rPr lang="en-GB" sz="1600" b="1" dirty="0" smtClean="0"/>
+              <a:rPr lang="en-GB" sz="1400" b="1" dirty="0" smtClean="0"/>
               <a:t>data</a:t>
             </a:r>
-            <a:endParaRPr lang="en-GB" sz="1600" dirty="0"/>
+            <a:endParaRPr lang="en-GB" sz="1400" dirty="0"/>
           </a:p>
         </p:txBody>
       </p:sp>
@@ -4912,8 +3690,8 @@
         </p:nvSpPr>
         <p:spPr>
           <a:xfrm>
-            <a:off x="5724128" y="2276872"/>
-            <a:ext cx="936104" cy="461665"/>
+            <a:off x="5763391" y="2177849"/>
+            <a:ext cx="936104" cy="646331"/>
           </a:xfrm>
           <a:prstGeom prst="rect">
             <a:avLst/>
@@ -4929,7 +3707,7 @@
             <a:pPr algn="ctr"/>
             <a:r>
               <a:rPr lang="en-US" sz="1200" i="1" dirty="0" smtClean="0"/>
-              <a:t>Data selection</a:t>
+              <a:t>Restore data selection</a:t>
             </a:r>
             <a:endParaRPr lang="en-US" sz="1200" i="1" dirty="0"/>
           </a:p>
@@ -4982,8 +3760,8 @@
         </p:nvSpPr>
         <p:spPr>
           <a:xfrm>
-            <a:off x="3563888" y="2204864"/>
-            <a:ext cx="792088" cy="646331"/>
+            <a:off x="3558453" y="2298067"/>
+            <a:ext cx="792088" cy="461665"/>
           </a:xfrm>
           <a:prstGeom prst="rect">
             <a:avLst/>
@@ -4999,7 +3777,7 @@
             <a:pPr algn="ctr"/>
             <a:r>
               <a:rPr lang="en-US" sz="1200" i="1" dirty="0" smtClean="0"/>
-              <a:t>Restore data selection</a:t>
+              <a:t>Data selection</a:t>
             </a:r>
             <a:endParaRPr lang="en-US" sz="1200" i="1" dirty="0"/>
           </a:p>
@@ -5013,7 +3791,7 @@
         </p:nvSpPr>
         <p:spPr>
           <a:xfrm>
-            <a:off x="4644008" y="2132856"/>
+            <a:off x="4608004" y="2130734"/>
             <a:ext cx="936104" cy="792088"/>
           </a:xfrm>
           <a:prstGeom prst="roundRect">
@@ -5086,9 +3864,9 @@
           <p:nvPr/>
         </p:nvCxnSpPr>
         <p:spPr>
-          <a:xfrm flipH="1">
-            <a:off x="5436097" y="2499114"/>
-            <a:ext cx="453580" cy="3802"/>
+          <a:xfrm>
+            <a:off x="5455371" y="2501141"/>
+            <a:ext cx="412029" cy="759"/>
           </a:xfrm>
           <a:prstGeom prst="straightConnector1">
             <a:avLst/>
@@ -5119,9 +3897,9 @@
           <p:nvPr/>
         </p:nvCxnSpPr>
         <p:spPr>
-          <a:xfrm flipH="1">
-            <a:off x="4283968" y="2492896"/>
-            <a:ext cx="453580" cy="3802"/>
+          <a:xfrm flipV="1">
+            <a:off x="4308475" y="2492375"/>
+            <a:ext cx="479425" cy="1"/>
           </a:xfrm>
           <a:prstGeom prst="straightConnector1">
             <a:avLst/>
@@ -5152,9 +3930,9 @@
           <p:nvPr/>
         </p:nvCxnSpPr>
         <p:spPr>
-          <a:xfrm flipH="1" flipV="1">
-            <a:off x="2889495" y="2481638"/>
-            <a:ext cx="594211" cy="5825"/>
+          <a:xfrm>
+            <a:off x="2987824" y="2503500"/>
+            <a:ext cx="504056" cy="0"/>
           </a:xfrm>
           <a:prstGeom prst="straightConnector1">
             <a:avLst/>
@@ -5178,10 +3956,4403 @@
           </a:fontRef>
         </p:style>
       </p:cxnSp>
+      <p:cxnSp>
+        <p:nvCxnSpPr>
+          <p:cNvPr id="40" name="Straight Arrow Connector 39"/>
+          <p:cNvCxnSpPr/>
+          <p:nvPr/>
+        </p:nvCxnSpPr>
+        <p:spPr>
+          <a:xfrm flipV="1">
+            <a:off x="4860032" y="2759732"/>
+            <a:ext cx="0" cy="410544"/>
+          </a:xfrm>
+          <a:prstGeom prst="straightConnector1">
+            <a:avLst/>
+          </a:prstGeom>
+          <a:ln>
+            <a:solidFill>
+              <a:schemeClr val="bg1">
+                <a:lumMod val="50000"/>
+              </a:schemeClr>
+            </a:solidFill>
+            <a:tailEnd type="arrow"/>
+          </a:ln>
+        </p:spPr>
+        <p:style>
+          <a:lnRef idx="1">
+            <a:schemeClr val="accent1"/>
+          </a:lnRef>
+          <a:fillRef idx="0">
+            <a:schemeClr val="accent1"/>
+          </a:fillRef>
+          <a:effectRef idx="0">
+            <a:schemeClr val="accent1"/>
+          </a:effectRef>
+          <a:fontRef idx="minor">
+            <a:schemeClr val="tx1"/>
+          </a:fontRef>
+        </p:style>
+      </p:cxnSp>
+      <p:cxnSp>
+        <p:nvCxnSpPr>
+          <p:cNvPr id="46" name="Straight Arrow Connector 45"/>
+          <p:cNvCxnSpPr/>
+          <p:nvPr/>
+        </p:nvCxnSpPr>
+        <p:spPr>
+          <a:xfrm flipV="1">
+            <a:off x="5364088" y="2759732"/>
+            <a:ext cx="0" cy="410544"/>
+          </a:xfrm>
+          <a:prstGeom prst="straightConnector1">
+            <a:avLst/>
+          </a:prstGeom>
+          <a:ln>
+            <a:solidFill>
+              <a:schemeClr val="bg1">
+                <a:lumMod val="50000"/>
+              </a:schemeClr>
+            </a:solidFill>
+            <a:tailEnd type="arrow"/>
+          </a:ln>
+        </p:spPr>
+        <p:style>
+          <a:lnRef idx="1">
+            <a:schemeClr val="accent1"/>
+          </a:lnRef>
+          <a:fillRef idx="0">
+            <a:schemeClr val="accent1"/>
+          </a:fillRef>
+          <a:effectRef idx="0">
+            <a:schemeClr val="accent1"/>
+          </a:effectRef>
+          <a:fontRef idx="minor">
+            <a:schemeClr val="tx1"/>
+          </a:fontRef>
+        </p:style>
+      </p:cxnSp>
     </p:spTree>
     <p:extLst>
       <p:ext uri="{BB962C8B-B14F-4D97-AF65-F5344CB8AC3E}">
-        <p14:creationId xmlns:p14="http://schemas.microsoft.com/office/powerpoint/2010/main" val="3208791910"/>
+        <p14:creationId xmlns:p14="http://schemas.microsoft.com/office/powerpoint/2010/main" val="1170458979"/>
+      </p:ext>
+    </p:extLst>
+  </p:cSld>
+  <p:clrMapOvr>
+    <a:masterClrMapping/>
+  </p:clrMapOvr>
+</p:sld>
+</file>
+
+<file path=ppt/slides/slide2.xml><?xml version="1.0" encoding="utf-8"?>
+<p:sld xmlns:a="http://schemas.openxmlformats.org/drawingml/2006/main" xmlns:r="http://schemas.openxmlformats.org/officeDocument/2006/relationships" xmlns:p="http://schemas.openxmlformats.org/presentationml/2006/main">
+  <p:cSld>
+    <p:spTree>
+      <p:nvGrpSpPr>
+        <p:cNvPr id="1" name=""/>
+        <p:cNvGrpSpPr/>
+        <p:nvPr/>
+      </p:nvGrpSpPr>
+      <p:grpSpPr>
+        <a:xfrm>
+          <a:off x="0" y="0"/>
+          <a:ext cx="0" cy="0"/>
+          <a:chOff x="0" y="0"/>
+          <a:chExt cx="0" cy="0"/>
+        </a:xfrm>
+      </p:grpSpPr>
+      <p:grpSp>
+        <p:nvGrpSpPr>
+          <p:cNvPr id="287" name="Group 286"/>
+          <p:cNvGrpSpPr/>
+          <p:nvPr/>
+        </p:nvGrpSpPr>
+        <p:grpSpPr>
+          <a:xfrm>
+            <a:off x="12036" y="720686"/>
+            <a:ext cx="7855983" cy="4683370"/>
+            <a:chOff x="12036" y="720686"/>
+            <a:chExt cx="7855983" cy="4683370"/>
+          </a:xfrm>
+        </p:grpSpPr>
+        <p:grpSp>
+          <p:nvGrpSpPr>
+            <p:cNvPr id="284" name="Group 283"/>
+            <p:cNvGrpSpPr/>
+            <p:nvPr/>
+          </p:nvGrpSpPr>
+          <p:grpSpPr>
+            <a:xfrm>
+              <a:off x="12036" y="720686"/>
+              <a:ext cx="7855983" cy="4683370"/>
+              <a:chOff x="12036" y="720686"/>
+              <a:chExt cx="7855983" cy="4683370"/>
+            </a:xfrm>
+          </p:grpSpPr>
+          <p:sp>
+            <p:nvSpPr>
+              <p:cNvPr id="12" name="Rounded Rectangle 11"/>
+              <p:cNvSpPr/>
+              <p:nvPr/>
+            </p:nvSpPr>
+            <p:spPr>
+              <a:xfrm>
+                <a:off x="1259632" y="1916832"/>
+                <a:ext cx="6608387" cy="3096344"/>
+              </a:xfrm>
+              <a:prstGeom prst="roundRect">
+                <a:avLst/>
+              </a:prstGeom>
+              <a:noFill/>
+            </p:spPr>
+            <p:style>
+              <a:lnRef idx="2">
+                <a:schemeClr val="accent1">
+                  <a:shade val="50000"/>
+                </a:schemeClr>
+              </a:lnRef>
+              <a:fillRef idx="1">
+                <a:schemeClr val="accent1"/>
+              </a:fillRef>
+              <a:effectRef idx="0">
+                <a:schemeClr val="accent1"/>
+              </a:effectRef>
+              <a:fontRef idx="minor">
+                <a:schemeClr val="lt1"/>
+              </a:fontRef>
+            </p:style>
+            <p:txBody>
+              <a:bodyPr rtlCol="0" anchor="ctr"/>
+              <a:lstStyle/>
+              <a:p>
+                <a:pPr algn="ctr"/>
+                <a:endParaRPr lang="en-GB"/>
+              </a:p>
+            </p:txBody>
+          </p:sp>
+          <p:sp>
+            <p:nvSpPr>
+              <p:cNvPr id="16" name="TextBox 15"/>
+              <p:cNvSpPr txBox="1"/>
+              <p:nvPr/>
+            </p:nvSpPr>
+            <p:spPr>
+              <a:xfrm>
+                <a:off x="3476179" y="720686"/>
+                <a:ext cx="1855764" cy="338554"/>
+              </a:xfrm>
+              <a:prstGeom prst="rect">
+                <a:avLst/>
+              </a:prstGeom>
+              <a:noFill/>
+            </p:spPr>
+            <p:txBody>
+              <a:bodyPr wrap="none" rtlCol="0">
+                <a:spAutoFit/>
+              </a:bodyPr>
+              <a:lstStyle/>
+              <a:p>
+                <a:r>
+                  <a:rPr lang="en-GB" sz="1600" dirty="0" smtClean="0"/>
+                  <a:t>process(</a:t>
+                </a:r>
+                <a:r>
+                  <a:rPr lang="en-GB" sz="1600" b="1" dirty="0" smtClean="0"/>
+                  <a:t>node</a:t>
+                </a:r>
+                <a:r>
+                  <a:rPr lang="en-GB" sz="1600" dirty="0" smtClean="0"/>
+                  <a:t>, </a:t>
+                </a:r>
+                <a:r>
+                  <a:rPr lang="en-GB" sz="1600" b="1" dirty="0" smtClean="0"/>
+                  <a:t>data</a:t>
+                </a:r>
+                <a:r>
+                  <a:rPr lang="en-GB" sz="1600" dirty="0" smtClean="0"/>
+                  <a:t>)</a:t>
+                </a:r>
+                <a:endParaRPr lang="en-GB" sz="1600" dirty="0"/>
+              </a:p>
+            </p:txBody>
+          </p:sp>
+          <p:sp>
+            <p:nvSpPr>
+              <p:cNvPr id="13" name="Rounded Rectangle 12"/>
+              <p:cNvSpPr/>
+              <p:nvPr/>
+            </p:nvSpPr>
+            <p:spPr>
+              <a:xfrm>
+                <a:off x="4653867" y="2043699"/>
+                <a:ext cx="1897112" cy="792088"/>
+              </a:xfrm>
+              <a:prstGeom prst="roundRect">
+                <a:avLst/>
+              </a:prstGeom>
+              <a:ln>
+                <a:solidFill>
+                  <a:schemeClr val="bg1">
+                    <a:lumMod val="75000"/>
+                  </a:schemeClr>
+                </a:solidFill>
+              </a:ln>
+            </p:spPr>
+            <p:style>
+              <a:lnRef idx="2">
+                <a:schemeClr val="accent3"/>
+              </a:lnRef>
+              <a:fillRef idx="1">
+                <a:schemeClr val="lt1"/>
+              </a:fillRef>
+              <a:effectRef idx="0">
+                <a:schemeClr val="accent3"/>
+              </a:effectRef>
+              <a:fontRef idx="minor">
+                <a:schemeClr val="dk1"/>
+              </a:fontRef>
+            </p:style>
+            <p:txBody>
+              <a:bodyPr rtlCol="0" anchor="ctr"/>
+              <a:lstStyle/>
+              <a:p>
+                <a:pPr algn="ctr"/>
+                <a:endParaRPr lang="en-GB"/>
+              </a:p>
+            </p:txBody>
+          </p:sp>
+          <p:sp>
+            <p:nvSpPr>
+              <p:cNvPr id="38" name="Rounded Rectangle 37"/>
+              <p:cNvSpPr/>
+              <p:nvPr/>
+            </p:nvSpPr>
+            <p:spPr>
+              <a:xfrm>
+                <a:off x="2987371" y="2183637"/>
+                <a:ext cx="599857" cy="518985"/>
+              </a:xfrm>
+              <a:prstGeom prst="roundRect">
+                <a:avLst/>
+              </a:prstGeom>
+              <a:ln/>
+            </p:spPr>
+            <p:style>
+              <a:lnRef idx="2">
+                <a:schemeClr val="accent1"/>
+              </a:lnRef>
+              <a:fillRef idx="1">
+                <a:schemeClr val="lt1"/>
+              </a:fillRef>
+              <a:effectRef idx="0">
+                <a:schemeClr val="accent1"/>
+              </a:effectRef>
+              <a:fontRef idx="minor">
+                <a:schemeClr val="dk1"/>
+              </a:fontRef>
+            </p:style>
+            <p:txBody>
+              <a:bodyPr rtlCol="0" anchor="ctr"/>
+              <a:lstStyle/>
+              <a:p>
+                <a:pPr algn="ctr"/>
+                <a:endParaRPr lang="en-GB"/>
+              </a:p>
+            </p:txBody>
+          </p:sp>
+          <p:sp>
+            <p:nvSpPr>
+              <p:cNvPr id="39" name="TextBox 38"/>
+              <p:cNvSpPr txBox="1"/>
+              <p:nvPr/>
+            </p:nvSpPr>
+            <p:spPr>
+              <a:xfrm>
+                <a:off x="3043959" y="2316124"/>
+                <a:ext cx="486679" cy="276999"/>
+              </a:xfrm>
+              <a:prstGeom prst="rect">
+                <a:avLst/>
+              </a:prstGeom>
+              <a:noFill/>
+            </p:spPr>
+            <p:txBody>
+              <a:bodyPr wrap="square" rtlCol="0">
+                <a:spAutoFit/>
+              </a:bodyPr>
+              <a:lstStyle/>
+              <a:p>
+                <a:pPr algn="ctr"/>
+                <a:r>
+                  <a:rPr lang="en-US" sz="1200" i="1" dirty="0" smtClean="0"/>
+                  <a:t>PCA</a:t>
+                </a:r>
+                <a:endParaRPr lang="en-US" sz="1200" i="1" dirty="0"/>
+              </a:p>
+            </p:txBody>
+          </p:sp>
+          <p:sp>
+            <p:nvSpPr>
+              <p:cNvPr id="45" name="TextBox 44"/>
+              <p:cNvSpPr txBox="1"/>
+              <p:nvPr/>
+            </p:nvSpPr>
+            <p:spPr>
+              <a:xfrm>
+                <a:off x="4977654" y="2828740"/>
+                <a:ext cx="1249538" cy="276999"/>
+              </a:xfrm>
+              <a:prstGeom prst="rect">
+                <a:avLst/>
+              </a:prstGeom>
+              <a:noFill/>
+            </p:spPr>
+            <p:txBody>
+              <a:bodyPr wrap="square" rtlCol="0">
+                <a:spAutoFit/>
+              </a:bodyPr>
+              <a:lstStyle/>
+              <a:p>
+                <a:pPr algn="ctr"/>
+                <a:r>
+                  <a:rPr lang="en-US" sz="1200" i="1" dirty="0"/>
+                  <a:t>c</a:t>
+                </a:r>
+                <a:r>
+                  <a:rPr lang="en-US" sz="1200" i="1" dirty="0" smtClean="0"/>
+                  <a:t>hop by chop</a:t>
+                </a:r>
+                <a:endParaRPr lang="en-US" sz="1200" i="1" dirty="0"/>
+              </a:p>
+            </p:txBody>
+          </p:sp>
+          <p:cxnSp>
+            <p:nvCxnSpPr>
+              <p:cNvPr id="26" name="Straight Arrow Connector 25"/>
+              <p:cNvCxnSpPr>
+                <a:stCxn id="38" idx="3"/>
+                <a:endCxn id="27" idx="1"/>
+              </p:cNvCxnSpPr>
+              <p:nvPr/>
+            </p:nvCxnSpPr>
+            <p:spPr>
+              <a:xfrm flipV="1">
+                <a:off x="3587228" y="2439743"/>
+                <a:ext cx="180981" cy="3387"/>
+              </a:xfrm>
+              <a:prstGeom prst="straightConnector1">
+                <a:avLst/>
+              </a:prstGeom>
+              <a:ln w="12700">
+                <a:tailEnd type="arrow"/>
+              </a:ln>
+            </p:spPr>
+            <p:style>
+              <a:lnRef idx="1">
+                <a:schemeClr val="accent1"/>
+              </a:lnRef>
+              <a:fillRef idx="0">
+                <a:schemeClr val="accent1"/>
+              </a:fillRef>
+              <a:effectRef idx="0">
+                <a:schemeClr val="accent1"/>
+              </a:effectRef>
+              <a:fontRef idx="minor">
+                <a:schemeClr val="tx1"/>
+              </a:fontRef>
+            </p:style>
+          </p:cxnSp>
+          <p:cxnSp>
+            <p:nvCxnSpPr>
+              <p:cNvPr id="46" name="Straight Arrow Connector 45"/>
+              <p:cNvCxnSpPr>
+                <a:stCxn id="3" idx="2"/>
+              </p:cNvCxnSpPr>
+              <p:nvPr/>
+            </p:nvCxnSpPr>
+            <p:spPr>
+              <a:xfrm>
+                <a:off x="3300049" y="1760406"/>
+                <a:ext cx="0" cy="419298"/>
+              </a:xfrm>
+              <a:prstGeom prst="straightConnector1">
+                <a:avLst/>
+              </a:prstGeom>
+              <a:ln>
+                <a:solidFill>
+                  <a:schemeClr val="bg1">
+                    <a:lumMod val="50000"/>
+                  </a:schemeClr>
+                </a:solidFill>
+                <a:tailEnd type="arrow"/>
+              </a:ln>
+            </p:spPr>
+            <p:style>
+              <a:lnRef idx="1">
+                <a:schemeClr val="accent1"/>
+              </a:lnRef>
+              <a:fillRef idx="0">
+                <a:schemeClr val="accent1"/>
+              </a:fillRef>
+              <a:effectRef idx="0">
+                <a:schemeClr val="accent1"/>
+              </a:effectRef>
+              <a:fontRef idx="minor">
+                <a:schemeClr val="tx1"/>
+              </a:fontRef>
+            </p:style>
+          </p:cxnSp>
+          <p:sp>
+            <p:nvSpPr>
+              <p:cNvPr id="27" name="Rounded Rectangle 26"/>
+              <p:cNvSpPr/>
+              <p:nvPr/>
+            </p:nvSpPr>
+            <p:spPr>
+              <a:xfrm>
+                <a:off x="3768209" y="2180310"/>
+                <a:ext cx="795268" cy="518865"/>
+              </a:xfrm>
+              <a:prstGeom prst="roundRect">
+                <a:avLst/>
+              </a:prstGeom>
+              <a:ln/>
+            </p:spPr>
+            <p:style>
+              <a:lnRef idx="2">
+                <a:schemeClr val="accent1"/>
+              </a:lnRef>
+              <a:fillRef idx="1">
+                <a:schemeClr val="lt1"/>
+              </a:fillRef>
+              <a:effectRef idx="0">
+                <a:schemeClr val="accent1"/>
+              </a:effectRef>
+              <a:fontRef idx="minor">
+                <a:schemeClr val="dk1"/>
+              </a:fontRef>
+            </p:style>
+            <p:txBody>
+              <a:bodyPr rtlCol="0" anchor="ctr"/>
+              <a:lstStyle/>
+              <a:p>
+                <a:pPr algn="ctr"/>
+                <a:endParaRPr lang="en-GB"/>
+              </a:p>
+            </p:txBody>
+          </p:sp>
+          <p:sp>
+            <p:nvSpPr>
+              <p:cNvPr id="29" name="TextBox 28"/>
+              <p:cNvSpPr txBox="1"/>
+              <p:nvPr/>
+            </p:nvSpPr>
+            <p:spPr>
+              <a:xfrm>
+                <a:off x="3814674" y="2208907"/>
+                <a:ext cx="748803" cy="461665"/>
+              </a:xfrm>
+              <a:prstGeom prst="rect">
+                <a:avLst/>
+              </a:prstGeom>
+              <a:noFill/>
+            </p:spPr>
+            <p:txBody>
+              <a:bodyPr wrap="square" rtlCol="0">
+                <a:spAutoFit/>
+              </a:bodyPr>
+              <a:lstStyle/>
+              <a:p>
+                <a:pPr algn="ctr"/>
+                <a:r>
+                  <a:rPr lang="en-US" sz="1200" i="1" dirty="0" smtClean="0"/>
+                  <a:t>Chop Selection</a:t>
+                </a:r>
+                <a:endParaRPr lang="en-US" sz="1200" i="1" dirty="0"/>
+              </a:p>
+            </p:txBody>
+          </p:sp>
+          <p:sp>
+            <p:nvSpPr>
+              <p:cNvPr id="30" name="Rounded Rectangle 29"/>
+              <p:cNvSpPr/>
+              <p:nvPr/>
+            </p:nvSpPr>
+            <p:spPr>
+              <a:xfrm>
+                <a:off x="4833015" y="2180308"/>
+                <a:ext cx="604763" cy="518865"/>
+              </a:xfrm>
+              <a:prstGeom prst="roundRect">
+                <a:avLst/>
+              </a:prstGeom>
+              <a:ln/>
+            </p:spPr>
+            <p:style>
+              <a:lnRef idx="2">
+                <a:schemeClr val="accent1"/>
+              </a:lnRef>
+              <a:fillRef idx="1">
+                <a:schemeClr val="lt1"/>
+              </a:fillRef>
+              <a:effectRef idx="0">
+                <a:schemeClr val="accent1"/>
+              </a:effectRef>
+              <a:fontRef idx="minor">
+                <a:schemeClr val="dk1"/>
+              </a:fontRef>
+            </p:style>
+            <p:txBody>
+              <a:bodyPr rtlCol="0" anchor="ctr"/>
+              <a:lstStyle/>
+              <a:p>
+                <a:pPr algn="ctr"/>
+                <a:endParaRPr lang="en-GB"/>
+              </a:p>
+            </p:txBody>
+          </p:sp>
+          <p:sp>
+            <p:nvSpPr>
+              <p:cNvPr id="34" name="TextBox 33"/>
+              <p:cNvSpPr txBox="1"/>
+              <p:nvPr/>
+            </p:nvSpPr>
+            <p:spPr>
+              <a:xfrm>
+                <a:off x="4883370" y="2294984"/>
+                <a:ext cx="504055" cy="276999"/>
+              </a:xfrm>
+              <a:prstGeom prst="rect">
+                <a:avLst/>
+              </a:prstGeom>
+              <a:noFill/>
+            </p:spPr>
+            <p:txBody>
+              <a:bodyPr wrap="square" rtlCol="0">
+                <a:spAutoFit/>
+              </a:bodyPr>
+              <a:lstStyle/>
+              <a:p>
+                <a:pPr algn="ctr"/>
+                <a:r>
+                  <a:rPr lang="en-US" sz="1200" i="1" dirty="0" smtClean="0"/>
+                  <a:t>BSS</a:t>
+                </a:r>
+                <a:endParaRPr lang="en-US" sz="1200" i="1" dirty="0"/>
+              </a:p>
+            </p:txBody>
+          </p:sp>
+          <p:sp>
+            <p:nvSpPr>
+              <p:cNvPr id="36" name="Rounded Rectangle 35"/>
+              <p:cNvSpPr/>
+              <p:nvPr/>
+            </p:nvSpPr>
+            <p:spPr>
+              <a:xfrm>
+                <a:off x="5642897" y="2180310"/>
+                <a:ext cx="792088" cy="518865"/>
+              </a:xfrm>
+              <a:prstGeom prst="roundRect">
+                <a:avLst/>
+              </a:prstGeom>
+              <a:ln/>
+            </p:spPr>
+            <p:style>
+              <a:lnRef idx="2">
+                <a:schemeClr val="accent1"/>
+              </a:lnRef>
+              <a:fillRef idx="1">
+                <a:schemeClr val="lt1"/>
+              </a:fillRef>
+              <a:effectRef idx="0">
+                <a:schemeClr val="accent1"/>
+              </a:effectRef>
+              <a:fontRef idx="minor">
+                <a:schemeClr val="dk1"/>
+              </a:fontRef>
+            </p:style>
+            <p:txBody>
+              <a:bodyPr rtlCol="0" anchor="ctr"/>
+              <a:lstStyle/>
+              <a:p>
+                <a:pPr algn="ctr"/>
+                <a:endParaRPr lang="en-GB"/>
+              </a:p>
+            </p:txBody>
+          </p:sp>
+          <p:sp>
+            <p:nvSpPr>
+              <p:cNvPr id="41" name="TextBox 40"/>
+              <p:cNvSpPr txBox="1"/>
+              <p:nvPr/>
+            </p:nvSpPr>
+            <p:spPr>
+              <a:xfrm>
+                <a:off x="5693250" y="2297097"/>
+                <a:ext cx="741735" cy="276999"/>
+              </a:xfrm>
+              <a:prstGeom prst="rect">
+                <a:avLst/>
+              </a:prstGeom>
+              <a:noFill/>
+            </p:spPr>
+            <p:txBody>
+              <a:bodyPr wrap="square" rtlCol="0">
+                <a:spAutoFit/>
+              </a:bodyPr>
+              <a:lstStyle/>
+              <a:p>
+                <a:pPr algn="ctr"/>
+                <a:r>
+                  <a:rPr lang="en-US" sz="1200" i="1" dirty="0" smtClean="0"/>
+                  <a:t>Criterion</a:t>
+                </a:r>
+                <a:endParaRPr lang="en-US" sz="1200" i="1" dirty="0"/>
+              </a:p>
+            </p:txBody>
+          </p:sp>
+          <p:sp>
+            <p:nvSpPr>
+              <p:cNvPr id="3" name="TextBox 2"/>
+              <p:cNvSpPr txBox="1"/>
+              <p:nvPr/>
+            </p:nvSpPr>
+            <p:spPr>
+              <a:xfrm>
+                <a:off x="3092300" y="1514185"/>
+                <a:ext cx="415498" cy="246221"/>
+              </a:xfrm>
+              <a:prstGeom prst="rect">
+                <a:avLst/>
+              </a:prstGeom>
+              <a:solidFill>
+                <a:schemeClr val="bg1">
+                  <a:lumMod val="85000"/>
+                </a:schemeClr>
+              </a:solidFill>
+            </p:spPr>
+            <p:txBody>
+              <a:bodyPr wrap="none" rtlCol="0">
+                <a:spAutoFit/>
+              </a:bodyPr>
+              <a:lstStyle/>
+              <a:p>
+                <a:r>
+                  <a:rPr lang="en-GB" sz="1000" b="1" dirty="0" smtClean="0">
+                    <a:latin typeface="Courier New" pitchFamily="49" charset="0"/>
+                    <a:cs typeface="Courier New" pitchFamily="49" charset="0"/>
+                  </a:rPr>
+                  <a:t>PCA</a:t>
+                </a:r>
+                <a:endParaRPr lang="en-GB" sz="1000" b="1" dirty="0">
+                  <a:latin typeface="Courier New" pitchFamily="49" charset="0"/>
+                  <a:cs typeface="Courier New" pitchFamily="49" charset="0"/>
+                </a:endParaRPr>
+              </a:p>
+            </p:txBody>
+          </p:sp>
+          <p:sp>
+            <p:nvSpPr>
+              <p:cNvPr id="42" name="TextBox 41"/>
+              <p:cNvSpPr txBox="1"/>
+              <p:nvPr/>
+            </p:nvSpPr>
+            <p:spPr>
+              <a:xfrm>
+                <a:off x="3611914" y="1260140"/>
+                <a:ext cx="1107996" cy="246221"/>
+              </a:xfrm>
+              <a:prstGeom prst="rect">
+                <a:avLst/>
+              </a:prstGeom>
+              <a:solidFill>
+                <a:schemeClr val="bg1">
+                  <a:lumMod val="85000"/>
+                </a:schemeClr>
+              </a:solidFill>
+            </p:spPr>
+            <p:txBody>
+              <a:bodyPr wrap="none" rtlCol="0">
+                <a:spAutoFit/>
+              </a:bodyPr>
+              <a:lstStyle/>
+              <a:p>
+                <a:r>
+                  <a:rPr lang="en-GB" sz="1000" b="1" dirty="0" err="1" smtClean="0">
+                    <a:latin typeface="Courier New" pitchFamily="49" charset="0"/>
+                    <a:cs typeface="Courier New" pitchFamily="49" charset="0"/>
+                  </a:rPr>
+                  <a:t>ChopSelector</a:t>
+                </a:r>
+                <a:endParaRPr lang="en-GB" sz="1000" b="1" dirty="0">
+                  <a:latin typeface="Courier New" pitchFamily="49" charset="0"/>
+                  <a:cs typeface="Courier New" pitchFamily="49" charset="0"/>
+                </a:endParaRPr>
+              </a:p>
+            </p:txBody>
+          </p:sp>
+          <p:sp>
+            <p:nvSpPr>
+              <p:cNvPr id="43" name="TextBox 42"/>
+              <p:cNvSpPr txBox="1"/>
+              <p:nvPr/>
+            </p:nvSpPr>
+            <p:spPr>
+              <a:xfrm>
+                <a:off x="4927647" y="1528649"/>
+                <a:ext cx="415498" cy="246221"/>
+              </a:xfrm>
+              <a:prstGeom prst="rect">
+                <a:avLst/>
+              </a:prstGeom>
+              <a:solidFill>
+                <a:schemeClr val="bg1">
+                  <a:lumMod val="85000"/>
+                </a:schemeClr>
+              </a:solidFill>
+            </p:spPr>
+            <p:txBody>
+              <a:bodyPr wrap="none" rtlCol="0">
+                <a:spAutoFit/>
+              </a:bodyPr>
+              <a:lstStyle/>
+              <a:p>
+                <a:r>
+                  <a:rPr lang="en-GB" sz="1000" b="1" dirty="0" smtClean="0">
+                    <a:latin typeface="Courier New" pitchFamily="49" charset="0"/>
+                    <a:cs typeface="Courier New" pitchFamily="49" charset="0"/>
+                  </a:rPr>
+                  <a:t>BSS</a:t>
+                </a:r>
+                <a:endParaRPr lang="en-GB" sz="1000" b="1" dirty="0">
+                  <a:latin typeface="Courier New" pitchFamily="49" charset="0"/>
+                  <a:cs typeface="Courier New" pitchFamily="49" charset="0"/>
+                </a:endParaRPr>
+              </a:p>
+            </p:txBody>
+          </p:sp>
+          <p:sp>
+            <p:nvSpPr>
+              <p:cNvPr id="48" name="TextBox 47"/>
+              <p:cNvSpPr txBox="1"/>
+              <p:nvPr/>
+            </p:nvSpPr>
+            <p:spPr>
+              <a:xfrm>
+                <a:off x="5600359" y="1535262"/>
+                <a:ext cx="877163" cy="246221"/>
+              </a:xfrm>
+              <a:prstGeom prst="rect">
+                <a:avLst/>
+              </a:prstGeom>
+              <a:solidFill>
+                <a:schemeClr val="bg1">
+                  <a:lumMod val="85000"/>
+                </a:schemeClr>
+              </a:solidFill>
+            </p:spPr>
+            <p:txBody>
+              <a:bodyPr wrap="none" rtlCol="0">
+                <a:spAutoFit/>
+              </a:bodyPr>
+              <a:lstStyle/>
+              <a:p>
+                <a:r>
+                  <a:rPr lang="en-GB" sz="1000" b="1" dirty="0" smtClean="0">
+                    <a:latin typeface="Courier New" pitchFamily="49" charset="0"/>
+                    <a:cs typeface="Courier New" pitchFamily="49" charset="0"/>
+                  </a:rPr>
+                  <a:t>Criterion</a:t>
+                </a:r>
+                <a:endParaRPr lang="en-GB" sz="1000" b="1" dirty="0">
+                  <a:latin typeface="Courier New" pitchFamily="49" charset="0"/>
+                  <a:cs typeface="Courier New" pitchFamily="49" charset="0"/>
+                </a:endParaRPr>
+              </a:p>
+            </p:txBody>
+          </p:sp>
+          <p:cxnSp>
+            <p:nvCxnSpPr>
+              <p:cNvPr id="49" name="Straight Arrow Connector 48"/>
+              <p:cNvCxnSpPr>
+                <a:stCxn id="42" idx="2"/>
+                <a:endCxn id="27" idx="0"/>
+              </p:cNvCxnSpPr>
+              <p:nvPr/>
+            </p:nvCxnSpPr>
+            <p:spPr>
+              <a:xfrm flipH="1">
+                <a:off x="4165843" y="1506361"/>
+                <a:ext cx="69" cy="673949"/>
+              </a:xfrm>
+              <a:prstGeom prst="straightConnector1">
+                <a:avLst/>
+              </a:prstGeom>
+              <a:ln>
+                <a:solidFill>
+                  <a:schemeClr val="bg1">
+                    <a:lumMod val="50000"/>
+                  </a:schemeClr>
+                </a:solidFill>
+                <a:tailEnd type="arrow"/>
+              </a:ln>
+            </p:spPr>
+            <p:style>
+              <a:lnRef idx="1">
+                <a:schemeClr val="accent1"/>
+              </a:lnRef>
+              <a:fillRef idx="0">
+                <a:schemeClr val="accent1"/>
+              </a:fillRef>
+              <a:effectRef idx="0">
+                <a:schemeClr val="accent1"/>
+              </a:effectRef>
+              <a:fontRef idx="minor">
+                <a:schemeClr val="tx1"/>
+              </a:fontRef>
+            </p:style>
+          </p:cxnSp>
+          <p:cxnSp>
+            <p:nvCxnSpPr>
+              <p:cNvPr id="50" name="Straight Arrow Connector 49"/>
+              <p:cNvCxnSpPr>
+                <a:stCxn id="43" idx="2"/>
+                <a:endCxn id="30" idx="0"/>
+              </p:cNvCxnSpPr>
+              <p:nvPr/>
+            </p:nvCxnSpPr>
+            <p:spPr>
+              <a:xfrm>
+                <a:off x="5135396" y="1774870"/>
+                <a:ext cx="1" cy="405438"/>
+              </a:xfrm>
+              <a:prstGeom prst="straightConnector1">
+                <a:avLst/>
+              </a:prstGeom>
+              <a:ln>
+                <a:solidFill>
+                  <a:schemeClr val="bg1">
+                    <a:lumMod val="50000"/>
+                  </a:schemeClr>
+                </a:solidFill>
+                <a:tailEnd type="arrow"/>
+              </a:ln>
+            </p:spPr>
+            <p:style>
+              <a:lnRef idx="1">
+                <a:schemeClr val="accent1"/>
+              </a:lnRef>
+              <a:fillRef idx="0">
+                <a:schemeClr val="accent1"/>
+              </a:fillRef>
+              <a:effectRef idx="0">
+                <a:schemeClr val="accent1"/>
+              </a:effectRef>
+              <a:fontRef idx="minor">
+                <a:schemeClr val="tx1"/>
+              </a:fontRef>
+            </p:style>
+          </p:cxnSp>
+          <p:cxnSp>
+            <p:nvCxnSpPr>
+              <p:cNvPr id="51" name="Straight Arrow Connector 50"/>
+              <p:cNvCxnSpPr>
+                <a:stCxn id="48" idx="2"/>
+                <a:endCxn id="36" idx="0"/>
+              </p:cNvCxnSpPr>
+              <p:nvPr/>
+            </p:nvCxnSpPr>
+            <p:spPr>
+              <a:xfrm>
+                <a:off x="6038941" y="1781483"/>
+                <a:ext cx="0" cy="398827"/>
+              </a:xfrm>
+              <a:prstGeom prst="straightConnector1">
+                <a:avLst/>
+              </a:prstGeom>
+              <a:ln>
+                <a:solidFill>
+                  <a:schemeClr val="bg1">
+                    <a:lumMod val="50000"/>
+                  </a:schemeClr>
+                </a:solidFill>
+                <a:tailEnd type="arrow"/>
+              </a:ln>
+            </p:spPr>
+            <p:style>
+              <a:lnRef idx="1">
+                <a:schemeClr val="accent1"/>
+              </a:lnRef>
+              <a:fillRef idx="0">
+                <a:schemeClr val="accent1"/>
+              </a:fillRef>
+              <a:effectRef idx="0">
+                <a:schemeClr val="accent1"/>
+              </a:effectRef>
+              <a:fontRef idx="minor">
+                <a:schemeClr val="tx1"/>
+              </a:fontRef>
+            </p:style>
+          </p:cxnSp>
+          <p:cxnSp>
+            <p:nvCxnSpPr>
+              <p:cNvPr id="54" name="Straight Arrow Connector 53"/>
+              <p:cNvCxnSpPr>
+                <a:stCxn id="27" idx="3"/>
+                <a:endCxn id="30" idx="1"/>
+              </p:cNvCxnSpPr>
+              <p:nvPr/>
+            </p:nvCxnSpPr>
+            <p:spPr>
+              <a:xfrm flipV="1">
+                <a:off x="4563477" y="2439741"/>
+                <a:ext cx="269538" cy="2"/>
+              </a:xfrm>
+              <a:prstGeom prst="straightConnector1">
+                <a:avLst/>
+              </a:prstGeom>
+              <a:ln w="12700">
+                <a:tailEnd type="arrow"/>
+              </a:ln>
+            </p:spPr>
+            <p:style>
+              <a:lnRef idx="1">
+                <a:schemeClr val="accent1"/>
+              </a:lnRef>
+              <a:fillRef idx="0">
+                <a:schemeClr val="accent1"/>
+              </a:fillRef>
+              <a:effectRef idx="0">
+                <a:schemeClr val="accent1"/>
+              </a:effectRef>
+              <a:fontRef idx="minor">
+                <a:schemeClr val="tx1"/>
+              </a:fontRef>
+            </p:style>
+          </p:cxnSp>
+          <p:cxnSp>
+            <p:nvCxnSpPr>
+              <p:cNvPr id="55" name="Straight Arrow Connector 54"/>
+              <p:cNvCxnSpPr>
+                <a:stCxn id="30" idx="3"/>
+                <a:endCxn id="36" idx="1"/>
+              </p:cNvCxnSpPr>
+              <p:nvPr/>
+            </p:nvCxnSpPr>
+            <p:spPr>
+              <a:xfrm>
+                <a:off x="5437778" y="2439741"/>
+                <a:ext cx="205119" cy="2"/>
+              </a:xfrm>
+              <a:prstGeom prst="straightConnector1">
+                <a:avLst/>
+              </a:prstGeom>
+              <a:ln w="12700">
+                <a:tailEnd type="arrow"/>
+              </a:ln>
+            </p:spPr>
+            <p:style>
+              <a:lnRef idx="1">
+                <a:schemeClr val="accent1"/>
+              </a:lnRef>
+              <a:fillRef idx="0">
+                <a:schemeClr val="accent1"/>
+              </a:fillRef>
+              <a:effectRef idx="0">
+                <a:schemeClr val="accent1"/>
+              </a:effectRef>
+              <a:fontRef idx="minor">
+                <a:schemeClr val="tx1"/>
+              </a:fontRef>
+            </p:style>
+          </p:cxnSp>
+          <p:sp>
+            <p:nvSpPr>
+              <p:cNvPr id="62" name="Rounded Rectangle 61"/>
+              <p:cNvSpPr/>
+              <p:nvPr/>
+            </p:nvSpPr>
+            <p:spPr>
+              <a:xfrm>
+                <a:off x="6676940" y="2175149"/>
+                <a:ext cx="789226" cy="518865"/>
+              </a:xfrm>
+              <a:prstGeom prst="roundRect">
+                <a:avLst/>
+              </a:prstGeom>
+              <a:ln/>
+            </p:spPr>
+            <p:style>
+              <a:lnRef idx="2">
+                <a:schemeClr val="accent1"/>
+              </a:lnRef>
+              <a:fillRef idx="1">
+                <a:schemeClr val="lt1"/>
+              </a:fillRef>
+              <a:effectRef idx="0">
+                <a:schemeClr val="accent1"/>
+              </a:effectRef>
+              <a:fontRef idx="minor">
+                <a:schemeClr val="dk1"/>
+              </a:fontRef>
+            </p:style>
+            <p:txBody>
+              <a:bodyPr rtlCol="0" anchor="ctr"/>
+              <a:lstStyle/>
+              <a:p>
+                <a:pPr algn="ctr"/>
+                <a:endParaRPr lang="en-GB"/>
+              </a:p>
+            </p:txBody>
+          </p:sp>
+          <p:sp>
+            <p:nvSpPr>
+              <p:cNvPr id="63" name="TextBox 62"/>
+              <p:cNvSpPr txBox="1"/>
+              <p:nvPr/>
+            </p:nvSpPr>
+            <p:spPr>
+              <a:xfrm>
+                <a:off x="6571777" y="2203748"/>
+                <a:ext cx="999552" cy="461665"/>
+              </a:xfrm>
+              <a:prstGeom prst="rect">
+                <a:avLst/>
+              </a:prstGeom>
+              <a:noFill/>
+            </p:spPr>
+            <p:txBody>
+              <a:bodyPr wrap="square" rtlCol="0">
+                <a:spAutoFit/>
+              </a:bodyPr>
+              <a:lstStyle/>
+              <a:p>
+                <a:pPr algn="ctr"/>
+                <a:r>
+                  <a:rPr lang="en-US" sz="1200" i="1" dirty="0" smtClean="0"/>
+                  <a:t>Fix # of components</a:t>
+                </a:r>
+                <a:endParaRPr lang="en-US" sz="1200" i="1" dirty="0"/>
+              </a:p>
+            </p:txBody>
+          </p:sp>
+          <p:sp>
+            <p:nvSpPr>
+              <p:cNvPr id="64" name="TextBox 63"/>
+              <p:cNvSpPr txBox="1"/>
+              <p:nvPr/>
+            </p:nvSpPr>
+            <p:spPr>
+              <a:xfrm>
+                <a:off x="6660425" y="1530613"/>
+                <a:ext cx="800219" cy="246221"/>
+              </a:xfrm>
+              <a:prstGeom prst="rect">
+                <a:avLst/>
+              </a:prstGeom>
+              <a:solidFill>
+                <a:schemeClr val="bg1">
+                  <a:lumMod val="85000"/>
+                </a:schemeClr>
+              </a:solidFill>
+            </p:spPr>
+            <p:txBody>
+              <a:bodyPr wrap="none" rtlCol="0">
+                <a:spAutoFit/>
+              </a:bodyPr>
+              <a:lstStyle/>
+              <a:p>
+                <a:r>
+                  <a:rPr lang="en-GB" sz="1000" b="1" dirty="0" err="1" smtClean="0">
+                    <a:latin typeface="Courier New" pitchFamily="49" charset="0"/>
+                    <a:cs typeface="Courier New" pitchFamily="49" charset="0"/>
+                  </a:rPr>
+                  <a:t>FixNbICs</a:t>
+                </a:r>
+                <a:endParaRPr lang="en-GB" sz="1000" b="1" dirty="0">
+                  <a:latin typeface="Courier New" pitchFamily="49" charset="0"/>
+                  <a:cs typeface="Courier New" pitchFamily="49" charset="0"/>
+                </a:endParaRPr>
+              </a:p>
+            </p:txBody>
+          </p:sp>
+          <p:cxnSp>
+            <p:nvCxnSpPr>
+              <p:cNvPr id="65" name="Straight Arrow Connector 64"/>
+              <p:cNvCxnSpPr>
+                <a:stCxn id="64" idx="2"/>
+                <a:endCxn id="62" idx="0"/>
+              </p:cNvCxnSpPr>
+              <p:nvPr/>
+            </p:nvCxnSpPr>
+            <p:spPr>
+              <a:xfrm>
+                <a:off x="7060535" y="1776834"/>
+                <a:ext cx="11018" cy="398315"/>
+              </a:xfrm>
+              <a:prstGeom prst="straightConnector1">
+                <a:avLst/>
+              </a:prstGeom>
+              <a:ln>
+                <a:solidFill>
+                  <a:schemeClr val="bg1">
+                    <a:lumMod val="50000"/>
+                  </a:schemeClr>
+                </a:solidFill>
+                <a:tailEnd type="arrow"/>
+              </a:ln>
+            </p:spPr>
+            <p:style>
+              <a:lnRef idx="1">
+                <a:schemeClr val="accent1"/>
+              </a:lnRef>
+              <a:fillRef idx="0">
+                <a:schemeClr val="accent1"/>
+              </a:fillRef>
+              <a:effectRef idx="0">
+                <a:schemeClr val="accent1"/>
+              </a:effectRef>
+              <a:fontRef idx="minor">
+                <a:schemeClr val="tx1"/>
+              </a:fontRef>
+            </p:style>
+          </p:cxnSp>
+          <p:sp>
+            <p:nvSpPr>
+              <p:cNvPr id="79" name="Diamond 78"/>
+              <p:cNvSpPr/>
+              <p:nvPr/>
+            </p:nvSpPr>
+            <p:spPr>
+              <a:xfrm>
+                <a:off x="5546827" y="3173561"/>
+                <a:ext cx="868853" cy="720824"/>
+              </a:xfrm>
+              <a:prstGeom prst="diamond">
+                <a:avLst/>
+              </a:prstGeom>
+              <a:noFill/>
+            </p:spPr>
+            <p:style>
+              <a:lnRef idx="2">
+                <a:schemeClr val="accent1">
+                  <a:shade val="50000"/>
+                </a:schemeClr>
+              </a:lnRef>
+              <a:fillRef idx="1">
+                <a:schemeClr val="accent1"/>
+              </a:fillRef>
+              <a:effectRef idx="0">
+                <a:schemeClr val="accent1"/>
+              </a:effectRef>
+              <a:fontRef idx="minor">
+                <a:schemeClr val="lt1"/>
+              </a:fontRef>
+            </p:style>
+            <p:txBody>
+              <a:bodyPr rtlCol="0" anchor="ctr"/>
+              <a:lstStyle/>
+              <a:p>
+                <a:pPr algn="ctr"/>
+                <a:endParaRPr lang="en-GB">
+                  <a:noFill/>
+                </a:endParaRPr>
+              </a:p>
+            </p:txBody>
+          </p:sp>
+          <p:sp>
+            <p:nvSpPr>
+              <p:cNvPr id="80" name="TextBox 79"/>
+              <p:cNvSpPr txBox="1"/>
+              <p:nvPr/>
+            </p:nvSpPr>
+            <p:spPr>
+              <a:xfrm>
+                <a:off x="5627890" y="3384766"/>
+                <a:ext cx="713542" cy="276999"/>
+              </a:xfrm>
+              <a:prstGeom prst="rect">
+                <a:avLst/>
+              </a:prstGeom>
+              <a:noFill/>
+            </p:spPr>
+            <p:txBody>
+              <a:bodyPr wrap="square" rtlCol="0">
+                <a:spAutoFit/>
+              </a:bodyPr>
+              <a:lstStyle/>
+              <a:p>
+                <a:pPr algn="ctr"/>
+                <a:r>
+                  <a:rPr lang="en-US" sz="1200" i="1" dirty="0" smtClean="0"/>
+                  <a:t>Reject?</a:t>
+                </a:r>
+                <a:endParaRPr lang="en-US" sz="1200" i="1" dirty="0"/>
+              </a:p>
+            </p:txBody>
+          </p:sp>
+          <p:cxnSp>
+            <p:nvCxnSpPr>
+              <p:cNvPr id="81" name="Straight Arrow Connector 80"/>
+              <p:cNvCxnSpPr>
+                <a:stCxn id="62" idx="2"/>
+                <a:endCxn id="84" idx="0"/>
+              </p:cNvCxnSpPr>
+              <p:nvPr/>
+            </p:nvCxnSpPr>
+            <p:spPr>
+              <a:xfrm>
+                <a:off x="7071553" y="2694014"/>
+                <a:ext cx="0" cy="575996"/>
+              </a:xfrm>
+              <a:prstGeom prst="straightConnector1">
+                <a:avLst/>
+              </a:prstGeom>
+              <a:ln w="12700">
+                <a:tailEnd type="arrow"/>
+              </a:ln>
+            </p:spPr>
+            <p:style>
+              <a:lnRef idx="1">
+                <a:schemeClr val="accent1"/>
+              </a:lnRef>
+              <a:fillRef idx="0">
+                <a:schemeClr val="accent1"/>
+              </a:fillRef>
+              <a:effectRef idx="0">
+                <a:schemeClr val="accent1"/>
+              </a:effectRef>
+              <a:fontRef idx="minor">
+                <a:schemeClr val="tx1"/>
+              </a:fontRef>
+            </p:style>
+          </p:cxnSp>
+          <p:sp>
+            <p:nvSpPr>
+              <p:cNvPr id="84" name="Rounded Rectangle 83"/>
+              <p:cNvSpPr/>
+              <p:nvPr/>
+            </p:nvSpPr>
+            <p:spPr>
+              <a:xfrm>
+                <a:off x="6784146" y="3270010"/>
+                <a:ext cx="574814" cy="518865"/>
+              </a:xfrm>
+              <a:prstGeom prst="roundRect">
+                <a:avLst/>
+              </a:prstGeom>
+              <a:ln/>
+            </p:spPr>
+            <p:style>
+              <a:lnRef idx="2">
+                <a:schemeClr val="accent1"/>
+              </a:lnRef>
+              <a:fillRef idx="1">
+                <a:schemeClr val="lt1"/>
+              </a:fillRef>
+              <a:effectRef idx="0">
+                <a:schemeClr val="accent1"/>
+              </a:effectRef>
+              <a:fontRef idx="minor">
+                <a:schemeClr val="dk1"/>
+              </a:fontRef>
+            </p:style>
+            <p:txBody>
+              <a:bodyPr rtlCol="0" anchor="ctr"/>
+              <a:lstStyle/>
+              <a:p>
+                <a:pPr algn="ctr"/>
+                <a:endParaRPr lang="en-GB"/>
+              </a:p>
+            </p:txBody>
+          </p:sp>
+          <p:sp>
+            <p:nvSpPr>
+              <p:cNvPr id="85" name="TextBox 84"/>
+              <p:cNvSpPr txBox="1"/>
+              <p:nvPr/>
+            </p:nvSpPr>
+            <p:spPr>
+              <a:xfrm>
+                <a:off x="6819525" y="3395472"/>
+                <a:ext cx="504055" cy="276999"/>
+              </a:xfrm>
+              <a:prstGeom prst="rect">
+                <a:avLst/>
+              </a:prstGeom>
+              <a:noFill/>
+            </p:spPr>
+            <p:txBody>
+              <a:bodyPr wrap="square" rtlCol="0">
+                <a:spAutoFit/>
+              </a:bodyPr>
+              <a:lstStyle/>
+              <a:p>
+                <a:pPr algn="ctr"/>
+                <a:r>
+                  <a:rPr lang="en-US" sz="1200" i="1" dirty="0" smtClean="0"/>
+                  <a:t>Filter</a:t>
+                </a:r>
+                <a:endParaRPr lang="en-US" sz="1200" i="1" dirty="0"/>
+              </a:p>
+            </p:txBody>
+          </p:sp>
+          <p:cxnSp>
+            <p:nvCxnSpPr>
+              <p:cNvPr id="90" name="Straight Arrow Connector 89"/>
+              <p:cNvCxnSpPr>
+                <a:stCxn id="84" idx="1"/>
+              </p:cNvCxnSpPr>
+              <p:nvPr/>
+            </p:nvCxnSpPr>
+            <p:spPr>
+              <a:xfrm flipH="1">
+                <a:off x="6415680" y="3529443"/>
+                <a:ext cx="368466" cy="2"/>
+              </a:xfrm>
+              <a:prstGeom prst="straightConnector1">
+                <a:avLst/>
+              </a:prstGeom>
+              <a:ln w="12700">
+                <a:tailEnd type="arrow"/>
+              </a:ln>
+            </p:spPr>
+            <p:style>
+              <a:lnRef idx="1">
+                <a:schemeClr val="accent1"/>
+              </a:lnRef>
+              <a:fillRef idx="0">
+                <a:schemeClr val="accent1"/>
+              </a:fillRef>
+              <a:effectRef idx="0">
+                <a:schemeClr val="accent1"/>
+              </a:effectRef>
+              <a:fontRef idx="minor">
+                <a:schemeClr val="tx1"/>
+              </a:fontRef>
+            </p:style>
+          </p:cxnSp>
+          <p:sp>
+            <p:nvSpPr>
+              <p:cNvPr id="100" name="Rounded Rectangle 99"/>
+              <p:cNvSpPr/>
+              <p:nvPr/>
+            </p:nvSpPr>
+            <p:spPr>
+              <a:xfrm>
+                <a:off x="4054167" y="3277318"/>
+                <a:ext cx="1011572" cy="518865"/>
+              </a:xfrm>
+              <a:prstGeom prst="roundRect">
+                <a:avLst/>
+              </a:prstGeom>
+              <a:ln/>
+            </p:spPr>
+            <p:style>
+              <a:lnRef idx="2">
+                <a:schemeClr val="accent1"/>
+              </a:lnRef>
+              <a:fillRef idx="1">
+                <a:schemeClr val="lt1"/>
+              </a:fillRef>
+              <a:effectRef idx="0">
+                <a:schemeClr val="accent1"/>
+              </a:effectRef>
+              <a:fontRef idx="minor">
+                <a:schemeClr val="dk1"/>
+              </a:fontRef>
+            </p:style>
+            <p:txBody>
+              <a:bodyPr rtlCol="0" anchor="ctr"/>
+              <a:lstStyle/>
+              <a:p>
+                <a:pPr algn="ctr"/>
+                <a:endParaRPr lang="en-GB"/>
+              </a:p>
+            </p:txBody>
+          </p:sp>
+          <p:sp>
+            <p:nvSpPr>
+              <p:cNvPr id="101" name="TextBox 100"/>
+              <p:cNvSpPr txBox="1"/>
+              <p:nvPr/>
+            </p:nvSpPr>
+            <p:spPr>
+              <a:xfrm>
+                <a:off x="4075760" y="3394180"/>
+                <a:ext cx="999552" cy="276999"/>
+              </a:xfrm>
+              <a:prstGeom prst="rect">
+                <a:avLst/>
+              </a:prstGeom>
+              <a:noFill/>
+            </p:spPr>
+            <p:txBody>
+              <a:bodyPr wrap="square" rtlCol="0">
+                <a:spAutoFit/>
+              </a:bodyPr>
+              <a:lstStyle/>
+              <a:p>
+                <a:pPr algn="ctr"/>
+                <a:r>
+                  <a:rPr lang="en-US" sz="1200" i="1" dirty="0" err="1" smtClean="0"/>
+                  <a:t>backproject</a:t>
+                </a:r>
+                <a:endParaRPr lang="en-US" sz="1200" i="1" dirty="0"/>
+              </a:p>
+            </p:txBody>
+          </p:sp>
+          <p:cxnSp>
+            <p:nvCxnSpPr>
+              <p:cNvPr id="102" name="Straight Arrow Connector 101"/>
+              <p:cNvCxnSpPr>
+                <a:stCxn id="79" idx="1"/>
+                <a:endCxn id="100" idx="3"/>
+              </p:cNvCxnSpPr>
+              <p:nvPr/>
+            </p:nvCxnSpPr>
+            <p:spPr>
+              <a:xfrm flipH="1">
+                <a:off x="5065739" y="3533973"/>
+                <a:ext cx="481088" cy="2778"/>
+              </a:xfrm>
+              <a:prstGeom prst="straightConnector1">
+                <a:avLst/>
+              </a:prstGeom>
+              <a:ln w="12700">
+                <a:tailEnd type="arrow"/>
+              </a:ln>
+            </p:spPr>
+            <p:style>
+              <a:lnRef idx="1">
+                <a:schemeClr val="accent1"/>
+              </a:lnRef>
+              <a:fillRef idx="0">
+                <a:schemeClr val="accent1"/>
+              </a:fillRef>
+              <a:effectRef idx="0">
+                <a:schemeClr val="accent1"/>
+              </a:effectRef>
+              <a:fontRef idx="minor">
+                <a:schemeClr val="tx1"/>
+              </a:fontRef>
+            </p:style>
+          </p:cxnSp>
+          <p:sp>
+            <p:nvSpPr>
+              <p:cNvPr id="114" name="Rounded Rectangle 113"/>
+              <p:cNvSpPr/>
+              <p:nvPr/>
+            </p:nvSpPr>
+            <p:spPr>
+              <a:xfrm>
+                <a:off x="4054167" y="4323877"/>
+                <a:ext cx="1011572" cy="518865"/>
+              </a:xfrm>
+              <a:prstGeom prst="roundRect">
+                <a:avLst/>
+              </a:prstGeom>
+              <a:ln/>
+            </p:spPr>
+            <p:style>
+              <a:lnRef idx="2">
+                <a:schemeClr val="accent1"/>
+              </a:lnRef>
+              <a:fillRef idx="1">
+                <a:schemeClr val="lt1"/>
+              </a:fillRef>
+              <a:effectRef idx="0">
+                <a:schemeClr val="accent1"/>
+              </a:effectRef>
+              <a:fontRef idx="minor">
+                <a:schemeClr val="dk1"/>
+              </a:fontRef>
+            </p:style>
+            <p:txBody>
+              <a:bodyPr rtlCol="0" anchor="ctr"/>
+              <a:lstStyle/>
+              <a:p>
+                <a:pPr algn="ctr"/>
+                <a:endParaRPr lang="en-GB"/>
+              </a:p>
+            </p:txBody>
+          </p:sp>
+          <p:sp>
+            <p:nvSpPr>
+              <p:cNvPr id="115" name="TextBox 114"/>
+              <p:cNvSpPr txBox="1"/>
+              <p:nvPr/>
+            </p:nvSpPr>
+            <p:spPr>
+              <a:xfrm>
+                <a:off x="4066187" y="4463430"/>
+                <a:ext cx="999552" cy="276999"/>
+              </a:xfrm>
+              <a:prstGeom prst="rect">
+                <a:avLst/>
+              </a:prstGeom>
+              <a:noFill/>
+            </p:spPr>
+            <p:txBody>
+              <a:bodyPr wrap="square" rtlCol="0">
+                <a:spAutoFit/>
+              </a:bodyPr>
+              <a:lstStyle/>
+              <a:p>
+                <a:pPr algn="ctr"/>
+                <a:r>
+                  <a:rPr lang="en-US" sz="1200" i="1" dirty="0" err="1" smtClean="0"/>
+                  <a:t>backproject</a:t>
+                </a:r>
+                <a:endParaRPr lang="en-US" sz="1200" i="1" dirty="0"/>
+              </a:p>
+            </p:txBody>
+          </p:sp>
+          <p:cxnSp>
+            <p:nvCxnSpPr>
+              <p:cNvPr id="116" name="Straight Arrow Connector 115"/>
+              <p:cNvCxnSpPr>
+                <a:stCxn id="172" idx="3"/>
+                <a:endCxn id="38" idx="1"/>
+              </p:cNvCxnSpPr>
+              <p:nvPr/>
+            </p:nvCxnSpPr>
+            <p:spPr>
+              <a:xfrm flipV="1">
+                <a:off x="896945" y="2443130"/>
+                <a:ext cx="2090426" cy="7047"/>
+              </a:xfrm>
+              <a:prstGeom prst="straightConnector1">
+                <a:avLst/>
+              </a:prstGeom>
+              <a:ln w="12700">
+                <a:tailEnd type="arrow"/>
+              </a:ln>
+            </p:spPr>
+            <p:style>
+              <a:lnRef idx="1">
+                <a:schemeClr val="accent1"/>
+              </a:lnRef>
+              <a:fillRef idx="0">
+                <a:schemeClr val="accent1"/>
+              </a:fillRef>
+              <a:effectRef idx="0">
+                <a:schemeClr val="accent1"/>
+              </a:effectRef>
+              <a:fontRef idx="minor">
+                <a:schemeClr val="tx1"/>
+              </a:fontRef>
+            </p:style>
+          </p:cxnSp>
+          <p:sp>
+            <p:nvSpPr>
+              <p:cNvPr id="121" name="Oval 120"/>
+              <p:cNvSpPr/>
+              <p:nvPr/>
+            </p:nvSpPr>
+            <p:spPr>
+              <a:xfrm>
+                <a:off x="2458305" y="3361576"/>
+                <a:ext cx="360040" cy="360000"/>
+              </a:xfrm>
+              <a:prstGeom prst="ellipse">
+                <a:avLst/>
+              </a:prstGeom>
+              <a:noFill/>
+            </p:spPr>
+            <p:style>
+              <a:lnRef idx="2">
+                <a:schemeClr val="accent1">
+                  <a:shade val="50000"/>
+                </a:schemeClr>
+              </a:lnRef>
+              <a:fillRef idx="1">
+                <a:schemeClr val="accent1"/>
+              </a:fillRef>
+              <a:effectRef idx="0">
+                <a:schemeClr val="accent1"/>
+              </a:effectRef>
+              <a:fontRef idx="minor">
+                <a:schemeClr val="lt1"/>
+              </a:fontRef>
+            </p:style>
+            <p:txBody>
+              <a:bodyPr rtlCol="0" anchor="ctr"/>
+              <a:lstStyle/>
+              <a:p>
+                <a:pPr algn="ctr"/>
+                <a:endParaRPr lang="en-GB"/>
+              </a:p>
+            </p:txBody>
+          </p:sp>
+          <p:sp>
+            <p:nvSpPr>
+              <p:cNvPr id="122" name="TextBox 121"/>
+              <p:cNvSpPr txBox="1"/>
+              <p:nvPr/>
+            </p:nvSpPr>
+            <p:spPr>
+              <a:xfrm>
+                <a:off x="2488284" y="3352244"/>
+                <a:ext cx="300082" cy="369332"/>
+              </a:xfrm>
+              <a:prstGeom prst="rect">
+                <a:avLst/>
+              </a:prstGeom>
+              <a:noFill/>
+            </p:spPr>
+            <p:txBody>
+              <a:bodyPr wrap="none" rtlCol="0">
+                <a:spAutoFit/>
+              </a:bodyPr>
+              <a:lstStyle/>
+              <a:p>
+                <a:r>
+                  <a:rPr lang="en-GB" dirty="0" smtClean="0"/>
+                  <a:t>+</a:t>
+                </a:r>
+                <a:endParaRPr lang="en-GB" dirty="0"/>
+              </a:p>
+            </p:txBody>
+          </p:sp>
+          <p:cxnSp>
+            <p:nvCxnSpPr>
+              <p:cNvPr id="139" name="Straight Arrow Connector 138"/>
+              <p:cNvCxnSpPr>
+                <a:stCxn id="100" idx="1"/>
+                <a:endCxn id="121" idx="6"/>
+              </p:cNvCxnSpPr>
+              <p:nvPr/>
+            </p:nvCxnSpPr>
+            <p:spPr>
+              <a:xfrm flipH="1">
+                <a:off x="2818345" y="3536751"/>
+                <a:ext cx="1235822" cy="4825"/>
+              </a:xfrm>
+              <a:prstGeom prst="straightConnector1">
+                <a:avLst/>
+              </a:prstGeom>
+              <a:ln w="12700">
+                <a:tailEnd type="arrow"/>
+              </a:ln>
+            </p:spPr>
+            <p:style>
+              <a:lnRef idx="1">
+                <a:schemeClr val="accent1"/>
+              </a:lnRef>
+              <a:fillRef idx="0">
+                <a:schemeClr val="accent1"/>
+              </a:fillRef>
+              <a:effectRef idx="0">
+                <a:schemeClr val="accent1"/>
+              </a:effectRef>
+              <a:fontRef idx="minor">
+                <a:schemeClr val="tx1"/>
+              </a:fontRef>
+            </p:style>
+          </p:cxnSp>
+          <p:sp>
+            <p:nvSpPr>
+              <p:cNvPr id="150" name="Oval 149"/>
+              <p:cNvSpPr/>
+              <p:nvPr/>
+            </p:nvSpPr>
+            <p:spPr>
+              <a:xfrm>
+                <a:off x="2588851" y="2402288"/>
+                <a:ext cx="87231" cy="74910"/>
+              </a:xfrm>
+              <a:prstGeom prst="ellipse">
+                <a:avLst/>
+              </a:prstGeom>
+            </p:spPr>
+            <p:style>
+              <a:lnRef idx="2">
+                <a:schemeClr val="accent1">
+                  <a:shade val="50000"/>
+                </a:schemeClr>
+              </a:lnRef>
+              <a:fillRef idx="1">
+                <a:schemeClr val="accent1"/>
+              </a:fillRef>
+              <a:effectRef idx="0">
+                <a:schemeClr val="accent1"/>
+              </a:effectRef>
+              <a:fontRef idx="minor">
+                <a:schemeClr val="lt1"/>
+              </a:fontRef>
+            </p:style>
+            <p:txBody>
+              <a:bodyPr rtlCol="0" anchor="ctr"/>
+              <a:lstStyle/>
+              <a:p>
+                <a:pPr algn="ctr"/>
+                <a:endParaRPr lang="en-GB"/>
+              </a:p>
+            </p:txBody>
+          </p:sp>
+          <p:cxnSp>
+            <p:nvCxnSpPr>
+              <p:cNvPr id="152" name="Elbow Connector 151"/>
+              <p:cNvCxnSpPr>
+                <a:stCxn id="79" idx="2"/>
+                <a:endCxn id="114" idx="3"/>
+              </p:cNvCxnSpPr>
+              <p:nvPr/>
+            </p:nvCxnSpPr>
+            <p:spPr>
+              <a:xfrm rot="5400000">
+                <a:off x="5179035" y="3781090"/>
+                <a:ext cx="688925" cy="915515"/>
+              </a:xfrm>
+              <a:prstGeom prst="bentConnector2">
+                <a:avLst/>
+              </a:prstGeom>
+              <a:ln w="12700">
+                <a:tailEnd type="arrow"/>
+              </a:ln>
+            </p:spPr>
+            <p:style>
+              <a:lnRef idx="1">
+                <a:schemeClr val="accent1"/>
+              </a:lnRef>
+              <a:fillRef idx="0">
+                <a:schemeClr val="accent1"/>
+              </a:fillRef>
+              <a:effectRef idx="0">
+                <a:schemeClr val="accent1"/>
+              </a:effectRef>
+              <a:fontRef idx="minor">
+                <a:schemeClr val="tx1"/>
+              </a:fontRef>
+            </p:style>
+          </p:cxnSp>
+          <p:sp>
+            <p:nvSpPr>
+              <p:cNvPr id="154" name="Oval 153"/>
+              <p:cNvSpPr/>
+              <p:nvPr/>
+            </p:nvSpPr>
+            <p:spPr>
+              <a:xfrm>
+                <a:off x="2458305" y="3347481"/>
+                <a:ext cx="360040" cy="360000"/>
+              </a:xfrm>
+              <a:prstGeom prst="ellipse">
+                <a:avLst/>
+              </a:prstGeom>
+              <a:noFill/>
+            </p:spPr>
+            <p:style>
+              <a:lnRef idx="2">
+                <a:schemeClr val="accent1">
+                  <a:shade val="50000"/>
+                </a:schemeClr>
+              </a:lnRef>
+              <a:fillRef idx="1">
+                <a:schemeClr val="accent1"/>
+              </a:fillRef>
+              <a:effectRef idx="0">
+                <a:schemeClr val="accent1"/>
+              </a:effectRef>
+              <a:fontRef idx="minor">
+                <a:schemeClr val="lt1"/>
+              </a:fontRef>
+            </p:style>
+            <p:txBody>
+              <a:bodyPr rtlCol="0" anchor="ctr"/>
+              <a:lstStyle/>
+              <a:p>
+                <a:pPr algn="ctr"/>
+                <a:endParaRPr lang="en-GB"/>
+              </a:p>
+            </p:txBody>
+          </p:sp>
+          <p:sp>
+            <p:nvSpPr>
+              <p:cNvPr id="155" name="Oval 154"/>
+              <p:cNvSpPr/>
+              <p:nvPr/>
+            </p:nvSpPr>
+            <p:spPr>
+              <a:xfrm>
+                <a:off x="2466083" y="3356813"/>
+                <a:ext cx="360040" cy="360000"/>
+              </a:xfrm>
+              <a:prstGeom prst="ellipse">
+                <a:avLst/>
+              </a:prstGeom>
+              <a:noFill/>
+            </p:spPr>
+            <p:style>
+              <a:lnRef idx="2">
+                <a:schemeClr val="accent1">
+                  <a:shade val="50000"/>
+                </a:schemeClr>
+              </a:lnRef>
+              <a:fillRef idx="1">
+                <a:schemeClr val="accent1"/>
+              </a:fillRef>
+              <a:effectRef idx="0">
+                <a:schemeClr val="accent1"/>
+              </a:effectRef>
+              <a:fontRef idx="minor">
+                <a:schemeClr val="lt1"/>
+              </a:fontRef>
+            </p:style>
+            <p:txBody>
+              <a:bodyPr rtlCol="0" anchor="ctr"/>
+              <a:lstStyle/>
+              <a:p>
+                <a:pPr algn="ctr"/>
+                <a:endParaRPr lang="en-GB"/>
+              </a:p>
+            </p:txBody>
+          </p:sp>
+          <p:cxnSp>
+            <p:nvCxnSpPr>
+              <p:cNvPr id="157" name="Straight Arrow Connector 156"/>
+              <p:cNvCxnSpPr>
+                <a:stCxn id="114" idx="1"/>
+              </p:cNvCxnSpPr>
+              <p:nvPr/>
+            </p:nvCxnSpPr>
+            <p:spPr>
+              <a:xfrm flipH="1" flipV="1">
+                <a:off x="971600" y="4583309"/>
+                <a:ext cx="3082567" cy="1"/>
+              </a:xfrm>
+              <a:prstGeom prst="straightConnector1">
+                <a:avLst/>
+              </a:prstGeom>
+              <a:ln w="12700">
+                <a:tailEnd type="arrow"/>
+              </a:ln>
+            </p:spPr>
+            <p:style>
+              <a:lnRef idx="1">
+                <a:schemeClr val="accent1"/>
+              </a:lnRef>
+              <a:fillRef idx="0">
+                <a:schemeClr val="accent1"/>
+              </a:fillRef>
+              <a:effectRef idx="0">
+                <a:schemeClr val="accent1"/>
+              </a:effectRef>
+              <a:fontRef idx="minor">
+                <a:schemeClr val="tx1"/>
+              </a:fontRef>
+            </p:style>
+          </p:cxnSp>
+          <p:cxnSp>
+            <p:nvCxnSpPr>
+              <p:cNvPr id="160" name="Straight Arrow Connector 159"/>
+              <p:cNvCxnSpPr>
+                <a:stCxn id="121" idx="2"/>
+              </p:cNvCxnSpPr>
+              <p:nvPr/>
+            </p:nvCxnSpPr>
+            <p:spPr>
+              <a:xfrm flipH="1">
+                <a:off x="2241550" y="3541576"/>
+                <a:ext cx="216755" cy="1724"/>
+              </a:xfrm>
+              <a:prstGeom prst="straightConnector1">
+                <a:avLst/>
+              </a:prstGeom>
+              <a:ln w="12700">
+                <a:tailEnd type="arrow"/>
+              </a:ln>
+            </p:spPr>
+            <p:style>
+              <a:lnRef idx="1">
+                <a:schemeClr val="accent1"/>
+              </a:lnRef>
+              <a:fillRef idx="0">
+                <a:schemeClr val="accent1"/>
+              </a:fillRef>
+              <a:effectRef idx="0">
+                <a:schemeClr val="accent1"/>
+              </a:effectRef>
+              <a:fontRef idx="minor">
+                <a:schemeClr val="tx1"/>
+              </a:fontRef>
+            </p:style>
+          </p:cxnSp>
+          <p:sp>
+            <p:nvSpPr>
+              <p:cNvPr id="163" name="TextBox 162"/>
+              <p:cNvSpPr txBox="1"/>
+              <p:nvPr/>
+            </p:nvSpPr>
+            <p:spPr>
+              <a:xfrm>
+                <a:off x="6750049" y="5118587"/>
+                <a:ext cx="646331" cy="246221"/>
+              </a:xfrm>
+              <a:prstGeom prst="rect">
+                <a:avLst/>
+              </a:prstGeom>
+              <a:solidFill>
+                <a:schemeClr val="bg1">
+                  <a:lumMod val="85000"/>
+                </a:schemeClr>
+              </a:solidFill>
+            </p:spPr>
+            <p:txBody>
+              <a:bodyPr wrap="none" rtlCol="0">
+                <a:spAutoFit/>
+              </a:bodyPr>
+              <a:lstStyle/>
+              <a:p>
+                <a:r>
+                  <a:rPr lang="en-GB" sz="1000" b="1" dirty="0" smtClean="0">
+                    <a:latin typeface="Courier New" pitchFamily="49" charset="0"/>
+                    <a:cs typeface="Courier New" pitchFamily="49" charset="0"/>
+                  </a:rPr>
+                  <a:t>Filter</a:t>
+                </a:r>
+                <a:endParaRPr lang="en-GB" sz="1000" b="1" dirty="0">
+                  <a:latin typeface="Courier New" pitchFamily="49" charset="0"/>
+                  <a:cs typeface="Courier New" pitchFamily="49" charset="0"/>
+                </a:endParaRPr>
+              </a:p>
+            </p:txBody>
+          </p:sp>
+          <p:sp>
+            <p:nvSpPr>
+              <p:cNvPr id="164" name="TextBox 163"/>
+              <p:cNvSpPr txBox="1"/>
+              <p:nvPr/>
+            </p:nvSpPr>
+            <p:spPr>
+              <a:xfrm>
+                <a:off x="5766273" y="5118587"/>
+                <a:ext cx="646331" cy="246221"/>
+              </a:xfrm>
+              <a:prstGeom prst="rect">
+                <a:avLst/>
+              </a:prstGeom>
+              <a:solidFill>
+                <a:schemeClr val="bg1">
+                  <a:lumMod val="85000"/>
+                </a:schemeClr>
+              </a:solidFill>
+            </p:spPr>
+            <p:txBody>
+              <a:bodyPr wrap="none" rtlCol="0">
+                <a:spAutoFit/>
+              </a:bodyPr>
+              <a:lstStyle/>
+              <a:p>
+                <a:r>
+                  <a:rPr lang="en-GB" sz="1000" b="1" dirty="0" smtClean="0">
+                    <a:latin typeface="Courier New" pitchFamily="49" charset="0"/>
+                    <a:cs typeface="Courier New" pitchFamily="49" charset="0"/>
+                  </a:rPr>
+                  <a:t>Reject</a:t>
+                </a:r>
+                <a:endParaRPr lang="en-GB" sz="1000" b="1" dirty="0">
+                  <a:latin typeface="Courier New" pitchFamily="49" charset="0"/>
+                  <a:cs typeface="Courier New" pitchFamily="49" charset="0"/>
+                </a:endParaRPr>
+              </a:p>
+            </p:txBody>
+          </p:sp>
+          <p:cxnSp>
+            <p:nvCxnSpPr>
+              <p:cNvPr id="165" name="Straight Arrow Connector 164"/>
+              <p:cNvCxnSpPr>
+                <a:stCxn id="164" idx="0"/>
+              </p:cNvCxnSpPr>
+              <p:nvPr/>
+            </p:nvCxnSpPr>
+            <p:spPr>
+              <a:xfrm flipV="1">
+                <a:off x="6089439" y="3661766"/>
+                <a:ext cx="0" cy="1456821"/>
+              </a:xfrm>
+              <a:prstGeom prst="straightConnector1">
+                <a:avLst/>
+              </a:prstGeom>
+              <a:ln>
+                <a:solidFill>
+                  <a:schemeClr val="bg1">
+                    <a:lumMod val="50000"/>
+                  </a:schemeClr>
+                </a:solidFill>
+                <a:tailEnd type="arrow"/>
+              </a:ln>
+            </p:spPr>
+            <p:style>
+              <a:lnRef idx="1">
+                <a:schemeClr val="accent1"/>
+              </a:lnRef>
+              <a:fillRef idx="0">
+                <a:schemeClr val="accent1"/>
+              </a:fillRef>
+              <a:effectRef idx="0">
+                <a:schemeClr val="accent1"/>
+              </a:effectRef>
+              <a:fontRef idx="minor">
+                <a:schemeClr val="tx1"/>
+              </a:fontRef>
+            </p:style>
+          </p:cxnSp>
+          <p:cxnSp>
+            <p:nvCxnSpPr>
+              <p:cNvPr id="168" name="Straight Arrow Connector 167"/>
+              <p:cNvCxnSpPr>
+                <a:stCxn id="163" idx="0"/>
+                <a:endCxn id="84" idx="2"/>
+              </p:cNvCxnSpPr>
+              <p:nvPr/>
+            </p:nvCxnSpPr>
+            <p:spPr>
+              <a:xfrm flipH="1" flipV="1">
+                <a:off x="7071553" y="3788875"/>
+                <a:ext cx="1662" cy="1329712"/>
+              </a:xfrm>
+              <a:prstGeom prst="straightConnector1">
+                <a:avLst/>
+              </a:prstGeom>
+              <a:ln>
+                <a:solidFill>
+                  <a:schemeClr val="bg1">
+                    <a:lumMod val="50000"/>
+                  </a:schemeClr>
+                </a:solidFill>
+                <a:tailEnd type="arrow"/>
+              </a:ln>
+            </p:spPr>
+            <p:style>
+              <a:lnRef idx="1">
+                <a:schemeClr val="accent1"/>
+              </a:lnRef>
+              <a:fillRef idx="0">
+                <a:schemeClr val="accent1"/>
+              </a:fillRef>
+              <a:effectRef idx="0">
+                <a:schemeClr val="accent1"/>
+              </a:effectRef>
+              <a:fontRef idx="minor">
+                <a:schemeClr val="tx1"/>
+              </a:fontRef>
+            </p:style>
+          </p:cxnSp>
+          <p:sp>
+            <p:nvSpPr>
+              <p:cNvPr id="172" name="TextBox 171"/>
+              <p:cNvSpPr txBox="1"/>
+              <p:nvPr/>
+            </p:nvSpPr>
+            <p:spPr>
+              <a:xfrm>
+                <a:off x="297229" y="2265511"/>
+                <a:ext cx="599716" cy="369332"/>
+              </a:xfrm>
+              <a:prstGeom prst="rect">
+                <a:avLst/>
+              </a:prstGeom>
+              <a:noFill/>
+            </p:spPr>
+            <p:txBody>
+              <a:bodyPr wrap="none" rtlCol="0">
+                <a:spAutoFit/>
+              </a:bodyPr>
+              <a:lstStyle/>
+              <a:p>
+                <a:r>
+                  <a:rPr lang="en-GB" dirty="0" smtClean="0"/>
+                  <a:t>data</a:t>
+                </a:r>
+                <a:endParaRPr lang="en-GB" dirty="0"/>
+              </a:p>
+            </p:txBody>
+          </p:sp>
+          <p:sp>
+            <p:nvSpPr>
+              <p:cNvPr id="173" name="TextBox 172"/>
+              <p:cNvSpPr txBox="1"/>
+              <p:nvPr/>
+            </p:nvSpPr>
+            <p:spPr>
+              <a:xfrm>
+                <a:off x="12036" y="3673958"/>
+                <a:ext cx="1170103" cy="646331"/>
+              </a:xfrm>
+              <a:prstGeom prst="rect">
+                <a:avLst/>
+              </a:prstGeom>
+              <a:noFill/>
+            </p:spPr>
+            <p:txBody>
+              <a:bodyPr wrap="square" rtlCol="0">
+                <a:spAutoFit/>
+              </a:bodyPr>
+              <a:lstStyle/>
+              <a:p>
+                <a:pPr algn="ctr"/>
+                <a:r>
+                  <a:rPr lang="en-GB" dirty="0"/>
+                  <a:t>p</a:t>
+                </a:r>
+                <a:r>
+                  <a:rPr lang="en-GB" dirty="0" smtClean="0"/>
+                  <a:t>rocessed data</a:t>
+                </a:r>
+                <a:endParaRPr lang="en-GB" dirty="0"/>
+              </a:p>
+            </p:txBody>
+          </p:sp>
+          <p:sp>
+            <p:nvSpPr>
+              <p:cNvPr id="174" name="TextBox 173"/>
+              <p:cNvSpPr txBox="1"/>
+              <p:nvPr/>
+            </p:nvSpPr>
+            <p:spPr>
+              <a:xfrm>
+                <a:off x="2646103" y="3039729"/>
+                <a:ext cx="300082" cy="369332"/>
+              </a:xfrm>
+              <a:prstGeom prst="rect">
+                <a:avLst/>
+              </a:prstGeom>
+              <a:noFill/>
+            </p:spPr>
+            <p:txBody>
+              <a:bodyPr wrap="none" rtlCol="0">
+                <a:spAutoFit/>
+              </a:bodyPr>
+              <a:lstStyle/>
+              <a:p>
+                <a:r>
+                  <a:rPr lang="en-GB" dirty="0" smtClean="0"/>
+                  <a:t>+</a:t>
+                </a:r>
+                <a:endParaRPr lang="en-GB" dirty="0"/>
+              </a:p>
+            </p:txBody>
+          </p:sp>
+          <p:sp>
+            <p:nvSpPr>
+              <p:cNvPr id="176" name="TextBox 175"/>
+              <p:cNvSpPr txBox="1"/>
+              <p:nvPr/>
+            </p:nvSpPr>
+            <p:spPr>
+              <a:xfrm>
+                <a:off x="2785591" y="3224395"/>
+                <a:ext cx="255198" cy="369332"/>
+              </a:xfrm>
+              <a:prstGeom prst="rect">
+                <a:avLst/>
+              </a:prstGeom>
+              <a:noFill/>
+            </p:spPr>
+            <p:txBody>
+              <a:bodyPr wrap="none" rtlCol="0">
+                <a:spAutoFit/>
+              </a:bodyPr>
+              <a:lstStyle/>
+              <a:p>
+                <a:r>
+                  <a:rPr lang="en-GB" dirty="0" smtClean="0"/>
+                  <a:t>-</a:t>
+                </a:r>
+                <a:endParaRPr lang="en-GB" dirty="0"/>
+              </a:p>
+            </p:txBody>
+          </p:sp>
+          <p:sp>
+            <p:nvSpPr>
+              <p:cNvPr id="178" name="TextBox 177"/>
+              <p:cNvSpPr txBox="1"/>
+              <p:nvPr/>
+            </p:nvSpPr>
+            <p:spPr>
+              <a:xfrm>
+                <a:off x="3843593" y="1610027"/>
+                <a:ext cx="723275" cy="246221"/>
+              </a:xfrm>
+              <a:prstGeom prst="rect">
+                <a:avLst/>
+              </a:prstGeom>
+              <a:solidFill>
+                <a:schemeClr val="bg1">
+                  <a:lumMod val="85000"/>
+                </a:schemeClr>
+              </a:solidFill>
+            </p:spPr>
+            <p:txBody>
+              <a:bodyPr wrap="none" rtlCol="0">
+                <a:spAutoFit/>
+              </a:bodyPr>
+              <a:lstStyle/>
+              <a:p>
+                <a:r>
+                  <a:rPr lang="en-GB" sz="1000" b="1" dirty="0" smtClean="0">
+                    <a:latin typeface="Courier New" pitchFamily="49" charset="0"/>
+                    <a:cs typeface="Courier New" pitchFamily="49" charset="0"/>
+                  </a:rPr>
+                  <a:t>Overlap</a:t>
+                </a:r>
+                <a:endParaRPr lang="en-GB" sz="1000" b="1" dirty="0">
+                  <a:latin typeface="Courier New" pitchFamily="49" charset="0"/>
+                  <a:cs typeface="Courier New" pitchFamily="49" charset="0"/>
+                </a:endParaRPr>
+              </a:p>
+            </p:txBody>
+          </p:sp>
+          <p:sp>
+            <p:nvSpPr>
+              <p:cNvPr id="186" name="Rounded Rectangle 185"/>
+              <p:cNvSpPr/>
+              <p:nvPr/>
+            </p:nvSpPr>
+            <p:spPr>
+              <a:xfrm>
+                <a:off x="1483010" y="3263832"/>
+                <a:ext cx="753873" cy="518865"/>
+              </a:xfrm>
+              <a:prstGeom prst="roundRect">
+                <a:avLst/>
+              </a:prstGeom>
+              <a:ln/>
+            </p:spPr>
+            <p:style>
+              <a:lnRef idx="2">
+                <a:schemeClr val="accent1"/>
+              </a:lnRef>
+              <a:fillRef idx="1">
+                <a:schemeClr val="lt1"/>
+              </a:fillRef>
+              <a:effectRef idx="0">
+                <a:schemeClr val="accent1"/>
+              </a:effectRef>
+              <a:fontRef idx="minor">
+                <a:schemeClr val="dk1"/>
+              </a:fontRef>
+            </p:style>
+            <p:txBody>
+              <a:bodyPr rtlCol="0" anchor="ctr"/>
+              <a:lstStyle/>
+              <a:p>
+                <a:pPr algn="ctr"/>
+                <a:endParaRPr lang="en-GB"/>
+              </a:p>
+            </p:txBody>
+          </p:sp>
+          <p:sp>
+            <p:nvSpPr>
+              <p:cNvPr id="187" name="TextBox 186"/>
+              <p:cNvSpPr txBox="1"/>
+              <p:nvPr/>
+            </p:nvSpPr>
+            <p:spPr>
+              <a:xfrm>
+                <a:off x="1373879" y="3385988"/>
+                <a:ext cx="999552" cy="276999"/>
+              </a:xfrm>
+              <a:prstGeom prst="rect">
+                <a:avLst/>
+              </a:prstGeom>
+              <a:noFill/>
+            </p:spPr>
+            <p:txBody>
+              <a:bodyPr wrap="square" rtlCol="0">
+                <a:spAutoFit/>
+              </a:bodyPr>
+              <a:lstStyle/>
+              <a:p>
+                <a:pPr algn="ctr"/>
+                <a:r>
+                  <a:rPr lang="en-US" sz="1200" i="1" dirty="0" smtClean="0"/>
+                  <a:t>regression</a:t>
+                </a:r>
+                <a:endParaRPr lang="en-US" sz="1200" i="1" dirty="0"/>
+              </a:p>
+            </p:txBody>
+          </p:sp>
+          <p:cxnSp>
+            <p:nvCxnSpPr>
+              <p:cNvPr id="194" name="Elbow Connector 193"/>
+              <p:cNvCxnSpPr>
+                <a:stCxn id="279" idx="4"/>
+                <a:endCxn id="186" idx="2"/>
+              </p:cNvCxnSpPr>
+              <p:nvPr/>
+            </p:nvCxnSpPr>
+            <p:spPr>
+              <a:xfrm rot="5400000">
+                <a:off x="3499572" y="1927273"/>
+                <a:ext cx="215800" cy="3495049"/>
+              </a:xfrm>
+              <a:prstGeom prst="bentConnector3">
+                <a:avLst>
+                  <a:gd name="adj1" fmla="val 205931"/>
+                </a:avLst>
+              </a:prstGeom>
+              <a:ln w="12700">
+                <a:tailEnd type="arrow"/>
+              </a:ln>
+            </p:spPr>
+            <p:style>
+              <a:lnRef idx="1">
+                <a:schemeClr val="accent1"/>
+              </a:lnRef>
+              <a:fillRef idx="0">
+                <a:schemeClr val="accent1"/>
+              </a:fillRef>
+              <a:effectRef idx="0">
+                <a:schemeClr val="accent1"/>
+              </a:effectRef>
+              <a:fontRef idx="minor">
+                <a:schemeClr val="tx1"/>
+              </a:fontRef>
+            </p:style>
+          </p:cxnSp>
+          <p:sp>
+            <p:nvSpPr>
+              <p:cNvPr id="201" name="TextBox 200"/>
+              <p:cNvSpPr txBox="1"/>
+              <p:nvPr/>
+            </p:nvSpPr>
+            <p:spPr>
+              <a:xfrm>
+                <a:off x="1576088" y="5157835"/>
+                <a:ext cx="954107" cy="246221"/>
+              </a:xfrm>
+              <a:prstGeom prst="rect">
+                <a:avLst/>
+              </a:prstGeom>
+              <a:solidFill>
+                <a:schemeClr val="bg1">
+                  <a:lumMod val="85000"/>
+                </a:schemeClr>
+              </a:solidFill>
+            </p:spPr>
+            <p:txBody>
+              <a:bodyPr wrap="none" rtlCol="0">
+                <a:spAutoFit/>
+              </a:bodyPr>
+              <a:lstStyle/>
+              <a:p>
+                <a:r>
+                  <a:rPr lang="en-GB" sz="1000" b="1" dirty="0" err="1" smtClean="0">
+                    <a:latin typeface="Courier New" pitchFamily="49" charset="0"/>
+                    <a:cs typeface="Courier New" pitchFamily="49" charset="0"/>
+                  </a:rPr>
+                  <a:t>RegrFilter</a:t>
+                </a:r>
+                <a:endParaRPr lang="en-GB" sz="1000" b="1" dirty="0">
+                  <a:latin typeface="Courier New" pitchFamily="49" charset="0"/>
+                  <a:cs typeface="Courier New" pitchFamily="49" charset="0"/>
+                </a:endParaRPr>
+              </a:p>
+            </p:txBody>
+          </p:sp>
+          <p:cxnSp>
+            <p:nvCxnSpPr>
+              <p:cNvPr id="202" name="Straight Arrow Connector 201"/>
+              <p:cNvCxnSpPr>
+                <a:stCxn id="201" idx="0"/>
+              </p:cNvCxnSpPr>
+              <p:nvPr/>
+            </p:nvCxnSpPr>
+            <p:spPr>
+              <a:xfrm flipV="1">
+                <a:off x="2053142" y="3779688"/>
+                <a:ext cx="22038" cy="1378147"/>
+              </a:xfrm>
+              <a:prstGeom prst="straightConnector1">
+                <a:avLst/>
+              </a:prstGeom>
+              <a:ln>
+                <a:solidFill>
+                  <a:schemeClr val="bg1">
+                    <a:lumMod val="50000"/>
+                  </a:schemeClr>
+                </a:solidFill>
+                <a:tailEnd type="arrow"/>
+              </a:ln>
+            </p:spPr>
+            <p:style>
+              <a:lnRef idx="1">
+                <a:schemeClr val="accent1"/>
+              </a:lnRef>
+              <a:fillRef idx="0">
+                <a:schemeClr val="accent1"/>
+              </a:fillRef>
+              <a:effectRef idx="0">
+                <a:schemeClr val="accent1"/>
+              </a:effectRef>
+              <a:fontRef idx="minor">
+                <a:schemeClr val="tx1"/>
+              </a:fontRef>
+            </p:style>
+          </p:cxnSp>
+          <p:cxnSp>
+            <p:nvCxnSpPr>
+              <p:cNvPr id="206" name="Straight Arrow Connector 205"/>
+              <p:cNvCxnSpPr/>
+              <p:nvPr/>
+            </p:nvCxnSpPr>
+            <p:spPr>
+              <a:xfrm flipH="1">
+                <a:off x="971600" y="3538775"/>
+                <a:ext cx="525118" cy="4525"/>
+              </a:xfrm>
+              <a:prstGeom prst="straightConnector1">
+                <a:avLst/>
+              </a:prstGeom>
+              <a:ln w="12700">
+                <a:tailEnd type="arrow"/>
+              </a:ln>
+            </p:spPr>
+            <p:style>
+              <a:lnRef idx="1">
+                <a:schemeClr val="accent1"/>
+              </a:lnRef>
+              <a:fillRef idx="0">
+                <a:schemeClr val="accent1"/>
+              </a:fillRef>
+              <a:effectRef idx="0">
+                <a:schemeClr val="accent1"/>
+              </a:effectRef>
+              <a:fontRef idx="minor">
+                <a:schemeClr val="tx1"/>
+              </a:fontRef>
+            </p:style>
+          </p:cxnSp>
+          <p:cxnSp>
+            <p:nvCxnSpPr>
+              <p:cNvPr id="56" name="Straight Arrow Connector 55"/>
+              <p:cNvCxnSpPr>
+                <a:stCxn id="36" idx="3"/>
+              </p:cNvCxnSpPr>
+              <p:nvPr/>
+            </p:nvCxnSpPr>
+            <p:spPr>
+              <a:xfrm flipV="1">
+                <a:off x="6434985" y="2439680"/>
+                <a:ext cx="241955" cy="63"/>
+              </a:xfrm>
+              <a:prstGeom prst="straightConnector1">
+                <a:avLst/>
+              </a:prstGeom>
+              <a:ln w="12700">
+                <a:tailEnd type="arrow"/>
+              </a:ln>
+            </p:spPr>
+            <p:style>
+              <a:lnRef idx="1">
+                <a:schemeClr val="accent1"/>
+              </a:lnRef>
+              <a:fillRef idx="0">
+                <a:schemeClr val="accent1"/>
+              </a:fillRef>
+              <a:effectRef idx="0">
+                <a:schemeClr val="accent1"/>
+              </a:effectRef>
+              <a:fontRef idx="minor">
+                <a:schemeClr val="tx1"/>
+              </a:fontRef>
+            </p:style>
+          </p:cxnSp>
+          <p:cxnSp>
+            <p:nvCxnSpPr>
+              <p:cNvPr id="263" name="Straight Arrow Connector 262"/>
+              <p:cNvCxnSpPr>
+                <a:stCxn id="150" idx="4"/>
+                <a:endCxn id="154" idx="0"/>
+              </p:cNvCxnSpPr>
+              <p:nvPr/>
+            </p:nvCxnSpPr>
+            <p:spPr>
+              <a:xfrm>
+                <a:off x="2632467" y="2477198"/>
+                <a:ext cx="5858" cy="870283"/>
+              </a:xfrm>
+              <a:prstGeom prst="straightConnector1">
+                <a:avLst/>
+              </a:prstGeom>
+              <a:ln w="12700">
+                <a:tailEnd type="arrow"/>
+              </a:ln>
+            </p:spPr>
+            <p:style>
+              <a:lnRef idx="1">
+                <a:schemeClr val="accent1"/>
+              </a:lnRef>
+              <a:fillRef idx="0">
+                <a:schemeClr val="accent1"/>
+              </a:fillRef>
+              <a:effectRef idx="0">
+                <a:schemeClr val="accent1"/>
+              </a:effectRef>
+              <a:fontRef idx="minor">
+                <a:schemeClr val="tx1"/>
+              </a:fontRef>
+            </p:style>
+          </p:cxnSp>
+          <p:sp>
+            <p:nvSpPr>
+              <p:cNvPr id="279" name="Oval 278"/>
+              <p:cNvSpPr/>
+              <p:nvPr/>
+            </p:nvSpPr>
+            <p:spPr>
+              <a:xfrm>
+                <a:off x="5311380" y="3491987"/>
+                <a:ext cx="87231" cy="74910"/>
+              </a:xfrm>
+              <a:prstGeom prst="ellipse">
+                <a:avLst/>
+              </a:prstGeom>
+            </p:spPr>
+            <p:style>
+              <a:lnRef idx="2">
+                <a:schemeClr val="accent1">
+                  <a:shade val="50000"/>
+                </a:schemeClr>
+              </a:lnRef>
+              <a:fillRef idx="1">
+                <a:schemeClr val="accent1"/>
+              </a:fillRef>
+              <a:effectRef idx="0">
+                <a:schemeClr val="accent1"/>
+              </a:effectRef>
+              <a:fontRef idx="minor">
+                <a:schemeClr val="lt1"/>
+              </a:fontRef>
+            </p:style>
+            <p:txBody>
+              <a:bodyPr rtlCol="0" anchor="ctr"/>
+              <a:lstStyle/>
+              <a:p>
+                <a:pPr algn="ctr"/>
+                <a:endParaRPr lang="en-GB"/>
+              </a:p>
+            </p:txBody>
+          </p:sp>
+        </p:grpSp>
+        <p:sp>
+          <p:nvSpPr>
+            <p:cNvPr id="285" name="TextBox 284"/>
+            <p:cNvSpPr txBox="1"/>
+            <p:nvPr/>
+          </p:nvSpPr>
+          <p:spPr>
+            <a:xfrm>
+              <a:off x="5312368" y="3256412"/>
+              <a:ext cx="369012" cy="246221"/>
+            </a:xfrm>
+            <a:prstGeom prst="rect">
+              <a:avLst/>
+            </a:prstGeom>
+            <a:noFill/>
+          </p:spPr>
+          <p:txBody>
+            <a:bodyPr wrap="none" rtlCol="0">
+              <a:spAutoFit/>
+            </a:bodyPr>
+            <a:lstStyle/>
+            <a:p>
+              <a:r>
+                <a:rPr lang="en-GB" sz="1000" dirty="0" smtClean="0"/>
+                <a:t>YES</a:t>
+              </a:r>
+              <a:endParaRPr lang="en-GB" sz="1000" dirty="0"/>
+            </a:p>
+          </p:txBody>
+        </p:sp>
+        <p:sp>
+          <p:nvSpPr>
+            <p:cNvPr id="286" name="TextBox 285"/>
+            <p:cNvSpPr txBox="1"/>
+            <p:nvPr/>
+          </p:nvSpPr>
+          <p:spPr>
+            <a:xfrm>
+              <a:off x="5540337" y="3749012"/>
+              <a:ext cx="352982" cy="246221"/>
+            </a:xfrm>
+            <a:prstGeom prst="rect">
+              <a:avLst/>
+            </a:prstGeom>
+            <a:noFill/>
+          </p:spPr>
+          <p:txBody>
+            <a:bodyPr wrap="none" rtlCol="0">
+              <a:spAutoFit/>
+            </a:bodyPr>
+            <a:lstStyle/>
+            <a:p>
+              <a:r>
+                <a:rPr lang="en-GB" sz="1000" dirty="0" smtClean="0"/>
+                <a:t>NO</a:t>
+              </a:r>
+              <a:endParaRPr lang="en-GB" sz="1000" dirty="0"/>
+            </a:p>
+          </p:txBody>
+        </p:sp>
+      </p:grpSp>
+    </p:spTree>
+    <p:extLst>
+      <p:ext uri="{BB962C8B-B14F-4D97-AF65-F5344CB8AC3E}">
+        <p14:creationId xmlns:p14="http://schemas.microsoft.com/office/powerpoint/2010/main" val="3241361482"/>
+      </p:ext>
+    </p:extLst>
+  </p:cSld>
+  <p:clrMapOvr>
+    <a:masterClrMapping/>
+  </p:clrMapOvr>
+</p:sld>
+</file>
+
+<file path=ppt/slides/slide3.xml><?xml version="1.0" encoding="utf-8"?>
+<p:sld xmlns:a="http://schemas.openxmlformats.org/drawingml/2006/main" xmlns:r="http://schemas.openxmlformats.org/officeDocument/2006/relationships" xmlns:p="http://schemas.openxmlformats.org/presentationml/2006/main">
+  <p:cSld>
+    <p:spTree>
+      <p:nvGrpSpPr>
+        <p:cNvPr id="1" name=""/>
+        <p:cNvGrpSpPr/>
+        <p:nvPr/>
+      </p:nvGrpSpPr>
+      <p:grpSpPr>
+        <a:xfrm>
+          <a:off x="0" y="0"/>
+          <a:ext cx="0" cy="0"/>
+          <a:chOff x="0" y="0"/>
+          <a:chExt cx="0" cy="0"/>
+        </a:xfrm>
+      </p:grpSpPr>
+      <p:grpSp>
+        <p:nvGrpSpPr>
+          <p:cNvPr id="4" name="Group 3"/>
+          <p:cNvGrpSpPr/>
+          <p:nvPr/>
+        </p:nvGrpSpPr>
+        <p:grpSpPr>
+          <a:xfrm>
+            <a:off x="1403648" y="1124744"/>
+            <a:ext cx="5904656" cy="2828057"/>
+            <a:chOff x="1403648" y="1124744"/>
+            <a:chExt cx="5904656" cy="2828057"/>
+          </a:xfrm>
+        </p:grpSpPr>
+        <p:cxnSp>
+          <p:nvCxnSpPr>
+            <p:cNvPr id="6" name="Straight Arrow Connector 5"/>
+            <p:cNvCxnSpPr/>
+            <p:nvPr/>
+          </p:nvCxnSpPr>
+          <p:spPr>
+            <a:xfrm>
+              <a:off x="5681078" y="2356753"/>
+              <a:ext cx="488468" cy="1131"/>
+            </a:xfrm>
+            <a:prstGeom prst="straightConnector1">
+              <a:avLst/>
+            </a:prstGeom>
+            <a:ln>
+              <a:tailEnd type="arrow"/>
+            </a:ln>
+          </p:spPr>
+          <p:style>
+            <a:lnRef idx="1">
+              <a:schemeClr val="accent1"/>
+            </a:lnRef>
+            <a:fillRef idx="0">
+              <a:schemeClr val="accent1"/>
+            </a:fillRef>
+            <a:effectRef idx="0">
+              <a:schemeClr val="accent1"/>
+            </a:effectRef>
+            <a:fontRef idx="minor">
+              <a:schemeClr val="tx1"/>
+            </a:fontRef>
+          </p:style>
+        </p:cxnSp>
+        <p:sp>
+          <p:nvSpPr>
+            <p:cNvPr id="12" name="Rounded Rectangle 11"/>
+            <p:cNvSpPr/>
+            <p:nvPr/>
+          </p:nvSpPr>
+          <p:spPr>
+            <a:xfrm>
+              <a:off x="2411760" y="1556792"/>
+              <a:ext cx="3456384" cy="1584176"/>
+            </a:xfrm>
+            <a:prstGeom prst="roundRect">
+              <a:avLst/>
+            </a:prstGeom>
+            <a:noFill/>
+          </p:spPr>
+          <p:style>
+            <a:lnRef idx="2">
+              <a:schemeClr val="accent1">
+                <a:shade val="50000"/>
+              </a:schemeClr>
+            </a:lnRef>
+            <a:fillRef idx="1">
+              <a:schemeClr val="accent1"/>
+            </a:fillRef>
+            <a:effectRef idx="0">
+              <a:schemeClr val="accent1"/>
+            </a:effectRef>
+            <a:fontRef idx="minor">
+              <a:schemeClr val="lt1"/>
+            </a:fontRef>
+          </p:style>
+          <p:txBody>
+            <a:bodyPr rtlCol="0" anchor="ctr"/>
+            <a:lstStyle/>
+            <a:p>
+              <a:pPr algn="ctr"/>
+              <a:endParaRPr lang="en-GB"/>
+            </a:p>
+          </p:txBody>
+        </p:sp>
+        <p:sp>
+          <p:nvSpPr>
+            <p:cNvPr id="14" name="TextBox 13"/>
+            <p:cNvSpPr txBox="1"/>
+            <p:nvPr/>
+          </p:nvSpPr>
+          <p:spPr>
+            <a:xfrm>
+              <a:off x="5940152" y="1988840"/>
+              <a:ext cx="1368152" cy="307777"/>
+            </a:xfrm>
+            <a:prstGeom prst="rect">
+              <a:avLst/>
+            </a:prstGeom>
+            <a:noFill/>
+          </p:spPr>
+          <p:txBody>
+            <a:bodyPr wrap="square" rtlCol="0">
+              <a:spAutoFit/>
+            </a:bodyPr>
+            <a:lstStyle/>
+            <a:p>
+              <a:r>
+                <a:rPr lang="en-GB" sz="1400" b="1" dirty="0" smtClean="0"/>
+                <a:t>data</a:t>
+              </a:r>
+              <a:endParaRPr lang="en-GB" sz="1400" i="1" dirty="0"/>
+            </a:p>
+          </p:txBody>
+        </p:sp>
+        <p:sp>
+          <p:nvSpPr>
+            <p:cNvPr id="16" name="TextBox 15"/>
+            <p:cNvSpPr txBox="1"/>
+            <p:nvPr/>
+          </p:nvSpPr>
+          <p:spPr>
+            <a:xfrm>
+              <a:off x="2915816" y="1556792"/>
+              <a:ext cx="2469747" cy="338554"/>
+            </a:xfrm>
+            <a:prstGeom prst="rect">
+              <a:avLst/>
+            </a:prstGeom>
+            <a:noFill/>
+          </p:spPr>
+          <p:txBody>
+            <a:bodyPr wrap="none" rtlCol="0">
+              <a:spAutoFit/>
+            </a:bodyPr>
+            <a:lstStyle/>
+            <a:p>
+              <a:r>
+                <a:rPr lang="en-GB" sz="1600" b="1" dirty="0" smtClean="0"/>
+                <a:t>data</a:t>
+              </a:r>
+              <a:r>
+                <a:rPr lang="en-GB" sz="1600" dirty="0" smtClean="0"/>
+                <a:t> = run(</a:t>
+              </a:r>
+              <a:r>
+                <a:rPr lang="en-GB" sz="1600" b="1" dirty="0" smtClean="0"/>
+                <a:t>node</a:t>
+              </a:r>
+              <a:r>
+                <a:rPr lang="en-GB" sz="1600" dirty="0" smtClean="0"/>
+                <a:t>, </a:t>
+              </a:r>
+              <a:r>
+                <a:rPr lang="en-GB" sz="1600" b="1" dirty="0" err="1" smtClean="0"/>
+                <a:t>fileName</a:t>
+              </a:r>
+              <a:r>
+                <a:rPr lang="en-GB" sz="1600" dirty="0" smtClean="0"/>
+                <a:t>)</a:t>
+              </a:r>
+              <a:endParaRPr lang="en-GB" sz="1600" dirty="0"/>
+            </a:p>
+          </p:txBody>
+        </p:sp>
+        <p:sp>
+          <p:nvSpPr>
+            <p:cNvPr id="21" name="TextBox 20"/>
+            <p:cNvSpPr txBox="1"/>
+            <p:nvPr/>
+          </p:nvSpPr>
+          <p:spPr>
+            <a:xfrm>
+              <a:off x="3275856" y="1124744"/>
+              <a:ext cx="1723386" cy="338554"/>
+            </a:xfrm>
+            <a:prstGeom prst="rect">
+              <a:avLst/>
+            </a:prstGeom>
+            <a:noFill/>
+          </p:spPr>
+          <p:txBody>
+            <a:bodyPr wrap="none" rtlCol="0">
+              <a:spAutoFit/>
+            </a:bodyPr>
+            <a:lstStyle/>
+            <a:p>
+              <a:r>
+                <a:rPr lang="en-GB" sz="1600" b="1" dirty="0" err="1"/>
+                <a:t>p</a:t>
+              </a:r>
+              <a:r>
+                <a:rPr lang="en-GB" sz="1600" b="1" dirty="0" err="1" smtClean="0"/>
+                <a:t>hysioset_import</a:t>
+              </a:r>
+              <a:endParaRPr lang="en-GB" sz="1600" i="1" dirty="0"/>
+            </a:p>
+          </p:txBody>
+        </p:sp>
+        <p:sp>
+          <p:nvSpPr>
+            <p:cNvPr id="22" name="TextBox 21"/>
+            <p:cNvSpPr txBox="1"/>
+            <p:nvPr/>
+          </p:nvSpPr>
+          <p:spPr>
+            <a:xfrm>
+              <a:off x="1403648" y="1988840"/>
+              <a:ext cx="864339" cy="307777"/>
+            </a:xfrm>
+            <a:prstGeom prst="rect">
+              <a:avLst/>
+            </a:prstGeom>
+            <a:noFill/>
+          </p:spPr>
+          <p:txBody>
+            <a:bodyPr wrap="none" rtlCol="0">
+              <a:spAutoFit/>
+            </a:bodyPr>
+            <a:lstStyle/>
+            <a:p>
+              <a:r>
+                <a:rPr lang="en-GB" sz="1400" b="1" dirty="0" err="1" smtClean="0"/>
+                <a:t>fileName</a:t>
+              </a:r>
+              <a:endParaRPr lang="en-GB" sz="1400" b="1" dirty="0" smtClean="0"/>
+            </a:p>
+          </p:txBody>
+        </p:sp>
+        <p:sp>
+          <p:nvSpPr>
+            <p:cNvPr id="35" name="Rounded Rectangle 34"/>
+            <p:cNvSpPr/>
+            <p:nvPr/>
+          </p:nvSpPr>
+          <p:spPr>
+            <a:xfrm>
+              <a:off x="4788024" y="1988840"/>
+              <a:ext cx="936104" cy="792088"/>
+            </a:xfrm>
+            <a:prstGeom prst="roundRect">
+              <a:avLst/>
+            </a:prstGeom>
+            <a:ln>
+              <a:solidFill>
+                <a:srgbClr val="D9D9D9"/>
+              </a:solidFill>
+            </a:ln>
+          </p:spPr>
+          <p:style>
+            <a:lnRef idx="2">
+              <a:schemeClr val="accent1"/>
+            </a:lnRef>
+            <a:fillRef idx="1">
+              <a:schemeClr val="lt1"/>
+            </a:fillRef>
+            <a:effectRef idx="0">
+              <a:schemeClr val="accent1"/>
+            </a:effectRef>
+            <a:fontRef idx="minor">
+              <a:schemeClr val="dk1"/>
+            </a:fontRef>
+          </p:style>
+          <p:txBody>
+            <a:bodyPr rtlCol="0" anchor="ctr"/>
+            <a:lstStyle/>
+            <a:p>
+              <a:pPr algn="ctr"/>
+              <a:endParaRPr lang="en-GB"/>
+            </a:p>
+          </p:txBody>
+        </p:sp>
+        <p:sp>
+          <p:nvSpPr>
+            <p:cNvPr id="37" name="TextBox 36"/>
+            <p:cNvSpPr txBox="1"/>
+            <p:nvPr/>
+          </p:nvSpPr>
+          <p:spPr>
+            <a:xfrm>
+              <a:off x="4827287" y="2033833"/>
+              <a:ext cx="936104" cy="646331"/>
+            </a:xfrm>
+            <a:prstGeom prst="rect">
+              <a:avLst/>
+            </a:prstGeom>
+            <a:noFill/>
+          </p:spPr>
+          <p:txBody>
+            <a:bodyPr wrap="square" rtlCol="0">
+              <a:spAutoFit/>
+            </a:bodyPr>
+            <a:lstStyle/>
+            <a:p>
+              <a:pPr algn="ctr"/>
+              <a:r>
+                <a:rPr lang="en-US" sz="1200" i="1" dirty="0" smtClean="0">
+                  <a:solidFill>
+                    <a:srgbClr val="D9D9D9"/>
+                  </a:solidFill>
+                </a:rPr>
+                <a:t>Restore data selection</a:t>
+              </a:r>
+              <a:endParaRPr lang="en-US" sz="1200" i="1" dirty="0">
+                <a:solidFill>
+                  <a:srgbClr val="D9D9D9"/>
+                </a:solidFill>
+              </a:endParaRPr>
+            </a:p>
+          </p:txBody>
+        </p:sp>
+        <p:sp>
+          <p:nvSpPr>
+            <p:cNvPr id="38" name="Rounded Rectangle 37"/>
+            <p:cNvSpPr/>
+            <p:nvPr/>
+          </p:nvSpPr>
+          <p:spPr>
+            <a:xfrm>
+              <a:off x="2555776" y="1988840"/>
+              <a:ext cx="936104" cy="792088"/>
+            </a:xfrm>
+            <a:prstGeom prst="roundRect">
+              <a:avLst/>
+            </a:prstGeom>
+            <a:ln>
+              <a:solidFill>
+                <a:schemeClr val="bg1">
+                  <a:lumMod val="85000"/>
+                </a:schemeClr>
+              </a:solidFill>
+            </a:ln>
+          </p:spPr>
+          <p:style>
+            <a:lnRef idx="2">
+              <a:schemeClr val="accent1"/>
+            </a:lnRef>
+            <a:fillRef idx="1">
+              <a:schemeClr val="lt1"/>
+            </a:fillRef>
+            <a:effectRef idx="0">
+              <a:schemeClr val="accent1"/>
+            </a:effectRef>
+            <a:fontRef idx="minor">
+              <a:schemeClr val="dk1"/>
+            </a:fontRef>
+          </p:style>
+          <p:txBody>
+            <a:bodyPr rtlCol="0" anchor="ctr"/>
+            <a:lstStyle/>
+            <a:p>
+              <a:pPr algn="ctr"/>
+              <a:endParaRPr lang="en-GB" dirty="0"/>
+            </a:p>
+          </p:txBody>
+        </p:sp>
+        <p:sp>
+          <p:nvSpPr>
+            <p:cNvPr id="39" name="TextBox 38"/>
+            <p:cNvSpPr txBox="1"/>
+            <p:nvPr/>
+          </p:nvSpPr>
+          <p:spPr>
+            <a:xfrm>
+              <a:off x="2622349" y="2154051"/>
+              <a:ext cx="792088" cy="461665"/>
+            </a:xfrm>
+            <a:prstGeom prst="rect">
+              <a:avLst/>
+            </a:prstGeom>
+            <a:noFill/>
+          </p:spPr>
+          <p:txBody>
+            <a:bodyPr wrap="square" rtlCol="0">
+              <a:spAutoFit/>
+            </a:bodyPr>
+            <a:lstStyle/>
+            <a:p>
+              <a:pPr algn="ctr"/>
+              <a:r>
+                <a:rPr lang="en-US" sz="1200" i="1" dirty="0" smtClean="0">
+                  <a:solidFill>
+                    <a:schemeClr val="bg1">
+                      <a:lumMod val="85000"/>
+                    </a:schemeClr>
+                  </a:solidFill>
+                </a:rPr>
+                <a:t>Data selection</a:t>
+              </a:r>
+              <a:endParaRPr lang="en-US" sz="1200" i="1" dirty="0">
+                <a:solidFill>
+                  <a:schemeClr val="bg1">
+                    <a:lumMod val="85000"/>
+                  </a:schemeClr>
+                </a:solidFill>
+              </a:endParaRPr>
+            </a:p>
+          </p:txBody>
+        </p:sp>
+        <p:sp>
+          <p:nvSpPr>
+            <p:cNvPr id="44" name="Rounded Rectangle 43"/>
+            <p:cNvSpPr/>
+            <p:nvPr/>
+          </p:nvSpPr>
+          <p:spPr>
+            <a:xfrm>
+              <a:off x="3671900" y="1986718"/>
+              <a:ext cx="936104" cy="792088"/>
+            </a:xfrm>
+            <a:prstGeom prst="roundRect">
+              <a:avLst/>
+            </a:prstGeom>
+            <a:ln/>
+          </p:spPr>
+          <p:style>
+            <a:lnRef idx="2">
+              <a:schemeClr val="accent1"/>
+            </a:lnRef>
+            <a:fillRef idx="1">
+              <a:schemeClr val="lt1"/>
+            </a:fillRef>
+            <a:effectRef idx="0">
+              <a:schemeClr val="accent1"/>
+            </a:effectRef>
+            <a:fontRef idx="minor">
+              <a:schemeClr val="dk1"/>
+            </a:fontRef>
+          </p:style>
+          <p:txBody>
+            <a:bodyPr rtlCol="0" anchor="ctr"/>
+            <a:lstStyle/>
+            <a:p>
+              <a:pPr algn="ctr"/>
+              <a:endParaRPr lang="en-GB"/>
+            </a:p>
+          </p:txBody>
+        </p:sp>
+        <p:sp>
+          <p:nvSpPr>
+            <p:cNvPr id="45" name="TextBox 44"/>
+            <p:cNvSpPr txBox="1"/>
+            <p:nvPr/>
+          </p:nvSpPr>
+          <p:spPr>
+            <a:xfrm>
+              <a:off x="3707904" y="2204864"/>
+              <a:ext cx="936104" cy="276999"/>
+            </a:xfrm>
+            <a:prstGeom prst="rect">
+              <a:avLst/>
+            </a:prstGeom>
+            <a:noFill/>
+          </p:spPr>
+          <p:txBody>
+            <a:bodyPr wrap="square" rtlCol="0">
+              <a:spAutoFit/>
+            </a:bodyPr>
+            <a:lstStyle/>
+            <a:p>
+              <a:pPr algn="ctr"/>
+              <a:r>
+                <a:rPr lang="en-US" sz="1200" i="1" dirty="0" smtClean="0"/>
+                <a:t>import()</a:t>
+              </a:r>
+              <a:endParaRPr lang="en-US" sz="1200" i="1" dirty="0"/>
+            </a:p>
+          </p:txBody>
+        </p:sp>
+        <p:cxnSp>
+          <p:nvCxnSpPr>
+            <p:cNvPr id="53" name="Straight Arrow Connector 52"/>
+            <p:cNvCxnSpPr/>
+            <p:nvPr/>
+          </p:nvCxnSpPr>
+          <p:spPr>
+            <a:xfrm>
+              <a:off x="4519267" y="2357125"/>
+              <a:ext cx="412029" cy="759"/>
+            </a:xfrm>
+            <a:prstGeom prst="straightConnector1">
+              <a:avLst/>
+            </a:prstGeom>
+            <a:ln>
+              <a:tailEnd type="arrow"/>
+            </a:ln>
+          </p:spPr>
+          <p:style>
+            <a:lnRef idx="1">
+              <a:schemeClr val="accent1"/>
+            </a:lnRef>
+            <a:fillRef idx="0">
+              <a:schemeClr val="accent1"/>
+            </a:fillRef>
+            <a:effectRef idx="0">
+              <a:schemeClr val="accent1"/>
+            </a:effectRef>
+            <a:fontRef idx="minor">
+              <a:schemeClr val="tx1"/>
+            </a:fontRef>
+          </p:style>
+        </p:cxnSp>
+        <p:cxnSp>
+          <p:nvCxnSpPr>
+            <p:cNvPr id="56" name="Straight Arrow Connector 55"/>
+            <p:cNvCxnSpPr/>
+            <p:nvPr/>
+          </p:nvCxnSpPr>
+          <p:spPr>
+            <a:xfrm flipV="1">
+              <a:off x="3372371" y="2348359"/>
+              <a:ext cx="479425" cy="1"/>
+            </a:xfrm>
+            <a:prstGeom prst="straightConnector1">
+              <a:avLst/>
+            </a:prstGeom>
+            <a:ln>
+              <a:tailEnd type="arrow"/>
+            </a:ln>
+          </p:spPr>
+          <p:style>
+            <a:lnRef idx="1">
+              <a:schemeClr val="accent1"/>
+            </a:lnRef>
+            <a:fillRef idx="0">
+              <a:schemeClr val="accent1"/>
+            </a:fillRef>
+            <a:effectRef idx="0">
+              <a:schemeClr val="accent1"/>
+            </a:effectRef>
+            <a:fontRef idx="minor">
+              <a:schemeClr val="tx1"/>
+            </a:fontRef>
+          </p:style>
+        </p:cxnSp>
+        <p:cxnSp>
+          <p:nvCxnSpPr>
+            <p:cNvPr id="26" name="Straight Arrow Connector 25"/>
+            <p:cNvCxnSpPr/>
+            <p:nvPr/>
+          </p:nvCxnSpPr>
+          <p:spPr>
+            <a:xfrm>
+              <a:off x="2051720" y="2359484"/>
+              <a:ext cx="504056" cy="0"/>
+            </a:xfrm>
+            <a:prstGeom prst="straightConnector1">
+              <a:avLst/>
+            </a:prstGeom>
+            <a:ln>
+              <a:tailEnd type="arrow"/>
+            </a:ln>
+          </p:spPr>
+          <p:style>
+            <a:lnRef idx="1">
+              <a:schemeClr val="accent1"/>
+            </a:lnRef>
+            <a:fillRef idx="0">
+              <a:schemeClr val="accent1"/>
+            </a:fillRef>
+            <a:effectRef idx="0">
+              <a:schemeClr val="accent1"/>
+            </a:effectRef>
+            <a:fontRef idx="minor">
+              <a:schemeClr val="tx1"/>
+            </a:fontRef>
+          </p:style>
+        </p:cxnSp>
+        <p:cxnSp>
+          <p:nvCxnSpPr>
+            <p:cNvPr id="40" name="Straight Arrow Connector 39"/>
+            <p:cNvCxnSpPr/>
+            <p:nvPr/>
+          </p:nvCxnSpPr>
+          <p:spPr>
+            <a:xfrm flipV="1">
+              <a:off x="4139952" y="2636912"/>
+              <a:ext cx="0" cy="720080"/>
+            </a:xfrm>
+            <a:prstGeom prst="straightConnector1">
+              <a:avLst/>
+            </a:prstGeom>
+            <a:ln>
+              <a:solidFill>
+                <a:schemeClr val="bg1">
+                  <a:lumMod val="50000"/>
+                </a:schemeClr>
+              </a:solidFill>
+              <a:tailEnd type="arrow"/>
+            </a:ln>
+          </p:spPr>
+          <p:style>
+            <a:lnRef idx="1">
+              <a:schemeClr val="accent1"/>
+            </a:lnRef>
+            <a:fillRef idx="0">
+              <a:schemeClr val="accent1"/>
+            </a:fillRef>
+            <a:effectRef idx="0">
+              <a:schemeClr val="accent1"/>
+            </a:effectRef>
+            <a:fontRef idx="minor">
+              <a:schemeClr val="tx1"/>
+            </a:fontRef>
+          </p:style>
+        </p:cxnSp>
+        <p:sp>
+          <p:nvSpPr>
+            <p:cNvPr id="27" name="TextBox 26"/>
+            <p:cNvSpPr txBox="1"/>
+            <p:nvPr/>
+          </p:nvSpPr>
+          <p:spPr>
+            <a:xfrm>
+              <a:off x="1403648" y="2348880"/>
+              <a:ext cx="993794" cy="307777"/>
+            </a:xfrm>
+            <a:prstGeom prst="rect">
+              <a:avLst/>
+            </a:prstGeom>
+            <a:noFill/>
+          </p:spPr>
+          <p:txBody>
+            <a:bodyPr wrap="none" rtlCol="0">
+              <a:spAutoFit/>
+            </a:bodyPr>
+            <a:lstStyle/>
+            <a:p>
+              <a:r>
+                <a:rPr lang="en-GB" sz="1400" i="1" dirty="0"/>
+                <a:t>t</a:t>
+              </a:r>
+              <a:r>
+                <a:rPr lang="en-GB" sz="1400" i="1" dirty="0" smtClean="0"/>
+                <a:t>ext string</a:t>
+              </a:r>
+            </a:p>
+          </p:txBody>
+        </p:sp>
+        <p:sp>
+          <p:nvSpPr>
+            <p:cNvPr id="29" name="TextBox 28"/>
+            <p:cNvSpPr txBox="1"/>
+            <p:nvPr/>
+          </p:nvSpPr>
+          <p:spPr>
+            <a:xfrm>
+              <a:off x="5940152" y="2348880"/>
+              <a:ext cx="912179" cy="307777"/>
+            </a:xfrm>
+            <a:prstGeom prst="rect">
+              <a:avLst/>
+            </a:prstGeom>
+            <a:noFill/>
+          </p:spPr>
+          <p:txBody>
+            <a:bodyPr wrap="none" rtlCol="0">
+              <a:spAutoFit/>
+            </a:bodyPr>
+            <a:lstStyle/>
+            <a:p>
+              <a:r>
+                <a:rPr lang="en-GB" sz="1400" i="1" dirty="0" err="1" smtClean="0"/>
+                <a:t>physioset</a:t>
+              </a:r>
+              <a:endParaRPr lang="en-GB" sz="1400" i="1" dirty="0" smtClean="0"/>
+            </a:p>
+          </p:txBody>
+        </p:sp>
+        <p:sp>
+          <p:nvSpPr>
+            <p:cNvPr id="30" name="TextBox 29"/>
+            <p:cNvSpPr txBox="1"/>
+            <p:nvPr/>
+          </p:nvSpPr>
+          <p:spPr>
+            <a:xfrm>
+              <a:off x="3779912" y="3356992"/>
+              <a:ext cx="800319" cy="246221"/>
+            </a:xfrm>
+            <a:prstGeom prst="rect">
+              <a:avLst/>
+            </a:prstGeom>
+            <a:solidFill>
+              <a:schemeClr val="bg1">
+                <a:lumMod val="85000"/>
+              </a:schemeClr>
+            </a:solidFill>
+          </p:spPr>
+          <p:txBody>
+            <a:bodyPr wrap="none" rtlCol="0">
+              <a:spAutoFit/>
+            </a:bodyPr>
+            <a:lstStyle/>
+            <a:p>
+              <a:r>
+                <a:rPr lang="en-GB" sz="1000" b="1" dirty="0" smtClean="0">
+                  <a:latin typeface="Courier New" pitchFamily="49" charset="0"/>
+                  <a:cs typeface="Courier New" pitchFamily="49" charset="0"/>
+                </a:rPr>
+                <a:t>Importer</a:t>
+              </a:r>
+              <a:endParaRPr lang="en-GB" sz="1000" b="1" dirty="0">
+                <a:latin typeface="Courier New" pitchFamily="49" charset="0"/>
+                <a:cs typeface="Courier New" pitchFamily="49" charset="0"/>
+              </a:endParaRPr>
+            </a:p>
+          </p:txBody>
+        </p:sp>
+        <p:sp>
+          <p:nvSpPr>
+            <p:cNvPr id="34" name="TextBox 33"/>
+            <p:cNvSpPr txBox="1"/>
+            <p:nvPr/>
+          </p:nvSpPr>
+          <p:spPr>
+            <a:xfrm>
+              <a:off x="2627784" y="3645024"/>
+              <a:ext cx="3251148" cy="307777"/>
+            </a:xfrm>
+            <a:prstGeom prst="rect">
+              <a:avLst/>
+            </a:prstGeom>
+            <a:noFill/>
+          </p:spPr>
+          <p:txBody>
+            <a:bodyPr wrap="none" rtlCol="0">
+              <a:spAutoFit/>
+            </a:bodyPr>
+            <a:lstStyle/>
+            <a:p>
+              <a:r>
+                <a:rPr lang="en-GB" sz="1400" i="1" dirty="0" err="1" smtClean="0"/>
+                <a:t>physioset.import</a:t>
+              </a:r>
+              <a:r>
+                <a:rPr lang="en-GB" sz="1400" i="1" dirty="0" smtClean="0"/>
+                <a:t>.[</a:t>
+              </a:r>
+              <a:r>
+                <a:rPr lang="en-GB" sz="1400" i="1" dirty="0" err="1" smtClean="0"/>
+                <a:t>mff|edfplus|eeglab</a:t>
+              </a:r>
+              <a:r>
+                <a:rPr lang="en-GB" sz="1400" i="1" dirty="0" smtClean="0"/>
+                <a:t>|…]</a:t>
+              </a:r>
+            </a:p>
+          </p:txBody>
+        </p:sp>
+      </p:grpSp>
+    </p:spTree>
+    <p:extLst>
+      <p:ext uri="{BB962C8B-B14F-4D97-AF65-F5344CB8AC3E}">
+        <p14:creationId xmlns:p14="http://schemas.microsoft.com/office/powerpoint/2010/main" val="3748940439"/>
+      </p:ext>
+    </p:extLst>
+  </p:cSld>
+  <p:clrMapOvr>
+    <a:masterClrMapping/>
+  </p:clrMapOvr>
+</p:sld>
+</file>
+
+<file path=ppt/slides/slide4.xml><?xml version="1.0" encoding="utf-8"?>
+<p:sld xmlns:a="http://schemas.openxmlformats.org/drawingml/2006/main" xmlns:r="http://schemas.openxmlformats.org/officeDocument/2006/relationships" xmlns:p="http://schemas.openxmlformats.org/presentationml/2006/main">
+  <p:cSld>
+    <p:spTree>
+      <p:nvGrpSpPr>
+        <p:cNvPr id="1" name=""/>
+        <p:cNvGrpSpPr/>
+        <p:nvPr/>
+      </p:nvGrpSpPr>
+      <p:grpSpPr>
+        <a:xfrm>
+          <a:off x="0" y="0"/>
+          <a:ext cx="0" cy="0"/>
+          <a:chOff x="0" y="0"/>
+          <a:chExt cx="0" cy="0"/>
+        </a:xfrm>
+      </p:grpSpPr>
+      <p:cxnSp>
+        <p:nvCxnSpPr>
+          <p:cNvPr id="6" name="Straight Arrow Connector 5"/>
+          <p:cNvCxnSpPr/>
+          <p:nvPr/>
+        </p:nvCxnSpPr>
+        <p:spPr>
+          <a:xfrm>
+            <a:off x="5681078" y="2356753"/>
+            <a:ext cx="488468" cy="1131"/>
+          </a:xfrm>
+          <a:prstGeom prst="straightConnector1">
+            <a:avLst/>
+          </a:prstGeom>
+          <a:ln>
+            <a:tailEnd type="arrow"/>
+          </a:ln>
+        </p:spPr>
+        <p:style>
+          <a:lnRef idx="1">
+            <a:schemeClr val="accent1"/>
+          </a:lnRef>
+          <a:fillRef idx="0">
+            <a:schemeClr val="accent1"/>
+          </a:fillRef>
+          <a:effectRef idx="0">
+            <a:schemeClr val="accent1"/>
+          </a:effectRef>
+          <a:fontRef idx="minor">
+            <a:schemeClr val="tx1"/>
+          </a:fontRef>
+        </p:style>
+      </p:cxnSp>
+      <p:sp>
+        <p:nvSpPr>
+          <p:cNvPr id="12" name="Rounded Rectangle 11"/>
+          <p:cNvSpPr/>
+          <p:nvPr/>
+        </p:nvSpPr>
+        <p:spPr>
+          <a:xfrm>
+            <a:off x="2411760" y="1556792"/>
+            <a:ext cx="3456384" cy="2376264"/>
+          </a:xfrm>
+          <a:prstGeom prst="roundRect">
+            <a:avLst/>
+          </a:prstGeom>
+          <a:noFill/>
+        </p:spPr>
+        <p:style>
+          <a:lnRef idx="2">
+            <a:schemeClr val="accent1">
+              <a:shade val="50000"/>
+            </a:schemeClr>
+          </a:lnRef>
+          <a:fillRef idx="1">
+            <a:schemeClr val="accent1"/>
+          </a:fillRef>
+          <a:effectRef idx="0">
+            <a:schemeClr val="accent1"/>
+          </a:effectRef>
+          <a:fontRef idx="minor">
+            <a:schemeClr val="lt1"/>
+          </a:fontRef>
+        </p:style>
+        <p:txBody>
+          <a:bodyPr rtlCol="0" anchor="ctr"/>
+          <a:lstStyle/>
+          <a:p>
+            <a:pPr algn="ctr"/>
+            <a:endParaRPr lang="en-GB"/>
+          </a:p>
+        </p:txBody>
+      </p:sp>
+      <p:sp>
+        <p:nvSpPr>
+          <p:cNvPr id="14" name="TextBox 13"/>
+          <p:cNvSpPr txBox="1"/>
+          <p:nvPr/>
+        </p:nvSpPr>
+        <p:spPr>
+          <a:xfrm>
+            <a:off x="5868144" y="1916832"/>
+            <a:ext cx="1368152" cy="307777"/>
+          </a:xfrm>
+          <a:prstGeom prst="rect">
+            <a:avLst/>
+          </a:prstGeom>
+          <a:noFill/>
+        </p:spPr>
+        <p:txBody>
+          <a:bodyPr wrap="square" rtlCol="0">
+            <a:spAutoFit/>
+          </a:bodyPr>
+          <a:lstStyle/>
+          <a:p>
+            <a:r>
+              <a:rPr lang="en-GB" sz="1400" b="1" dirty="0" smtClean="0"/>
+              <a:t>processed data</a:t>
+            </a:r>
+            <a:endParaRPr lang="en-GB" sz="1400" i="1" dirty="0"/>
+          </a:p>
+        </p:txBody>
+      </p:sp>
+      <p:sp>
+        <p:nvSpPr>
+          <p:cNvPr id="16" name="TextBox 15"/>
+          <p:cNvSpPr txBox="1"/>
+          <p:nvPr/>
+        </p:nvSpPr>
+        <p:spPr>
+          <a:xfrm>
+            <a:off x="3347864" y="1556792"/>
+            <a:ext cx="1511451" cy="338554"/>
+          </a:xfrm>
+          <a:prstGeom prst="rect">
+            <a:avLst/>
+          </a:prstGeom>
+          <a:noFill/>
+        </p:spPr>
+        <p:txBody>
+          <a:bodyPr wrap="none" rtlCol="0">
+            <a:spAutoFit/>
+          </a:bodyPr>
+          <a:lstStyle/>
+          <a:p>
+            <a:r>
+              <a:rPr lang="en-GB" sz="1600" dirty="0" smtClean="0"/>
+              <a:t>run(</a:t>
+            </a:r>
+            <a:r>
+              <a:rPr lang="en-GB" sz="1600" b="1" dirty="0" smtClean="0"/>
+              <a:t>node</a:t>
+            </a:r>
+            <a:r>
+              <a:rPr lang="en-GB" sz="1600" dirty="0" smtClean="0"/>
+              <a:t>, </a:t>
+            </a:r>
+            <a:r>
+              <a:rPr lang="en-GB" sz="1600" b="1" dirty="0" smtClean="0"/>
+              <a:t>data</a:t>
+            </a:r>
+            <a:r>
+              <a:rPr lang="en-GB" sz="1600" dirty="0" smtClean="0"/>
+              <a:t>)</a:t>
+            </a:r>
+            <a:endParaRPr lang="en-GB" sz="1600" dirty="0"/>
+          </a:p>
+        </p:txBody>
+      </p:sp>
+      <p:sp>
+        <p:nvSpPr>
+          <p:cNvPr id="21" name="TextBox 20"/>
+          <p:cNvSpPr txBox="1"/>
+          <p:nvPr/>
+        </p:nvSpPr>
+        <p:spPr>
+          <a:xfrm>
+            <a:off x="3707904" y="1124744"/>
+            <a:ext cx="656988" cy="338554"/>
+          </a:xfrm>
+          <a:prstGeom prst="rect">
+            <a:avLst/>
+          </a:prstGeom>
+          <a:noFill/>
+        </p:spPr>
+        <p:txBody>
+          <a:bodyPr wrap="none" rtlCol="0">
+            <a:spAutoFit/>
+          </a:bodyPr>
+          <a:lstStyle/>
+          <a:p>
+            <a:r>
+              <a:rPr lang="en-GB" sz="1600" b="1" dirty="0" smtClean="0"/>
+              <a:t>node</a:t>
+            </a:r>
+            <a:endParaRPr lang="en-GB" sz="1600" i="1" dirty="0"/>
+          </a:p>
+        </p:txBody>
+      </p:sp>
+      <p:sp>
+        <p:nvSpPr>
+          <p:cNvPr id="22" name="TextBox 21"/>
+          <p:cNvSpPr txBox="1"/>
+          <p:nvPr/>
+        </p:nvSpPr>
+        <p:spPr>
+          <a:xfrm>
+            <a:off x="1895465" y="2000162"/>
+            <a:ext cx="516295" cy="307777"/>
+          </a:xfrm>
+          <a:prstGeom prst="rect">
+            <a:avLst/>
+          </a:prstGeom>
+          <a:noFill/>
+        </p:spPr>
+        <p:txBody>
+          <a:bodyPr wrap="none" rtlCol="0">
+            <a:spAutoFit/>
+          </a:bodyPr>
+          <a:lstStyle/>
+          <a:p>
+            <a:r>
+              <a:rPr lang="en-GB" sz="1400" b="1" dirty="0" smtClean="0"/>
+              <a:t>data</a:t>
+            </a:r>
+            <a:endParaRPr lang="en-GB" sz="1400" dirty="0"/>
+          </a:p>
+        </p:txBody>
+      </p:sp>
+      <p:sp>
+        <p:nvSpPr>
+          <p:cNvPr id="13" name="Rounded Rectangle 12"/>
+          <p:cNvSpPr/>
+          <p:nvPr/>
+        </p:nvSpPr>
+        <p:spPr>
+          <a:xfrm>
+            <a:off x="2699792" y="2924944"/>
+            <a:ext cx="1440160" cy="792088"/>
+          </a:xfrm>
+          <a:prstGeom prst="roundRect">
+            <a:avLst/>
+          </a:prstGeom>
+          <a:ln>
+            <a:solidFill>
+              <a:schemeClr val="bg1">
+                <a:lumMod val="75000"/>
+              </a:schemeClr>
+            </a:solidFill>
+          </a:ln>
+        </p:spPr>
+        <p:style>
+          <a:lnRef idx="2">
+            <a:schemeClr val="accent3"/>
+          </a:lnRef>
+          <a:fillRef idx="1">
+            <a:schemeClr val="lt1"/>
+          </a:fillRef>
+          <a:effectRef idx="0">
+            <a:schemeClr val="accent3"/>
+          </a:effectRef>
+          <a:fontRef idx="minor">
+            <a:schemeClr val="dk1"/>
+          </a:fontRef>
+        </p:style>
+        <p:txBody>
+          <a:bodyPr rtlCol="0" anchor="ctr"/>
+          <a:lstStyle/>
+          <a:p>
+            <a:pPr algn="ctr"/>
+            <a:endParaRPr lang="en-GB"/>
+          </a:p>
+        </p:txBody>
+      </p:sp>
+      <p:sp>
+        <p:nvSpPr>
+          <p:cNvPr id="5" name="TextBox 4"/>
+          <p:cNvSpPr txBox="1"/>
+          <p:nvPr/>
+        </p:nvSpPr>
+        <p:spPr>
+          <a:xfrm>
+            <a:off x="2699792" y="3026260"/>
+            <a:ext cx="1401083" cy="584776"/>
+          </a:xfrm>
+          <a:prstGeom prst="rect">
+            <a:avLst/>
+          </a:prstGeom>
+          <a:noFill/>
+        </p:spPr>
+        <p:txBody>
+          <a:bodyPr wrap="square" rtlCol="0">
+            <a:spAutoFit/>
+          </a:bodyPr>
+          <a:lstStyle/>
+          <a:p>
+            <a:pPr algn="ctr"/>
+            <a:r>
+              <a:rPr lang="en-US" sz="1600" dirty="0" smtClean="0"/>
+              <a:t>configuration options</a:t>
+            </a:r>
+            <a:endParaRPr lang="en-US" sz="1600" dirty="0"/>
+          </a:p>
+        </p:txBody>
+      </p:sp>
+      <p:sp>
+        <p:nvSpPr>
+          <p:cNvPr id="15" name="Rounded Rectangle 14"/>
+          <p:cNvSpPr/>
+          <p:nvPr/>
+        </p:nvSpPr>
+        <p:spPr>
+          <a:xfrm>
+            <a:off x="4211960" y="2924944"/>
+            <a:ext cx="1368152" cy="792088"/>
+          </a:xfrm>
+          <a:prstGeom prst="roundRect">
+            <a:avLst/>
+          </a:prstGeom>
+          <a:ln>
+            <a:solidFill>
+              <a:schemeClr val="bg1">
+                <a:lumMod val="75000"/>
+              </a:schemeClr>
+            </a:solidFill>
+          </a:ln>
+        </p:spPr>
+        <p:style>
+          <a:lnRef idx="2">
+            <a:schemeClr val="accent3"/>
+          </a:lnRef>
+          <a:fillRef idx="1">
+            <a:schemeClr val="lt1"/>
+          </a:fillRef>
+          <a:effectRef idx="0">
+            <a:schemeClr val="accent3"/>
+          </a:effectRef>
+          <a:fontRef idx="minor">
+            <a:schemeClr val="dk1"/>
+          </a:fontRef>
+        </p:style>
+        <p:txBody>
+          <a:bodyPr rtlCol="0" anchor="ctr"/>
+          <a:lstStyle/>
+          <a:p>
+            <a:pPr algn="ctr"/>
+            <a:endParaRPr lang="en-GB"/>
+          </a:p>
+        </p:txBody>
+      </p:sp>
+      <p:sp>
+        <p:nvSpPr>
+          <p:cNvPr id="17" name="TextBox 16"/>
+          <p:cNvSpPr txBox="1"/>
+          <p:nvPr/>
+        </p:nvSpPr>
+        <p:spPr>
+          <a:xfrm>
+            <a:off x="4244891" y="3026260"/>
+            <a:ext cx="1296144" cy="584776"/>
+          </a:xfrm>
+          <a:prstGeom prst="rect">
+            <a:avLst/>
+          </a:prstGeom>
+          <a:noFill/>
+        </p:spPr>
+        <p:txBody>
+          <a:bodyPr wrap="square" rtlCol="0">
+            <a:spAutoFit/>
+          </a:bodyPr>
+          <a:lstStyle/>
+          <a:p>
+            <a:pPr algn="ctr"/>
+            <a:r>
+              <a:rPr lang="en-US" sz="1600" dirty="0" smtClean="0"/>
+              <a:t>Basic node properties</a:t>
+            </a:r>
+          </a:p>
+        </p:txBody>
+      </p:sp>
+      <p:cxnSp>
+        <p:nvCxnSpPr>
+          <p:cNvPr id="28" name="Straight Arrow Connector 27"/>
+          <p:cNvCxnSpPr>
+            <a:stCxn id="32" idx="0"/>
+            <a:endCxn id="13" idx="2"/>
+          </p:cNvCxnSpPr>
+          <p:nvPr/>
+        </p:nvCxnSpPr>
+        <p:spPr>
+          <a:xfrm flipV="1">
+            <a:off x="3419872" y="3717032"/>
+            <a:ext cx="0" cy="504056"/>
+          </a:xfrm>
+          <a:prstGeom prst="straightConnector1">
+            <a:avLst/>
+          </a:prstGeom>
+          <a:ln>
+            <a:headEnd type="arrow"/>
+            <a:tailEnd type="arrow"/>
+          </a:ln>
+        </p:spPr>
+        <p:style>
+          <a:lnRef idx="1">
+            <a:schemeClr val="accent1"/>
+          </a:lnRef>
+          <a:fillRef idx="0">
+            <a:schemeClr val="accent1"/>
+          </a:fillRef>
+          <a:effectRef idx="0">
+            <a:schemeClr val="accent1"/>
+          </a:effectRef>
+          <a:fontRef idx="minor">
+            <a:schemeClr val="tx1"/>
+          </a:fontRef>
+        </p:style>
+      </p:cxnSp>
+      <p:cxnSp>
+        <p:nvCxnSpPr>
+          <p:cNvPr id="31" name="Straight Arrow Connector 30"/>
+          <p:cNvCxnSpPr/>
+          <p:nvPr/>
+        </p:nvCxnSpPr>
+        <p:spPr>
+          <a:xfrm flipV="1">
+            <a:off x="4932040" y="3717032"/>
+            <a:ext cx="1860" cy="548872"/>
+          </a:xfrm>
+          <a:prstGeom prst="straightConnector1">
+            <a:avLst/>
+          </a:prstGeom>
+          <a:ln>
+            <a:headEnd type="arrow"/>
+            <a:tailEnd type="arrow"/>
+          </a:ln>
+        </p:spPr>
+        <p:style>
+          <a:lnRef idx="1">
+            <a:schemeClr val="accent1"/>
+          </a:lnRef>
+          <a:fillRef idx="0">
+            <a:schemeClr val="accent1"/>
+          </a:fillRef>
+          <a:effectRef idx="0">
+            <a:schemeClr val="accent1"/>
+          </a:effectRef>
+          <a:fontRef idx="minor">
+            <a:schemeClr val="tx1"/>
+          </a:fontRef>
+        </p:style>
+      </p:cxnSp>
+      <p:sp>
+        <p:nvSpPr>
+          <p:cNvPr id="32" name="TextBox 31"/>
+          <p:cNvSpPr txBox="1"/>
+          <p:nvPr/>
+        </p:nvSpPr>
+        <p:spPr>
+          <a:xfrm>
+            <a:off x="2771800" y="4221088"/>
+            <a:ext cx="1296144" cy="461665"/>
+          </a:xfrm>
+          <a:prstGeom prst="rect">
+            <a:avLst/>
+          </a:prstGeom>
+          <a:noFill/>
+        </p:spPr>
+        <p:txBody>
+          <a:bodyPr wrap="square" rtlCol="0">
+            <a:spAutoFit/>
+          </a:bodyPr>
+          <a:lstStyle/>
+          <a:p>
+            <a:pPr algn="ctr"/>
+            <a:r>
+              <a:rPr lang="en-US" sz="1200" i="1" dirty="0" err="1"/>
+              <a:t>s</a:t>
+            </a:r>
+            <a:r>
+              <a:rPr lang="en-US" sz="1200" i="1" dirty="0" err="1" smtClean="0"/>
+              <a:t>et_config</a:t>
+            </a:r>
+            <a:r>
+              <a:rPr lang="en-US" sz="1200" i="1" dirty="0" smtClean="0"/>
+              <a:t>()</a:t>
+            </a:r>
+          </a:p>
+          <a:p>
+            <a:pPr algn="ctr"/>
+            <a:r>
+              <a:rPr lang="en-US" sz="1200" i="1" dirty="0" err="1"/>
+              <a:t>g</a:t>
+            </a:r>
+            <a:r>
+              <a:rPr lang="en-US" sz="1200" i="1" dirty="0" err="1" smtClean="0"/>
+              <a:t>et_config</a:t>
+            </a:r>
+            <a:r>
+              <a:rPr lang="en-US" sz="1200" i="1" dirty="0" smtClean="0"/>
+              <a:t>()</a:t>
+            </a:r>
+            <a:endParaRPr lang="en-US" sz="1200" i="1" dirty="0"/>
+          </a:p>
+        </p:txBody>
+      </p:sp>
+      <p:sp>
+        <p:nvSpPr>
+          <p:cNvPr id="33" name="TextBox 32"/>
+          <p:cNvSpPr txBox="1"/>
+          <p:nvPr/>
+        </p:nvSpPr>
+        <p:spPr>
+          <a:xfrm>
+            <a:off x="4499992" y="4221088"/>
+            <a:ext cx="1728192" cy="830997"/>
+          </a:xfrm>
+          <a:prstGeom prst="rect">
+            <a:avLst/>
+          </a:prstGeom>
+          <a:noFill/>
+        </p:spPr>
+        <p:txBody>
+          <a:bodyPr wrap="square" rtlCol="0">
+            <a:spAutoFit/>
+          </a:bodyPr>
+          <a:lstStyle/>
+          <a:p>
+            <a:r>
+              <a:rPr lang="en-US" sz="1200" i="1" dirty="0" smtClean="0"/>
+              <a:t>.Name</a:t>
+            </a:r>
+            <a:endParaRPr lang="en-US" sz="1200" i="1" dirty="0"/>
+          </a:p>
+          <a:p>
+            <a:r>
+              <a:rPr lang="en-US" sz="1200" i="1" dirty="0" smtClean="0"/>
+              <a:t>.</a:t>
+            </a:r>
+            <a:r>
+              <a:rPr lang="en-US" sz="1200" i="1" dirty="0" err="1" smtClean="0"/>
+              <a:t>DataSelector</a:t>
+            </a:r>
+            <a:endParaRPr lang="en-US" sz="1200" i="1" dirty="0"/>
+          </a:p>
+          <a:p>
+            <a:r>
+              <a:rPr lang="en-US" sz="1200" i="1" dirty="0" smtClean="0"/>
+              <a:t>.Save</a:t>
+            </a:r>
+            <a:endParaRPr lang="en-US" sz="1200" i="1" dirty="0"/>
+          </a:p>
+          <a:p>
+            <a:r>
+              <a:rPr lang="en-US" sz="1200" i="1" dirty="0" smtClean="0"/>
+              <a:t>.</a:t>
+            </a:r>
+            <a:r>
+              <a:rPr lang="en-US" sz="1200" i="1" dirty="0" err="1" smtClean="0"/>
+              <a:t>GenerateReport</a:t>
+            </a:r>
+            <a:endParaRPr lang="en-US" sz="1200" i="1" dirty="0"/>
+          </a:p>
+        </p:txBody>
+      </p:sp>
+      <p:sp>
+        <p:nvSpPr>
+          <p:cNvPr id="35" name="Rounded Rectangle 34"/>
+          <p:cNvSpPr/>
+          <p:nvPr/>
+        </p:nvSpPr>
+        <p:spPr>
+          <a:xfrm>
+            <a:off x="4788024" y="1988840"/>
+            <a:ext cx="936104" cy="792088"/>
+          </a:xfrm>
+          <a:prstGeom prst="roundRect">
+            <a:avLst/>
+          </a:prstGeom>
+          <a:ln/>
+        </p:spPr>
+        <p:style>
+          <a:lnRef idx="2">
+            <a:schemeClr val="accent1"/>
+          </a:lnRef>
+          <a:fillRef idx="1">
+            <a:schemeClr val="lt1"/>
+          </a:fillRef>
+          <a:effectRef idx="0">
+            <a:schemeClr val="accent1"/>
+          </a:effectRef>
+          <a:fontRef idx="minor">
+            <a:schemeClr val="dk1"/>
+          </a:fontRef>
+        </p:style>
+        <p:txBody>
+          <a:bodyPr rtlCol="0" anchor="ctr"/>
+          <a:lstStyle/>
+          <a:p>
+            <a:pPr algn="ctr"/>
+            <a:endParaRPr lang="en-GB"/>
+          </a:p>
+        </p:txBody>
+      </p:sp>
+      <p:sp>
+        <p:nvSpPr>
+          <p:cNvPr id="37" name="TextBox 36"/>
+          <p:cNvSpPr txBox="1"/>
+          <p:nvPr/>
+        </p:nvSpPr>
+        <p:spPr>
+          <a:xfrm>
+            <a:off x="4827287" y="2033833"/>
+            <a:ext cx="936104" cy="646331"/>
+          </a:xfrm>
+          <a:prstGeom prst="rect">
+            <a:avLst/>
+          </a:prstGeom>
+          <a:noFill/>
+        </p:spPr>
+        <p:txBody>
+          <a:bodyPr wrap="square" rtlCol="0">
+            <a:spAutoFit/>
+          </a:bodyPr>
+          <a:lstStyle/>
+          <a:p>
+            <a:pPr algn="ctr"/>
+            <a:r>
+              <a:rPr lang="en-US" sz="1200" i="1" dirty="0" smtClean="0"/>
+              <a:t>Restore data selection</a:t>
+            </a:r>
+            <a:endParaRPr lang="en-US" sz="1200" i="1" dirty="0"/>
+          </a:p>
+        </p:txBody>
+      </p:sp>
+      <p:sp>
+        <p:nvSpPr>
+          <p:cNvPr id="38" name="Rounded Rectangle 37"/>
+          <p:cNvSpPr/>
+          <p:nvPr/>
+        </p:nvSpPr>
+        <p:spPr>
+          <a:xfrm>
+            <a:off x="2555776" y="1988840"/>
+            <a:ext cx="936104" cy="792088"/>
+          </a:xfrm>
+          <a:prstGeom prst="roundRect">
+            <a:avLst/>
+          </a:prstGeom>
+          <a:ln/>
+        </p:spPr>
+        <p:style>
+          <a:lnRef idx="2">
+            <a:schemeClr val="accent1"/>
+          </a:lnRef>
+          <a:fillRef idx="1">
+            <a:schemeClr val="lt1"/>
+          </a:fillRef>
+          <a:effectRef idx="0">
+            <a:schemeClr val="accent1"/>
+          </a:effectRef>
+          <a:fontRef idx="minor">
+            <a:schemeClr val="dk1"/>
+          </a:fontRef>
+        </p:style>
+        <p:txBody>
+          <a:bodyPr rtlCol="0" anchor="ctr"/>
+          <a:lstStyle/>
+          <a:p>
+            <a:pPr algn="ctr"/>
+            <a:endParaRPr lang="en-GB"/>
+          </a:p>
+        </p:txBody>
+      </p:sp>
+      <p:sp>
+        <p:nvSpPr>
+          <p:cNvPr id="39" name="TextBox 38"/>
+          <p:cNvSpPr txBox="1"/>
+          <p:nvPr/>
+        </p:nvSpPr>
+        <p:spPr>
+          <a:xfrm>
+            <a:off x="2622349" y="2154051"/>
+            <a:ext cx="792088" cy="461665"/>
+          </a:xfrm>
+          <a:prstGeom prst="rect">
+            <a:avLst/>
+          </a:prstGeom>
+          <a:noFill/>
+        </p:spPr>
+        <p:txBody>
+          <a:bodyPr wrap="square" rtlCol="0">
+            <a:spAutoFit/>
+          </a:bodyPr>
+          <a:lstStyle/>
+          <a:p>
+            <a:pPr algn="ctr"/>
+            <a:r>
+              <a:rPr lang="en-US" sz="1200" i="1" dirty="0" smtClean="0"/>
+              <a:t>Data selection</a:t>
+            </a:r>
+            <a:endParaRPr lang="en-US" sz="1200" i="1" dirty="0"/>
+          </a:p>
+        </p:txBody>
+      </p:sp>
+      <p:sp>
+        <p:nvSpPr>
+          <p:cNvPr id="44" name="Rounded Rectangle 43"/>
+          <p:cNvSpPr/>
+          <p:nvPr/>
+        </p:nvSpPr>
+        <p:spPr>
+          <a:xfrm>
+            <a:off x="3671900" y="1986718"/>
+            <a:ext cx="936104" cy="792088"/>
+          </a:xfrm>
+          <a:prstGeom prst="roundRect">
+            <a:avLst/>
+          </a:prstGeom>
+          <a:ln/>
+        </p:spPr>
+        <p:style>
+          <a:lnRef idx="2">
+            <a:schemeClr val="accent1"/>
+          </a:lnRef>
+          <a:fillRef idx="1">
+            <a:schemeClr val="lt1"/>
+          </a:fillRef>
+          <a:effectRef idx="0">
+            <a:schemeClr val="accent1"/>
+          </a:effectRef>
+          <a:fontRef idx="minor">
+            <a:schemeClr val="dk1"/>
+          </a:fontRef>
+        </p:style>
+        <p:txBody>
+          <a:bodyPr rtlCol="0" anchor="ctr"/>
+          <a:lstStyle/>
+          <a:p>
+            <a:pPr algn="ctr"/>
+            <a:endParaRPr lang="en-GB"/>
+          </a:p>
+        </p:txBody>
+      </p:sp>
+      <p:sp>
+        <p:nvSpPr>
+          <p:cNvPr id="45" name="TextBox 44"/>
+          <p:cNvSpPr txBox="1"/>
+          <p:nvPr/>
+        </p:nvSpPr>
+        <p:spPr>
+          <a:xfrm>
+            <a:off x="3707904" y="2204864"/>
+            <a:ext cx="936104" cy="276999"/>
+          </a:xfrm>
+          <a:prstGeom prst="rect">
+            <a:avLst/>
+          </a:prstGeom>
+          <a:noFill/>
+        </p:spPr>
+        <p:txBody>
+          <a:bodyPr wrap="square" rtlCol="0">
+            <a:spAutoFit/>
+          </a:bodyPr>
+          <a:lstStyle/>
+          <a:p>
+            <a:pPr algn="ctr"/>
+            <a:r>
+              <a:rPr lang="en-US" sz="1200" i="1" dirty="0"/>
+              <a:t>p</a:t>
+            </a:r>
+            <a:r>
+              <a:rPr lang="en-US" sz="1200" i="1" dirty="0" smtClean="0"/>
+              <a:t>rocess()</a:t>
+            </a:r>
+            <a:endParaRPr lang="en-US" sz="1200" i="1" dirty="0"/>
+          </a:p>
+        </p:txBody>
+      </p:sp>
+      <p:cxnSp>
+        <p:nvCxnSpPr>
+          <p:cNvPr id="53" name="Straight Arrow Connector 52"/>
+          <p:cNvCxnSpPr/>
+          <p:nvPr/>
+        </p:nvCxnSpPr>
+        <p:spPr>
+          <a:xfrm>
+            <a:off x="4519267" y="2357125"/>
+            <a:ext cx="412029" cy="759"/>
+          </a:xfrm>
+          <a:prstGeom prst="straightConnector1">
+            <a:avLst/>
+          </a:prstGeom>
+          <a:ln>
+            <a:tailEnd type="arrow"/>
+          </a:ln>
+        </p:spPr>
+        <p:style>
+          <a:lnRef idx="1">
+            <a:schemeClr val="accent1"/>
+          </a:lnRef>
+          <a:fillRef idx="0">
+            <a:schemeClr val="accent1"/>
+          </a:fillRef>
+          <a:effectRef idx="0">
+            <a:schemeClr val="accent1"/>
+          </a:effectRef>
+          <a:fontRef idx="minor">
+            <a:schemeClr val="tx1"/>
+          </a:fontRef>
+        </p:style>
+      </p:cxnSp>
+      <p:cxnSp>
+        <p:nvCxnSpPr>
+          <p:cNvPr id="56" name="Straight Arrow Connector 55"/>
+          <p:cNvCxnSpPr/>
+          <p:nvPr/>
+        </p:nvCxnSpPr>
+        <p:spPr>
+          <a:xfrm flipV="1">
+            <a:off x="3372371" y="2348359"/>
+            <a:ext cx="479425" cy="1"/>
+          </a:xfrm>
+          <a:prstGeom prst="straightConnector1">
+            <a:avLst/>
+          </a:prstGeom>
+          <a:ln>
+            <a:tailEnd type="arrow"/>
+          </a:ln>
+        </p:spPr>
+        <p:style>
+          <a:lnRef idx="1">
+            <a:schemeClr val="accent1"/>
+          </a:lnRef>
+          <a:fillRef idx="0">
+            <a:schemeClr val="accent1"/>
+          </a:fillRef>
+          <a:effectRef idx="0">
+            <a:schemeClr val="accent1"/>
+          </a:effectRef>
+          <a:fontRef idx="minor">
+            <a:schemeClr val="tx1"/>
+          </a:fontRef>
+        </p:style>
+      </p:cxnSp>
+      <p:cxnSp>
+        <p:nvCxnSpPr>
+          <p:cNvPr id="26" name="Straight Arrow Connector 25"/>
+          <p:cNvCxnSpPr/>
+          <p:nvPr/>
+        </p:nvCxnSpPr>
+        <p:spPr>
+          <a:xfrm>
+            <a:off x="2051720" y="2359484"/>
+            <a:ext cx="504056" cy="0"/>
+          </a:xfrm>
+          <a:prstGeom prst="straightConnector1">
+            <a:avLst/>
+          </a:prstGeom>
+          <a:ln>
+            <a:tailEnd type="arrow"/>
+          </a:ln>
+        </p:spPr>
+        <p:style>
+          <a:lnRef idx="1">
+            <a:schemeClr val="accent1"/>
+          </a:lnRef>
+          <a:fillRef idx="0">
+            <a:schemeClr val="accent1"/>
+          </a:fillRef>
+          <a:effectRef idx="0">
+            <a:schemeClr val="accent1"/>
+          </a:effectRef>
+          <a:fontRef idx="minor">
+            <a:schemeClr val="tx1"/>
+          </a:fontRef>
+        </p:style>
+      </p:cxnSp>
+      <p:cxnSp>
+        <p:nvCxnSpPr>
+          <p:cNvPr id="40" name="Straight Arrow Connector 39"/>
+          <p:cNvCxnSpPr/>
+          <p:nvPr/>
+        </p:nvCxnSpPr>
+        <p:spPr>
+          <a:xfrm flipV="1">
+            <a:off x="3923928" y="2615716"/>
+            <a:ext cx="0" cy="410544"/>
+          </a:xfrm>
+          <a:prstGeom prst="straightConnector1">
+            <a:avLst/>
+          </a:prstGeom>
+          <a:ln>
+            <a:solidFill>
+              <a:schemeClr val="bg1">
+                <a:lumMod val="50000"/>
+              </a:schemeClr>
+            </a:solidFill>
+            <a:tailEnd type="arrow"/>
+          </a:ln>
+        </p:spPr>
+        <p:style>
+          <a:lnRef idx="1">
+            <a:schemeClr val="accent1"/>
+          </a:lnRef>
+          <a:fillRef idx="0">
+            <a:schemeClr val="accent1"/>
+          </a:fillRef>
+          <a:effectRef idx="0">
+            <a:schemeClr val="accent1"/>
+          </a:effectRef>
+          <a:fontRef idx="minor">
+            <a:schemeClr val="tx1"/>
+          </a:fontRef>
+        </p:style>
+      </p:cxnSp>
+      <p:cxnSp>
+        <p:nvCxnSpPr>
+          <p:cNvPr id="46" name="Straight Arrow Connector 45"/>
+          <p:cNvCxnSpPr/>
+          <p:nvPr/>
+        </p:nvCxnSpPr>
+        <p:spPr>
+          <a:xfrm flipV="1">
+            <a:off x="4427984" y="2615716"/>
+            <a:ext cx="0" cy="410544"/>
+          </a:xfrm>
+          <a:prstGeom prst="straightConnector1">
+            <a:avLst/>
+          </a:prstGeom>
+          <a:ln>
+            <a:solidFill>
+              <a:schemeClr val="bg1">
+                <a:lumMod val="50000"/>
+              </a:schemeClr>
+            </a:solidFill>
+            <a:tailEnd type="arrow"/>
+          </a:ln>
+        </p:spPr>
+        <p:style>
+          <a:lnRef idx="1">
+            <a:schemeClr val="accent1"/>
+          </a:lnRef>
+          <a:fillRef idx="0">
+            <a:schemeClr val="accent1"/>
+          </a:fillRef>
+          <a:effectRef idx="0">
+            <a:schemeClr val="accent1"/>
+          </a:effectRef>
+          <a:fontRef idx="minor">
+            <a:schemeClr val="tx1"/>
+          </a:fontRef>
+        </p:style>
+      </p:cxnSp>
+    </p:spTree>
+    <p:extLst>
+      <p:ext uri="{BB962C8B-B14F-4D97-AF65-F5344CB8AC3E}">
+        <p14:creationId xmlns:p14="http://schemas.microsoft.com/office/powerpoint/2010/main" val="1770505156"/>
       </p:ext>
     </p:extLst>
   </p:cSld>

--- a/+meegpipe/+node/figs.pptx
+++ b/+meegpipe/+node/figs.pptx
@@ -8,7 +8,7 @@
     <p:sldId id="257" r:id="rId2"/>
     <p:sldId id="258" r:id="rId3"/>
     <p:sldId id="259" r:id="rId4"/>
-    <p:sldId id="260" r:id="rId5"/>
+    <p:sldId id="261" r:id="rId5"/>
   </p:sldIdLst>
   <p:sldSz cx="9144000" cy="6858000" type="screen4x3"/>
   <p:notesSz cx="6858000" cy="9144000"/>
@@ -6631,790 +6631,45 @@
           <a:chExt cx="0" cy="0"/>
         </a:xfrm>
       </p:grpSpPr>
-      <p:grpSp>
-        <p:nvGrpSpPr>
-          <p:cNvPr id="4" name="Group 3"/>
-          <p:cNvGrpSpPr/>
+      <p:sp>
+        <p:nvSpPr>
+          <p:cNvPr id="23" name="Rounded Rectangle 22"/>
+          <p:cNvSpPr/>
           <p:nvPr/>
-        </p:nvGrpSpPr>
-        <p:grpSpPr>
+        </p:nvSpPr>
+        <p:spPr>
           <a:xfrm>
-            <a:off x="1403648" y="1124744"/>
-            <a:ext cx="5904656" cy="2828057"/>
-            <a:chOff x="1403648" y="1124744"/>
-            <a:chExt cx="5904656" cy="2828057"/>
+            <a:off x="3851920" y="2204864"/>
+            <a:ext cx="720080" cy="582326"/>
           </a:xfrm>
-        </p:grpSpPr>
-        <p:cxnSp>
-          <p:nvCxnSpPr>
-            <p:cNvPr id="6" name="Straight Arrow Connector 5"/>
-            <p:cNvCxnSpPr/>
-            <p:nvPr/>
-          </p:nvCxnSpPr>
-          <p:spPr>
-            <a:xfrm>
-              <a:off x="5681078" y="2356753"/>
-              <a:ext cx="488468" cy="1131"/>
-            </a:xfrm>
-            <a:prstGeom prst="straightConnector1">
-              <a:avLst/>
-            </a:prstGeom>
-            <a:ln>
-              <a:tailEnd type="arrow"/>
-            </a:ln>
-          </p:spPr>
-          <p:style>
-            <a:lnRef idx="1">
-              <a:schemeClr val="accent1"/>
-            </a:lnRef>
-            <a:fillRef idx="0">
-              <a:schemeClr val="accent1"/>
-            </a:fillRef>
-            <a:effectRef idx="0">
-              <a:schemeClr val="accent1"/>
-            </a:effectRef>
-            <a:fontRef idx="minor">
-              <a:schemeClr val="tx1"/>
-            </a:fontRef>
-          </p:style>
-        </p:cxnSp>
-        <p:sp>
-          <p:nvSpPr>
-            <p:cNvPr id="12" name="Rounded Rectangle 11"/>
-            <p:cNvSpPr/>
-            <p:nvPr/>
-          </p:nvSpPr>
-          <p:spPr>
-            <a:xfrm>
-              <a:off x="2411760" y="1556792"/>
-              <a:ext cx="3456384" cy="1584176"/>
-            </a:xfrm>
-            <a:prstGeom prst="roundRect">
-              <a:avLst/>
-            </a:prstGeom>
-            <a:noFill/>
-          </p:spPr>
-          <p:style>
-            <a:lnRef idx="2">
-              <a:schemeClr val="accent1">
-                <a:shade val="50000"/>
-              </a:schemeClr>
-            </a:lnRef>
-            <a:fillRef idx="1">
-              <a:schemeClr val="accent1"/>
-            </a:fillRef>
-            <a:effectRef idx="0">
-              <a:schemeClr val="accent1"/>
-            </a:effectRef>
-            <a:fontRef idx="minor">
-              <a:schemeClr val="lt1"/>
-            </a:fontRef>
-          </p:style>
-          <p:txBody>
-            <a:bodyPr rtlCol="0" anchor="ctr"/>
-            <a:lstStyle/>
-            <a:p>
-              <a:pPr algn="ctr"/>
-              <a:endParaRPr lang="en-GB"/>
-            </a:p>
-          </p:txBody>
-        </p:sp>
-        <p:sp>
-          <p:nvSpPr>
-            <p:cNvPr id="14" name="TextBox 13"/>
-            <p:cNvSpPr txBox="1"/>
-            <p:nvPr/>
-          </p:nvSpPr>
-          <p:spPr>
-            <a:xfrm>
-              <a:off x="5940152" y="1988840"/>
-              <a:ext cx="1368152" cy="307777"/>
-            </a:xfrm>
-            <a:prstGeom prst="rect">
-              <a:avLst/>
-            </a:prstGeom>
-            <a:noFill/>
-          </p:spPr>
-          <p:txBody>
-            <a:bodyPr wrap="square" rtlCol="0">
-              <a:spAutoFit/>
-            </a:bodyPr>
-            <a:lstStyle/>
-            <a:p>
-              <a:r>
-                <a:rPr lang="en-GB" sz="1400" b="1" dirty="0" smtClean="0"/>
-                <a:t>data</a:t>
-              </a:r>
-              <a:endParaRPr lang="en-GB" sz="1400" i="1" dirty="0"/>
-            </a:p>
-          </p:txBody>
-        </p:sp>
-        <p:sp>
-          <p:nvSpPr>
-            <p:cNvPr id="16" name="TextBox 15"/>
-            <p:cNvSpPr txBox="1"/>
-            <p:nvPr/>
-          </p:nvSpPr>
-          <p:spPr>
-            <a:xfrm>
-              <a:off x="2915816" y="1556792"/>
-              <a:ext cx="2469747" cy="338554"/>
-            </a:xfrm>
-            <a:prstGeom prst="rect">
-              <a:avLst/>
-            </a:prstGeom>
-            <a:noFill/>
-          </p:spPr>
-          <p:txBody>
-            <a:bodyPr wrap="none" rtlCol="0">
-              <a:spAutoFit/>
-            </a:bodyPr>
-            <a:lstStyle/>
-            <a:p>
-              <a:r>
-                <a:rPr lang="en-GB" sz="1600" b="1" dirty="0" smtClean="0"/>
-                <a:t>data</a:t>
-              </a:r>
-              <a:r>
-                <a:rPr lang="en-GB" sz="1600" dirty="0" smtClean="0"/>
-                <a:t> = run(</a:t>
-              </a:r>
-              <a:r>
-                <a:rPr lang="en-GB" sz="1600" b="1" dirty="0" smtClean="0"/>
-                <a:t>node</a:t>
-              </a:r>
-              <a:r>
-                <a:rPr lang="en-GB" sz="1600" dirty="0" smtClean="0"/>
-                <a:t>, </a:t>
-              </a:r>
-              <a:r>
-                <a:rPr lang="en-GB" sz="1600" b="1" dirty="0" err="1" smtClean="0"/>
-                <a:t>fileName</a:t>
-              </a:r>
-              <a:r>
-                <a:rPr lang="en-GB" sz="1600" dirty="0" smtClean="0"/>
-                <a:t>)</a:t>
-              </a:r>
-              <a:endParaRPr lang="en-GB" sz="1600" dirty="0"/>
-            </a:p>
-          </p:txBody>
-        </p:sp>
-        <p:sp>
-          <p:nvSpPr>
-            <p:cNvPr id="21" name="TextBox 20"/>
-            <p:cNvSpPr txBox="1"/>
-            <p:nvPr/>
-          </p:nvSpPr>
-          <p:spPr>
-            <a:xfrm>
-              <a:off x="3275856" y="1124744"/>
-              <a:ext cx="1723386" cy="338554"/>
-            </a:xfrm>
-            <a:prstGeom prst="rect">
-              <a:avLst/>
-            </a:prstGeom>
-            <a:noFill/>
-          </p:spPr>
-          <p:txBody>
-            <a:bodyPr wrap="none" rtlCol="0">
-              <a:spAutoFit/>
-            </a:bodyPr>
-            <a:lstStyle/>
-            <a:p>
-              <a:r>
-                <a:rPr lang="en-GB" sz="1600" b="1" dirty="0" err="1"/>
-                <a:t>p</a:t>
-              </a:r>
-              <a:r>
-                <a:rPr lang="en-GB" sz="1600" b="1" dirty="0" err="1" smtClean="0"/>
-                <a:t>hysioset_import</a:t>
-              </a:r>
-              <a:endParaRPr lang="en-GB" sz="1600" i="1" dirty="0"/>
-            </a:p>
-          </p:txBody>
-        </p:sp>
-        <p:sp>
-          <p:nvSpPr>
-            <p:cNvPr id="22" name="TextBox 21"/>
-            <p:cNvSpPr txBox="1"/>
-            <p:nvPr/>
-          </p:nvSpPr>
-          <p:spPr>
-            <a:xfrm>
-              <a:off x="1403648" y="1988840"/>
-              <a:ext cx="864339" cy="307777"/>
-            </a:xfrm>
-            <a:prstGeom prst="rect">
-              <a:avLst/>
-            </a:prstGeom>
-            <a:noFill/>
-          </p:spPr>
-          <p:txBody>
-            <a:bodyPr wrap="none" rtlCol="0">
-              <a:spAutoFit/>
-            </a:bodyPr>
-            <a:lstStyle/>
-            <a:p>
-              <a:r>
-                <a:rPr lang="en-GB" sz="1400" b="1" dirty="0" err="1" smtClean="0"/>
-                <a:t>fileName</a:t>
-              </a:r>
-              <a:endParaRPr lang="en-GB" sz="1400" b="1" dirty="0" smtClean="0"/>
-            </a:p>
-          </p:txBody>
-        </p:sp>
-        <p:sp>
-          <p:nvSpPr>
-            <p:cNvPr id="35" name="Rounded Rectangle 34"/>
-            <p:cNvSpPr/>
-            <p:nvPr/>
-          </p:nvSpPr>
-          <p:spPr>
-            <a:xfrm>
-              <a:off x="4788024" y="1988840"/>
-              <a:ext cx="936104" cy="792088"/>
-            </a:xfrm>
-            <a:prstGeom prst="roundRect">
-              <a:avLst/>
-            </a:prstGeom>
-            <a:ln>
-              <a:solidFill>
-                <a:srgbClr val="D9D9D9"/>
-              </a:solidFill>
-            </a:ln>
-          </p:spPr>
-          <p:style>
-            <a:lnRef idx="2">
-              <a:schemeClr val="accent1"/>
-            </a:lnRef>
-            <a:fillRef idx="1">
-              <a:schemeClr val="lt1"/>
-            </a:fillRef>
-            <a:effectRef idx="0">
-              <a:schemeClr val="accent1"/>
-            </a:effectRef>
-            <a:fontRef idx="minor">
-              <a:schemeClr val="dk1"/>
-            </a:fontRef>
-          </p:style>
-          <p:txBody>
-            <a:bodyPr rtlCol="0" anchor="ctr"/>
-            <a:lstStyle/>
-            <a:p>
-              <a:pPr algn="ctr"/>
-              <a:endParaRPr lang="en-GB"/>
-            </a:p>
-          </p:txBody>
-        </p:sp>
-        <p:sp>
-          <p:nvSpPr>
-            <p:cNvPr id="37" name="TextBox 36"/>
-            <p:cNvSpPr txBox="1"/>
-            <p:nvPr/>
-          </p:nvSpPr>
-          <p:spPr>
-            <a:xfrm>
-              <a:off x="4827287" y="2033833"/>
-              <a:ext cx="936104" cy="646331"/>
-            </a:xfrm>
-            <a:prstGeom prst="rect">
-              <a:avLst/>
-            </a:prstGeom>
-            <a:noFill/>
-          </p:spPr>
-          <p:txBody>
-            <a:bodyPr wrap="square" rtlCol="0">
-              <a:spAutoFit/>
-            </a:bodyPr>
-            <a:lstStyle/>
-            <a:p>
-              <a:pPr algn="ctr"/>
-              <a:r>
-                <a:rPr lang="en-US" sz="1200" i="1" dirty="0" smtClean="0">
-                  <a:solidFill>
-                    <a:srgbClr val="D9D9D9"/>
-                  </a:solidFill>
-                </a:rPr>
-                <a:t>Restore data selection</a:t>
-              </a:r>
-              <a:endParaRPr lang="en-US" sz="1200" i="1" dirty="0">
-                <a:solidFill>
-                  <a:srgbClr val="D9D9D9"/>
-                </a:solidFill>
-              </a:endParaRPr>
-            </a:p>
-          </p:txBody>
-        </p:sp>
-        <p:sp>
-          <p:nvSpPr>
-            <p:cNvPr id="38" name="Rounded Rectangle 37"/>
-            <p:cNvSpPr/>
-            <p:nvPr/>
-          </p:nvSpPr>
-          <p:spPr>
-            <a:xfrm>
-              <a:off x="2555776" y="1988840"/>
-              <a:ext cx="936104" cy="792088"/>
-            </a:xfrm>
-            <a:prstGeom prst="roundRect">
-              <a:avLst/>
-            </a:prstGeom>
-            <a:ln>
-              <a:solidFill>
-                <a:schemeClr val="bg1">
-                  <a:lumMod val="85000"/>
-                </a:schemeClr>
-              </a:solidFill>
-            </a:ln>
-          </p:spPr>
-          <p:style>
-            <a:lnRef idx="2">
-              <a:schemeClr val="accent1"/>
-            </a:lnRef>
-            <a:fillRef idx="1">
-              <a:schemeClr val="lt1"/>
-            </a:fillRef>
-            <a:effectRef idx="0">
-              <a:schemeClr val="accent1"/>
-            </a:effectRef>
-            <a:fontRef idx="minor">
-              <a:schemeClr val="dk1"/>
-            </a:fontRef>
-          </p:style>
-          <p:txBody>
-            <a:bodyPr rtlCol="0" anchor="ctr"/>
-            <a:lstStyle/>
-            <a:p>
-              <a:pPr algn="ctr"/>
-              <a:endParaRPr lang="en-GB" dirty="0"/>
-            </a:p>
-          </p:txBody>
-        </p:sp>
-        <p:sp>
-          <p:nvSpPr>
-            <p:cNvPr id="39" name="TextBox 38"/>
-            <p:cNvSpPr txBox="1"/>
-            <p:nvPr/>
-          </p:nvSpPr>
-          <p:spPr>
-            <a:xfrm>
-              <a:off x="2622349" y="2154051"/>
-              <a:ext cx="792088" cy="461665"/>
-            </a:xfrm>
-            <a:prstGeom prst="rect">
-              <a:avLst/>
-            </a:prstGeom>
-            <a:noFill/>
-          </p:spPr>
-          <p:txBody>
-            <a:bodyPr wrap="square" rtlCol="0">
-              <a:spAutoFit/>
-            </a:bodyPr>
-            <a:lstStyle/>
-            <a:p>
-              <a:pPr algn="ctr"/>
-              <a:r>
-                <a:rPr lang="en-US" sz="1200" i="1" dirty="0" smtClean="0">
-                  <a:solidFill>
-                    <a:schemeClr val="bg1">
-                      <a:lumMod val="85000"/>
-                    </a:schemeClr>
-                  </a:solidFill>
-                </a:rPr>
-                <a:t>Data selection</a:t>
-              </a:r>
-              <a:endParaRPr lang="en-US" sz="1200" i="1" dirty="0">
-                <a:solidFill>
-                  <a:schemeClr val="bg1">
-                    <a:lumMod val="85000"/>
-                  </a:schemeClr>
-                </a:solidFill>
-              </a:endParaRPr>
-            </a:p>
-          </p:txBody>
-        </p:sp>
-        <p:sp>
-          <p:nvSpPr>
-            <p:cNvPr id="44" name="Rounded Rectangle 43"/>
-            <p:cNvSpPr/>
-            <p:nvPr/>
-          </p:nvSpPr>
-          <p:spPr>
-            <a:xfrm>
-              <a:off x="3671900" y="1986718"/>
-              <a:ext cx="936104" cy="792088"/>
-            </a:xfrm>
-            <a:prstGeom prst="roundRect">
-              <a:avLst/>
-            </a:prstGeom>
-            <a:ln/>
-          </p:spPr>
-          <p:style>
-            <a:lnRef idx="2">
-              <a:schemeClr val="accent1"/>
-            </a:lnRef>
-            <a:fillRef idx="1">
-              <a:schemeClr val="lt1"/>
-            </a:fillRef>
-            <a:effectRef idx="0">
-              <a:schemeClr val="accent1"/>
-            </a:effectRef>
-            <a:fontRef idx="minor">
-              <a:schemeClr val="dk1"/>
-            </a:fontRef>
-          </p:style>
-          <p:txBody>
-            <a:bodyPr rtlCol="0" anchor="ctr"/>
-            <a:lstStyle/>
-            <a:p>
-              <a:pPr algn="ctr"/>
-              <a:endParaRPr lang="en-GB"/>
-            </a:p>
-          </p:txBody>
-        </p:sp>
-        <p:sp>
-          <p:nvSpPr>
-            <p:cNvPr id="45" name="TextBox 44"/>
-            <p:cNvSpPr txBox="1"/>
-            <p:nvPr/>
-          </p:nvSpPr>
-          <p:spPr>
-            <a:xfrm>
-              <a:off x="3707904" y="2204864"/>
-              <a:ext cx="936104" cy="276999"/>
-            </a:xfrm>
-            <a:prstGeom prst="rect">
-              <a:avLst/>
-            </a:prstGeom>
-            <a:noFill/>
-          </p:spPr>
-          <p:txBody>
-            <a:bodyPr wrap="square" rtlCol="0">
-              <a:spAutoFit/>
-            </a:bodyPr>
-            <a:lstStyle/>
-            <a:p>
-              <a:pPr algn="ctr"/>
-              <a:r>
-                <a:rPr lang="en-US" sz="1200" i="1" dirty="0" smtClean="0"/>
-                <a:t>import()</a:t>
-              </a:r>
-              <a:endParaRPr lang="en-US" sz="1200" i="1" dirty="0"/>
-            </a:p>
-          </p:txBody>
-        </p:sp>
-        <p:cxnSp>
-          <p:nvCxnSpPr>
-            <p:cNvPr id="53" name="Straight Arrow Connector 52"/>
-            <p:cNvCxnSpPr/>
-            <p:nvPr/>
-          </p:nvCxnSpPr>
-          <p:spPr>
-            <a:xfrm>
-              <a:off x="4519267" y="2357125"/>
-              <a:ext cx="412029" cy="759"/>
-            </a:xfrm>
-            <a:prstGeom prst="straightConnector1">
-              <a:avLst/>
-            </a:prstGeom>
-            <a:ln>
-              <a:tailEnd type="arrow"/>
-            </a:ln>
-          </p:spPr>
-          <p:style>
-            <a:lnRef idx="1">
-              <a:schemeClr val="accent1"/>
-            </a:lnRef>
-            <a:fillRef idx="0">
-              <a:schemeClr val="accent1"/>
-            </a:fillRef>
-            <a:effectRef idx="0">
-              <a:schemeClr val="accent1"/>
-            </a:effectRef>
-            <a:fontRef idx="minor">
-              <a:schemeClr val="tx1"/>
-            </a:fontRef>
-          </p:style>
-        </p:cxnSp>
-        <p:cxnSp>
-          <p:nvCxnSpPr>
-            <p:cNvPr id="56" name="Straight Arrow Connector 55"/>
-            <p:cNvCxnSpPr/>
-            <p:nvPr/>
-          </p:nvCxnSpPr>
-          <p:spPr>
-            <a:xfrm flipV="1">
-              <a:off x="3372371" y="2348359"/>
-              <a:ext cx="479425" cy="1"/>
-            </a:xfrm>
-            <a:prstGeom prst="straightConnector1">
-              <a:avLst/>
-            </a:prstGeom>
-            <a:ln>
-              <a:tailEnd type="arrow"/>
-            </a:ln>
-          </p:spPr>
-          <p:style>
-            <a:lnRef idx="1">
-              <a:schemeClr val="accent1"/>
-            </a:lnRef>
-            <a:fillRef idx="0">
-              <a:schemeClr val="accent1"/>
-            </a:fillRef>
-            <a:effectRef idx="0">
-              <a:schemeClr val="accent1"/>
-            </a:effectRef>
-            <a:fontRef idx="minor">
-              <a:schemeClr val="tx1"/>
-            </a:fontRef>
-          </p:style>
-        </p:cxnSp>
-        <p:cxnSp>
-          <p:nvCxnSpPr>
-            <p:cNvPr id="26" name="Straight Arrow Connector 25"/>
-            <p:cNvCxnSpPr/>
-            <p:nvPr/>
-          </p:nvCxnSpPr>
-          <p:spPr>
-            <a:xfrm>
-              <a:off x="2051720" y="2359484"/>
-              <a:ext cx="504056" cy="0"/>
-            </a:xfrm>
-            <a:prstGeom prst="straightConnector1">
-              <a:avLst/>
-            </a:prstGeom>
-            <a:ln>
-              <a:tailEnd type="arrow"/>
-            </a:ln>
-          </p:spPr>
-          <p:style>
-            <a:lnRef idx="1">
-              <a:schemeClr val="accent1"/>
-            </a:lnRef>
-            <a:fillRef idx="0">
-              <a:schemeClr val="accent1"/>
-            </a:fillRef>
-            <a:effectRef idx="0">
-              <a:schemeClr val="accent1"/>
-            </a:effectRef>
-            <a:fontRef idx="minor">
-              <a:schemeClr val="tx1"/>
-            </a:fontRef>
-          </p:style>
-        </p:cxnSp>
-        <p:cxnSp>
-          <p:nvCxnSpPr>
-            <p:cNvPr id="40" name="Straight Arrow Connector 39"/>
-            <p:cNvCxnSpPr/>
-            <p:nvPr/>
-          </p:nvCxnSpPr>
-          <p:spPr>
-            <a:xfrm flipV="1">
-              <a:off x="4139952" y="2636912"/>
-              <a:ext cx="0" cy="720080"/>
-            </a:xfrm>
-            <a:prstGeom prst="straightConnector1">
-              <a:avLst/>
-            </a:prstGeom>
-            <a:ln>
-              <a:solidFill>
-                <a:schemeClr val="bg1">
-                  <a:lumMod val="50000"/>
-                </a:schemeClr>
-              </a:solidFill>
-              <a:tailEnd type="arrow"/>
-            </a:ln>
-          </p:spPr>
-          <p:style>
-            <a:lnRef idx="1">
-              <a:schemeClr val="accent1"/>
-            </a:lnRef>
-            <a:fillRef idx="0">
-              <a:schemeClr val="accent1"/>
-            </a:fillRef>
-            <a:effectRef idx="0">
-              <a:schemeClr val="accent1"/>
-            </a:effectRef>
-            <a:fontRef idx="minor">
-              <a:schemeClr val="tx1"/>
-            </a:fontRef>
-          </p:style>
-        </p:cxnSp>
-        <p:sp>
-          <p:nvSpPr>
-            <p:cNvPr id="27" name="TextBox 26"/>
-            <p:cNvSpPr txBox="1"/>
-            <p:nvPr/>
-          </p:nvSpPr>
-          <p:spPr>
-            <a:xfrm>
-              <a:off x="1403648" y="2348880"/>
-              <a:ext cx="993794" cy="307777"/>
-            </a:xfrm>
-            <a:prstGeom prst="rect">
-              <a:avLst/>
-            </a:prstGeom>
-            <a:noFill/>
-          </p:spPr>
-          <p:txBody>
-            <a:bodyPr wrap="none" rtlCol="0">
-              <a:spAutoFit/>
-            </a:bodyPr>
-            <a:lstStyle/>
-            <a:p>
-              <a:r>
-                <a:rPr lang="en-GB" sz="1400" i="1" dirty="0"/>
-                <a:t>t</a:t>
-              </a:r>
-              <a:r>
-                <a:rPr lang="en-GB" sz="1400" i="1" dirty="0" smtClean="0"/>
-                <a:t>ext string</a:t>
-              </a:r>
-            </a:p>
-          </p:txBody>
-        </p:sp>
-        <p:sp>
-          <p:nvSpPr>
-            <p:cNvPr id="29" name="TextBox 28"/>
-            <p:cNvSpPr txBox="1"/>
-            <p:nvPr/>
-          </p:nvSpPr>
-          <p:spPr>
-            <a:xfrm>
-              <a:off x="5940152" y="2348880"/>
-              <a:ext cx="912179" cy="307777"/>
-            </a:xfrm>
-            <a:prstGeom prst="rect">
-              <a:avLst/>
-            </a:prstGeom>
-            <a:noFill/>
-          </p:spPr>
-          <p:txBody>
-            <a:bodyPr wrap="none" rtlCol="0">
-              <a:spAutoFit/>
-            </a:bodyPr>
-            <a:lstStyle/>
-            <a:p>
-              <a:r>
-                <a:rPr lang="en-GB" sz="1400" i="1" dirty="0" err="1" smtClean="0"/>
-                <a:t>physioset</a:t>
-              </a:r>
-              <a:endParaRPr lang="en-GB" sz="1400" i="1" dirty="0" smtClean="0"/>
-            </a:p>
-          </p:txBody>
-        </p:sp>
-        <p:sp>
-          <p:nvSpPr>
-            <p:cNvPr id="30" name="TextBox 29"/>
-            <p:cNvSpPr txBox="1"/>
-            <p:nvPr/>
-          </p:nvSpPr>
-          <p:spPr>
-            <a:xfrm>
-              <a:off x="3779912" y="3356992"/>
-              <a:ext cx="800319" cy="246221"/>
-            </a:xfrm>
-            <a:prstGeom prst="rect">
-              <a:avLst/>
-            </a:prstGeom>
-            <a:solidFill>
-              <a:schemeClr val="bg1">
-                <a:lumMod val="85000"/>
-              </a:schemeClr>
-            </a:solidFill>
-          </p:spPr>
-          <p:txBody>
-            <a:bodyPr wrap="none" rtlCol="0">
-              <a:spAutoFit/>
-            </a:bodyPr>
-            <a:lstStyle/>
-            <a:p>
-              <a:r>
-                <a:rPr lang="en-GB" sz="1000" b="1" dirty="0" smtClean="0">
-                  <a:latin typeface="Courier New" pitchFamily="49" charset="0"/>
-                  <a:cs typeface="Courier New" pitchFamily="49" charset="0"/>
-                </a:rPr>
-                <a:t>Importer</a:t>
-              </a:r>
-              <a:endParaRPr lang="en-GB" sz="1000" b="1" dirty="0">
-                <a:latin typeface="Courier New" pitchFamily="49" charset="0"/>
-                <a:cs typeface="Courier New" pitchFamily="49" charset="0"/>
-              </a:endParaRPr>
-            </a:p>
-          </p:txBody>
-        </p:sp>
-        <p:sp>
-          <p:nvSpPr>
-            <p:cNvPr id="34" name="TextBox 33"/>
-            <p:cNvSpPr txBox="1"/>
-            <p:nvPr/>
-          </p:nvSpPr>
-          <p:spPr>
-            <a:xfrm>
-              <a:off x="2627784" y="3645024"/>
-              <a:ext cx="3251148" cy="307777"/>
-            </a:xfrm>
-            <a:prstGeom prst="rect">
-              <a:avLst/>
-            </a:prstGeom>
-            <a:noFill/>
-          </p:spPr>
-          <p:txBody>
-            <a:bodyPr wrap="none" rtlCol="0">
-              <a:spAutoFit/>
-            </a:bodyPr>
-            <a:lstStyle/>
-            <a:p>
-              <a:r>
-                <a:rPr lang="en-GB" sz="1400" i="1" dirty="0" err="1" smtClean="0"/>
-                <a:t>physioset.import</a:t>
-              </a:r>
-              <a:r>
-                <a:rPr lang="en-GB" sz="1400" i="1" dirty="0" smtClean="0"/>
-                <a:t>.[</a:t>
-              </a:r>
-              <a:r>
-                <a:rPr lang="en-GB" sz="1400" i="1" dirty="0" err="1" smtClean="0"/>
-                <a:t>mff|edfplus|eeglab</a:t>
-              </a:r>
-              <a:r>
-                <a:rPr lang="en-GB" sz="1400" i="1" dirty="0" smtClean="0"/>
-                <a:t>|…]</a:t>
-              </a:r>
-            </a:p>
-          </p:txBody>
-        </p:sp>
-      </p:grpSp>
-    </p:spTree>
-    <p:extLst>
-      <p:ext uri="{BB962C8B-B14F-4D97-AF65-F5344CB8AC3E}">
-        <p14:creationId xmlns:p14="http://schemas.microsoft.com/office/powerpoint/2010/main" val="3748940439"/>
-      </p:ext>
-    </p:extLst>
-  </p:cSld>
-  <p:clrMapOvr>
-    <a:masterClrMapping/>
-  </p:clrMapOvr>
-</p:sld>
-</file>
-
-<file path=ppt/slides/slide4.xml><?xml version="1.0" encoding="utf-8"?>
-<p:sld xmlns:a="http://schemas.openxmlformats.org/drawingml/2006/main" xmlns:r="http://schemas.openxmlformats.org/officeDocument/2006/relationships" xmlns:p="http://schemas.openxmlformats.org/presentationml/2006/main">
-  <p:cSld>
-    <p:spTree>
-      <p:nvGrpSpPr>
-        <p:cNvPr id="1" name=""/>
-        <p:cNvGrpSpPr/>
-        <p:nvPr/>
-      </p:nvGrpSpPr>
-      <p:grpSpPr>
-        <a:xfrm>
-          <a:off x="0" y="0"/>
-          <a:ext cx="0" cy="0"/>
-          <a:chOff x="0" y="0"/>
-          <a:chExt cx="0" cy="0"/>
-        </a:xfrm>
-      </p:grpSpPr>
+          <a:prstGeom prst="roundRect">
+            <a:avLst/>
+          </a:prstGeom>
+          <a:ln/>
+        </p:spPr>
+        <p:style>
+          <a:lnRef idx="2">
+            <a:schemeClr val="accent1"/>
+          </a:lnRef>
+          <a:fillRef idx="1">
+            <a:schemeClr val="lt1"/>
+          </a:fillRef>
+          <a:effectRef idx="0">
+            <a:schemeClr val="accent1"/>
+          </a:effectRef>
+          <a:fontRef idx="minor">
+            <a:schemeClr val="dk1"/>
+          </a:fontRef>
+        </p:style>
+        <p:txBody>
+          <a:bodyPr rtlCol="0" anchor="ctr"/>
+          <a:lstStyle/>
+          <a:p>
+            <a:pPr algn="ctr"/>
+            <a:endParaRPr lang="en-GB"/>
+          </a:p>
+        </p:txBody>
+      </p:sp>
       <p:cxnSp>
         <p:nvCxnSpPr>
           <p:cNvPr id="6" name="Straight Arrow Connector 5"/>
@@ -7456,8 +6711,8 @@
         </p:nvSpPr>
         <p:spPr>
           <a:xfrm>
-            <a:off x="2411760" y="1556792"/>
-            <a:ext cx="3456384" cy="2376264"/>
+            <a:off x="2411760" y="1484784"/>
+            <a:ext cx="3456384" cy="1656184"/>
           </a:xfrm>
           <a:prstGeom prst="roundRect">
             <a:avLst/>
@@ -7497,7 +6752,7 @@
         </p:nvSpPr>
         <p:spPr>
           <a:xfrm>
-            <a:off x="5868144" y="1916832"/>
+            <a:off x="5940152" y="1988840"/>
             <a:ext cx="1368152" cy="307777"/>
           </a:xfrm>
           <a:prstGeom prst="rect">
@@ -7513,7 +6768,7 @@
           <a:p>
             <a:r>
               <a:rPr lang="en-GB" sz="1400" b="1" dirty="0" smtClean="0"/>
-              <a:t>processed data</a:t>
+              <a:t>data</a:t>
             </a:r>
             <a:endParaRPr lang="en-GB" sz="1400" i="1" dirty="0"/>
           </a:p>
@@ -7527,8 +6782,8 @@
         </p:nvSpPr>
         <p:spPr>
           <a:xfrm>
-            <a:off x="3347864" y="1556792"/>
-            <a:ext cx="1511451" cy="338554"/>
+            <a:off x="2915816" y="1484784"/>
+            <a:ext cx="2469747" cy="338554"/>
           </a:xfrm>
           <a:prstGeom prst="rect">
             <a:avLst/>
@@ -7542,6 +6797,14 @@
           <a:lstStyle/>
           <a:p>
             <a:r>
+              <a:rPr lang="en-GB" sz="1600" b="1" dirty="0" smtClean="0"/>
+              <a:t>data</a:t>
+            </a:r>
+            <a:r>
+              <a:rPr lang="en-GB" sz="1600" dirty="0" smtClean="0"/>
+              <a:t> = </a:t>
+            </a:r>
+            <a:r>
               <a:rPr lang="en-GB" sz="1600" dirty="0" smtClean="0"/>
               <a:t>run(</a:t>
             </a:r>
@@ -7554,8 +6817,8 @@
               <a:t>, </a:t>
             </a:r>
             <a:r>
-              <a:rPr lang="en-GB" sz="1600" b="1" dirty="0" smtClean="0"/>
-              <a:t>data</a:t>
+              <a:rPr lang="en-GB" sz="1600" b="1" dirty="0" err="1" smtClean="0"/>
+              <a:t>fileName</a:t>
             </a:r>
             <a:r>
               <a:rPr lang="en-GB" sz="1600" dirty="0" smtClean="0"/>
@@ -7573,8 +6836,8 @@
         </p:nvSpPr>
         <p:spPr>
           <a:xfrm>
-            <a:off x="3707904" y="1124744"/>
-            <a:ext cx="656988" cy="338554"/>
+            <a:off x="3275856" y="1052736"/>
+            <a:ext cx="1723386" cy="338554"/>
           </a:xfrm>
           <a:prstGeom prst="rect">
             <a:avLst/>
@@ -7588,8 +6851,12 @@
           <a:lstStyle/>
           <a:p>
             <a:r>
-              <a:rPr lang="en-GB" sz="1600" b="1" dirty="0" smtClean="0"/>
-              <a:t>node</a:t>
+              <a:rPr lang="en-GB" sz="1600" b="1" dirty="0" err="1"/>
+              <a:t>p</a:t>
+            </a:r>
+            <a:r>
+              <a:rPr lang="en-GB" sz="1600" b="1" dirty="0" err="1" smtClean="0"/>
+              <a:t>hysioset_import</a:t>
             </a:r>
             <a:endParaRPr lang="en-GB" sz="1600" i="1" dirty="0"/>
           </a:p>
@@ -7603,8 +6870,8 @@
         </p:nvSpPr>
         <p:spPr>
           <a:xfrm>
-            <a:off x="1895465" y="2000162"/>
-            <a:ext cx="516295" cy="307777"/>
+            <a:off x="1403648" y="1988840"/>
+            <a:ext cx="864339" cy="307777"/>
           </a:xfrm>
           <a:prstGeom prst="rect">
             <a:avLst/>
@@ -7618,23 +6885,105 @@
           <a:lstStyle/>
           <a:p>
             <a:r>
-              <a:rPr lang="en-GB" sz="1400" b="1" dirty="0" smtClean="0"/>
-              <a:t>data</a:t>
-            </a:r>
-            <a:endParaRPr lang="en-GB" sz="1400" dirty="0"/>
-          </a:p>
-        </p:txBody>
-      </p:sp>
-      <p:sp>
-        <p:nvSpPr>
-          <p:cNvPr id="13" name="Rounded Rectangle 12"/>
+              <a:rPr lang="en-GB" sz="1400" b="1" dirty="0" err="1" smtClean="0"/>
+              <a:t>fileName</a:t>
+            </a:r>
+            <a:endParaRPr lang="en-GB" sz="1400" b="1" dirty="0" smtClean="0"/>
+          </a:p>
+        </p:txBody>
+      </p:sp>
+      <p:sp>
+        <p:nvSpPr>
+          <p:cNvPr id="35" name="Rounded Rectangle 34"/>
           <p:cNvSpPr/>
           <p:nvPr/>
         </p:nvSpPr>
         <p:spPr>
           <a:xfrm>
-            <a:off x="2699792" y="2924944"/>
-            <a:ext cx="1440160" cy="792088"/>
+            <a:off x="4860032" y="1988840"/>
+            <a:ext cx="936104" cy="936104"/>
+          </a:xfrm>
+          <a:prstGeom prst="roundRect">
+            <a:avLst/>
+          </a:prstGeom>
+          <a:ln>
+            <a:solidFill>
+              <a:srgbClr val="D9D9D9"/>
+            </a:solidFill>
+          </a:ln>
+        </p:spPr>
+        <p:style>
+          <a:lnRef idx="2">
+            <a:schemeClr val="accent1"/>
+          </a:lnRef>
+          <a:fillRef idx="1">
+            <a:schemeClr val="lt1"/>
+          </a:fillRef>
+          <a:effectRef idx="0">
+            <a:schemeClr val="accent1"/>
+          </a:effectRef>
+          <a:fontRef idx="minor">
+            <a:schemeClr val="dk1"/>
+          </a:fontRef>
+        </p:style>
+        <p:txBody>
+          <a:bodyPr rtlCol="0" anchor="ctr"/>
+          <a:lstStyle/>
+          <a:p>
+            <a:pPr algn="ctr"/>
+            <a:endParaRPr lang="en-GB"/>
+          </a:p>
+        </p:txBody>
+      </p:sp>
+      <p:sp>
+        <p:nvSpPr>
+          <p:cNvPr id="37" name="TextBox 36"/>
+          <p:cNvSpPr txBox="1"/>
+          <p:nvPr/>
+        </p:nvSpPr>
+        <p:spPr>
+          <a:xfrm>
+            <a:off x="4827287" y="2033833"/>
+            <a:ext cx="936104" cy="646331"/>
+          </a:xfrm>
+          <a:prstGeom prst="rect">
+            <a:avLst/>
+          </a:prstGeom>
+          <a:noFill/>
+        </p:spPr>
+        <p:txBody>
+          <a:bodyPr wrap="square" rtlCol="0">
+            <a:spAutoFit/>
+          </a:bodyPr>
+          <a:lstStyle/>
+          <a:p>
+            <a:pPr algn="ctr"/>
+            <a:r>
+              <a:rPr lang="en-US" sz="1200" i="1" dirty="0" smtClean="0">
+                <a:solidFill>
+                  <a:srgbClr val="D9D9D9"/>
+                </a:solidFill>
+              </a:rPr>
+              <a:t>Restore data selection</a:t>
+            </a:r>
+            <a:endParaRPr lang="en-US" sz="1200" i="1" dirty="0">
+              <a:solidFill>
+                <a:srgbClr val="D9D9D9"/>
+              </a:solidFill>
+            </a:endParaRPr>
+          </a:p>
+        </p:txBody>
+      </p:sp>
+      <p:sp>
+        <p:nvSpPr>
+          <p:cNvPr id="38" name="Rounded Rectangle 37"/>
+          <p:cNvSpPr/>
+          <p:nvPr/>
+        </p:nvSpPr>
+        <p:spPr>
+          <a:xfrm>
+            <a:off x="2555776" y="1916832"/>
+            <a:ext cx="936104" cy="1008112"/>
           </a:xfrm>
           <a:prstGeom prst="roundRect">
             <a:avLst/>
@@ -7642,20 +6991,20 @@
           <a:ln>
             <a:solidFill>
               <a:schemeClr val="bg1">
-                <a:lumMod val="75000"/>
+                <a:lumMod val="85000"/>
               </a:schemeClr>
             </a:solidFill>
           </a:ln>
         </p:spPr>
         <p:style>
           <a:lnRef idx="2">
-            <a:schemeClr val="accent3"/>
+            <a:schemeClr val="accent1"/>
           </a:lnRef>
           <a:fillRef idx="1">
             <a:schemeClr val="lt1"/>
           </a:fillRef>
           <a:effectRef idx="0">
-            <a:schemeClr val="accent3"/>
+            <a:schemeClr val="accent1"/>
           </a:effectRef>
           <a:fontRef idx="minor">
             <a:schemeClr val="dk1"/>
@@ -7666,20 +7015,20 @@
           <a:lstStyle/>
           <a:p>
             <a:pPr algn="ctr"/>
-            <a:endParaRPr lang="en-GB"/>
-          </a:p>
-        </p:txBody>
-      </p:sp>
-      <p:sp>
-        <p:nvSpPr>
-          <p:cNvPr id="5" name="TextBox 4"/>
+            <a:endParaRPr lang="en-GB" dirty="0"/>
+          </a:p>
+        </p:txBody>
+      </p:sp>
+      <p:sp>
+        <p:nvSpPr>
+          <p:cNvPr id="39" name="TextBox 38"/>
           <p:cNvSpPr txBox="1"/>
           <p:nvPr/>
         </p:nvSpPr>
         <p:spPr>
           <a:xfrm>
-            <a:off x="2699792" y="3026260"/>
-            <a:ext cx="1401083" cy="584776"/>
+            <a:off x="2622349" y="2154051"/>
+            <a:ext cx="792088" cy="461665"/>
           </a:xfrm>
           <a:prstGeom prst="rect">
             <a:avLst/>
@@ -7694,286 +7043,40 @@
           <a:p>
             <a:pPr algn="ctr"/>
             <a:r>
-              <a:rPr lang="en-US" sz="1600" dirty="0" smtClean="0"/>
-              <a:t>configuration options</a:t>
-            </a:r>
-            <a:endParaRPr lang="en-US" sz="1600" dirty="0"/>
-          </a:p>
-        </p:txBody>
-      </p:sp>
-      <p:sp>
-        <p:nvSpPr>
-          <p:cNvPr id="15" name="Rounded Rectangle 14"/>
+              <a:rPr lang="en-US" sz="1200" i="1" dirty="0" smtClean="0">
+                <a:solidFill>
+                  <a:schemeClr val="bg1">
+                    <a:lumMod val="85000"/>
+                  </a:schemeClr>
+                </a:solidFill>
+              </a:rPr>
+              <a:t>Data selection</a:t>
+            </a:r>
+            <a:endParaRPr lang="en-US" sz="1200" i="1" dirty="0">
+              <a:solidFill>
+                <a:schemeClr val="bg1">
+                  <a:lumMod val="85000"/>
+                </a:schemeClr>
+              </a:solidFill>
+            </a:endParaRPr>
+          </a:p>
+        </p:txBody>
+      </p:sp>
+      <p:sp>
+        <p:nvSpPr>
+          <p:cNvPr id="44" name="Rounded Rectangle 43"/>
           <p:cNvSpPr/>
           <p:nvPr/>
         </p:nvSpPr>
         <p:spPr>
           <a:xfrm>
-            <a:off x="4211960" y="2924944"/>
-            <a:ext cx="1368152" cy="792088"/>
+            <a:off x="3671900" y="1916832"/>
+            <a:ext cx="1044116" cy="1008112"/>
           </a:xfrm>
           <a:prstGeom prst="roundRect">
             <a:avLst/>
           </a:prstGeom>
-          <a:ln>
-            <a:solidFill>
-              <a:schemeClr val="bg1">
-                <a:lumMod val="75000"/>
-              </a:schemeClr>
-            </a:solidFill>
-          </a:ln>
-        </p:spPr>
-        <p:style>
-          <a:lnRef idx="2">
-            <a:schemeClr val="accent3"/>
-          </a:lnRef>
-          <a:fillRef idx="1">
-            <a:schemeClr val="lt1"/>
-          </a:fillRef>
-          <a:effectRef idx="0">
-            <a:schemeClr val="accent3"/>
-          </a:effectRef>
-          <a:fontRef idx="minor">
-            <a:schemeClr val="dk1"/>
-          </a:fontRef>
-        </p:style>
-        <p:txBody>
-          <a:bodyPr rtlCol="0" anchor="ctr"/>
-          <a:lstStyle/>
-          <a:p>
-            <a:pPr algn="ctr"/>
-            <a:endParaRPr lang="en-GB"/>
-          </a:p>
-        </p:txBody>
-      </p:sp>
-      <p:sp>
-        <p:nvSpPr>
-          <p:cNvPr id="17" name="TextBox 16"/>
-          <p:cNvSpPr txBox="1"/>
-          <p:nvPr/>
-        </p:nvSpPr>
-        <p:spPr>
-          <a:xfrm>
-            <a:off x="4244891" y="3026260"/>
-            <a:ext cx="1296144" cy="584776"/>
-          </a:xfrm>
-          <a:prstGeom prst="rect">
-            <a:avLst/>
-          </a:prstGeom>
           <a:noFill/>
-        </p:spPr>
-        <p:txBody>
-          <a:bodyPr wrap="square" rtlCol="0">
-            <a:spAutoFit/>
-          </a:bodyPr>
-          <a:lstStyle/>
-          <a:p>
-            <a:pPr algn="ctr"/>
-            <a:r>
-              <a:rPr lang="en-US" sz="1600" dirty="0" smtClean="0"/>
-              <a:t>Basic node properties</a:t>
-            </a:r>
-          </a:p>
-        </p:txBody>
-      </p:sp>
-      <p:cxnSp>
-        <p:nvCxnSpPr>
-          <p:cNvPr id="28" name="Straight Arrow Connector 27"/>
-          <p:cNvCxnSpPr>
-            <a:stCxn id="32" idx="0"/>
-            <a:endCxn id="13" idx="2"/>
-          </p:cNvCxnSpPr>
-          <p:nvPr/>
-        </p:nvCxnSpPr>
-        <p:spPr>
-          <a:xfrm flipV="1">
-            <a:off x="3419872" y="3717032"/>
-            <a:ext cx="0" cy="504056"/>
-          </a:xfrm>
-          <a:prstGeom prst="straightConnector1">
-            <a:avLst/>
-          </a:prstGeom>
-          <a:ln>
-            <a:headEnd type="arrow"/>
-            <a:tailEnd type="arrow"/>
-          </a:ln>
-        </p:spPr>
-        <p:style>
-          <a:lnRef idx="1">
-            <a:schemeClr val="accent1"/>
-          </a:lnRef>
-          <a:fillRef idx="0">
-            <a:schemeClr val="accent1"/>
-          </a:fillRef>
-          <a:effectRef idx="0">
-            <a:schemeClr val="accent1"/>
-          </a:effectRef>
-          <a:fontRef idx="minor">
-            <a:schemeClr val="tx1"/>
-          </a:fontRef>
-        </p:style>
-      </p:cxnSp>
-      <p:cxnSp>
-        <p:nvCxnSpPr>
-          <p:cNvPr id="31" name="Straight Arrow Connector 30"/>
-          <p:cNvCxnSpPr/>
-          <p:nvPr/>
-        </p:nvCxnSpPr>
-        <p:spPr>
-          <a:xfrm flipV="1">
-            <a:off x="4932040" y="3717032"/>
-            <a:ext cx="1860" cy="548872"/>
-          </a:xfrm>
-          <a:prstGeom prst="straightConnector1">
-            <a:avLst/>
-          </a:prstGeom>
-          <a:ln>
-            <a:headEnd type="arrow"/>
-            <a:tailEnd type="arrow"/>
-          </a:ln>
-        </p:spPr>
-        <p:style>
-          <a:lnRef idx="1">
-            <a:schemeClr val="accent1"/>
-          </a:lnRef>
-          <a:fillRef idx="0">
-            <a:schemeClr val="accent1"/>
-          </a:fillRef>
-          <a:effectRef idx="0">
-            <a:schemeClr val="accent1"/>
-          </a:effectRef>
-          <a:fontRef idx="minor">
-            <a:schemeClr val="tx1"/>
-          </a:fontRef>
-        </p:style>
-      </p:cxnSp>
-      <p:sp>
-        <p:nvSpPr>
-          <p:cNvPr id="32" name="TextBox 31"/>
-          <p:cNvSpPr txBox="1"/>
-          <p:nvPr/>
-        </p:nvSpPr>
-        <p:spPr>
-          <a:xfrm>
-            <a:off x="2771800" y="4221088"/>
-            <a:ext cx="1296144" cy="461665"/>
-          </a:xfrm>
-          <a:prstGeom prst="rect">
-            <a:avLst/>
-          </a:prstGeom>
-          <a:noFill/>
-        </p:spPr>
-        <p:txBody>
-          <a:bodyPr wrap="square" rtlCol="0">
-            <a:spAutoFit/>
-          </a:bodyPr>
-          <a:lstStyle/>
-          <a:p>
-            <a:pPr algn="ctr"/>
-            <a:r>
-              <a:rPr lang="en-US" sz="1200" i="1" dirty="0" err="1"/>
-              <a:t>s</a:t>
-            </a:r>
-            <a:r>
-              <a:rPr lang="en-US" sz="1200" i="1" dirty="0" err="1" smtClean="0"/>
-              <a:t>et_config</a:t>
-            </a:r>
-            <a:r>
-              <a:rPr lang="en-US" sz="1200" i="1" dirty="0" smtClean="0"/>
-              <a:t>()</a:t>
-            </a:r>
-          </a:p>
-          <a:p>
-            <a:pPr algn="ctr"/>
-            <a:r>
-              <a:rPr lang="en-US" sz="1200" i="1" dirty="0" err="1"/>
-              <a:t>g</a:t>
-            </a:r>
-            <a:r>
-              <a:rPr lang="en-US" sz="1200" i="1" dirty="0" err="1" smtClean="0"/>
-              <a:t>et_config</a:t>
-            </a:r>
-            <a:r>
-              <a:rPr lang="en-US" sz="1200" i="1" dirty="0" smtClean="0"/>
-              <a:t>()</a:t>
-            </a:r>
-            <a:endParaRPr lang="en-US" sz="1200" i="1" dirty="0"/>
-          </a:p>
-        </p:txBody>
-      </p:sp>
-      <p:sp>
-        <p:nvSpPr>
-          <p:cNvPr id="33" name="TextBox 32"/>
-          <p:cNvSpPr txBox="1"/>
-          <p:nvPr/>
-        </p:nvSpPr>
-        <p:spPr>
-          <a:xfrm>
-            <a:off x="4499992" y="4221088"/>
-            <a:ext cx="1728192" cy="830997"/>
-          </a:xfrm>
-          <a:prstGeom prst="rect">
-            <a:avLst/>
-          </a:prstGeom>
-          <a:noFill/>
-        </p:spPr>
-        <p:txBody>
-          <a:bodyPr wrap="square" rtlCol="0">
-            <a:spAutoFit/>
-          </a:bodyPr>
-          <a:lstStyle/>
-          <a:p>
-            <a:r>
-              <a:rPr lang="en-US" sz="1200" i="1" dirty="0" smtClean="0"/>
-              <a:t>.Name</a:t>
-            </a:r>
-            <a:endParaRPr lang="en-US" sz="1200" i="1" dirty="0"/>
-          </a:p>
-          <a:p>
-            <a:r>
-              <a:rPr lang="en-US" sz="1200" i="1" dirty="0" smtClean="0"/>
-              <a:t>.</a:t>
-            </a:r>
-            <a:r>
-              <a:rPr lang="en-US" sz="1200" i="1" dirty="0" err="1" smtClean="0"/>
-              <a:t>DataSelector</a:t>
-            </a:r>
-            <a:endParaRPr lang="en-US" sz="1200" i="1" dirty="0"/>
-          </a:p>
-          <a:p>
-            <a:r>
-              <a:rPr lang="en-US" sz="1200" i="1" dirty="0" smtClean="0"/>
-              <a:t>.Save</a:t>
-            </a:r>
-            <a:endParaRPr lang="en-US" sz="1200" i="1" dirty="0"/>
-          </a:p>
-          <a:p>
-            <a:r>
-              <a:rPr lang="en-US" sz="1200" i="1" dirty="0" smtClean="0"/>
-              <a:t>.</a:t>
-            </a:r>
-            <a:r>
-              <a:rPr lang="en-US" sz="1200" i="1" dirty="0" err="1" smtClean="0"/>
-              <a:t>GenerateReport</a:t>
-            </a:r>
-            <a:endParaRPr lang="en-US" sz="1200" i="1" dirty="0"/>
-          </a:p>
-        </p:txBody>
-      </p:sp>
-      <p:sp>
-        <p:nvSpPr>
-          <p:cNvPr id="35" name="Rounded Rectangle 34"/>
-          <p:cNvSpPr/>
-          <p:nvPr/>
-        </p:nvSpPr>
-        <p:spPr>
-          <a:xfrm>
-            <a:off x="4788024" y="1988840"/>
-            <a:ext cx="936104" cy="792088"/>
-          </a:xfrm>
-          <a:prstGeom prst="roundRect">
-            <a:avLst/>
-          </a:prstGeom>
           <a:ln/>
         </p:spPr>
         <p:style>
@@ -8001,153 +7104,13 @@
       </p:sp>
       <p:sp>
         <p:nvSpPr>
-          <p:cNvPr id="37" name="TextBox 36"/>
-          <p:cNvSpPr txBox="1"/>
-          <p:nvPr/>
-        </p:nvSpPr>
-        <p:spPr>
-          <a:xfrm>
-            <a:off x="4827287" y="2033833"/>
-            <a:ext cx="936104" cy="646331"/>
-          </a:xfrm>
-          <a:prstGeom prst="rect">
-            <a:avLst/>
-          </a:prstGeom>
-          <a:noFill/>
-        </p:spPr>
-        <p:txBody>
-          <a:bodyPr wrap="square" rtlCol="0">
-            <a:spAutoFit/>
-          </a:bodyPr>
-          <a:lstStyle/>
-          <a:p>
-            <a:pPr algn="ctr"/>
-            <a:r>
-              <a:rPr lang="en-US" sz="1200" i="1" dirty="0" smtClean="0"/>
-              <a:t>Restore data selection</a:t>
-            </a:r>
-            <a:endParaRPr lang="en-US" sz="1200" i="1" dirty="0"/>
-          </a:p>
-        </p:txBody>
-      </p:sp>
-      <p:sp>
-        <p:nvSpPr>
-          <p:cNvPr id="38" name="Rounded Rectangle 37"/>
-          <p:cNvSpPr/>
-          <p:nvPr/>
-        </p:nvSpPr>
-        <p:spPr>
-          <a:xfrm>
-            <a:off x="2555776" y="1988840"/>
-            <a:ext cx="936104" cy="792088"/>
-          </a:xfrm>
-          <a:prstGeom prst="roundRect">
-            <a:avLst/>
-          </a:prstGeom>
-          <a:ln/>
-        </p:spPr>
-        <p:style>
-          <a:lnRef idx="2">
-            <a:schemeClr val="accent1"/>
-          </a:lnRef>
-          <a:fillRef idx="1">
-            <a:schemeClr val="lt1"/>
-          </a:fillRef>
-          <a:effectRef idx="0">
-            <a:schemeClr val="accent1"/>
-          </a:effectRef>
-          <a:fontRef idx="minor">
-            <a:schemeClr val="dk1"/>
-          </a:fontRef>
-        </p:style>
-        <p:txBody>
-          <a:bodyPr rtlCol="0" anchor="ctr"/>
-          <a:lstStyle/>
-          <a:p>
-            <a:pPr algn="ctr"/>
-            <a:endParaRPr lang="en-GB"/>
-          </a:p>
-        </p:txBody>
-      </p:sp>
-      <p:sp>
-        <p:nvSpPr>
-          <p:cNvPr id="39" name="TextBox 38"/>
-          <p:cNvSpPr txBox="1"/>
-          <p:nvPr/>
-        </p:nvSpPr>
-        <p:spPr>
-          <a:xfrm>
-            <a:off x="2622349" y="2154051"/>
-            <a:ext cx="792088" cy="461665"/>
-          </a:xfrm>
-          <a:prstGeom prst="rect">
-            <a:avLst/>
-          </a:prstGeom>
-          <a:noFill/>
-        </p:spPr>
-        <p:txBody>
-          <a:bodyPr wrap="square" rtlCol="0">
-            <a:spAutoFit/>
-          </a:bodyPr>
-          <a:lstStyle/>
-          <a:p>
-            <a:pPr algn="ctr"/>
-            <a:r>
-              <a:rPr lang="en-US" sz="1200" i="1" dirty="0" smtClean="0"/>
-              <a:t>Data selection</a:t>
-            </a:r>
-            <a:endParaRPr lang="en-US" sz="1200" i="1" dirty="0"/>
-          </a:p>
-        </p:txBody>
-      </p:sp>
-      <p:sp>
-        <p:nvSpPr>
-          <p:cNvPr id="44" name="Rounded Rectangle 43"/>
-          <p:cNvSpPr/>
-          <p:nvPr/>
-        </p:nvSpPr>
-        <p:spPr>
-          <a:xfrm>
-            <a:off x="3671900" y="1986718"/>
-            <a:ext cx="936104" cy="792088"/>
-          </a:xfrm>
-          <a:prstGeom prst="roundRect">
-            <a:avLst/>
-          </a:prstGeom>
-          <a:ln/>
-        </p:spPr>
-        <p:style>
-          <a:lnRef idx="2">
-            <a:schemeClr val="accent1"/>
-          </a:lnRef>
-          <a:fillRef idx="1">
-            <a:schemeClr val="lt1"/>
-          </a:fillRef>
-          <a:effectRef idx="0">
-            <a:schemeClr val="accent1"/>
-          </a:effectRef>
-          <a:fontRef idx="minor">
-            <a:schemeClr val="dk1"/>
-          </a:fontRef>
-        </p:style>
-        <p:txBody>
-          <a:bodyPr rtlCol="0" anchor="ctr"/>
-          <a:lstStyle/>
-          <a:p>
-            <a:pPr algn="ctr"/>
-            <a:endParaRPr lang="en-GB"/>
-          </a:p>
-        </p:txBody>
-      </p:sp>
-      <p:sp>
-        <p:nvSpPr>
           <p:cNvPr id="45" name="TextBox 44"/>
           <p:cNvSpPr txBox="1"/>
           <p:nvPr/>
         </p:nvSpPr>
         <p:spPr>
           <a:xfrm>
-            <a:off x="3707904" y="2204864"/>
+            <a:off x="3779912" y="2348880"/>
             <a:ext cx="936104" cy="276999"/>
           </a:xfrm>
           <a:prstGeom prst="rect">
@@ -8163,12 +7126,12 @@
           <a:p>
             <a:pPr algn="ctr"/>
             <a:r>
-              <a:rPr lang="en-US" sz="1200" i="1" dirty="0"/>
-              <a:t>p</a:t>
-            </a:r>
-            <a:r>
               <a:rPr lang="en-US" sz="1200" i="1" dirty="0" smtClean="0"/>
-              <a:t>rocess()</a:t>
+              <a:t>import(</a:t>
+            </a:r>
+            <a:r>
+              <a:rPr lang="en-US" sz="1200" i="1" dirty="0" smtClean="0"/>
+              <a:t>)</a:t>
             </a:r>
             <a:endParaRPr lang="en-US" sz="1200" i="1" dirty="0"/>
           </a:p>
@@ -8182,8 +7145,8 @@
         </p:nvCxnSpPr>
         <p:spPr>
           <a:xfrm>
-            <a:off x="4519267" y="2357125"/>
-            <a:ext cx="412029" cy="759"/>
+            <a:off x="4572000" y="2348880"/>
+            <a:ext cx="360040" cy="0"/>
           </a:xfrm>
           <a:prstGeom prst="straightConnector1">
             <a:avLst/>
@@ -8281,8 +7244,8 @@
         </p:nvCxnSpPr>
         <p:spPr>
           <a:xfrm flipV="1">
-            <a:off x="3923928" y="2615716"/>
-            <a:ext cx="0" cy="410544"/>
+            <a:off x="4211960" y="2636912"/>
+            <a:ext cx="0" cy="720080"/>
           </a:xfrm>
           <a:prstGeom prst="straightConnector1">
             <a:avLst/>
@@ -8311,48 +7274,1220 @@
           </a:fontRef>
         </p:style>
       </p:cxnSp>
-      <p:cxnSp>
-        <p:nvCxnSpPr>
-          <p:cNvPr id="46" name="Straight Arrow Connector 45"/>
-          <p:cNvCxnSpPr/>
+      <p:sp>
+        <p:nvSpPr>
+          <p:cNvPr id="27" name="TextBox 26"/>
+          <p:cNvSpPr txBox="1"/>
           <p:nvPr/>
-        </p:nvCxnSpPr>
+        </p:nvSpPr>
         <p:spPr>
-          <a:xfrm flipV="1">
-            <a:off x="4427984" y="2615716"/>
-            <a:ext cx="0" cy="410544"/>
+          <a:xfrm>
+            <a:off x="1403648" y="2348880"/>
+            <a:ext cx="993794" cy="307777"/>
           </a:xfrm>
-          <a:prstGeom prst="straightConnector1">
+          <a:prstGeom prst="rect">
             <a:avLst/>
           </a:prstGeom>
-          <a:ln>
-            <a:solidFill>
-              <a:schemeClr val="bg1">
-                <a:lumMod val="50000"/>
-              </a:schemeClr>
-            </a:solidFill>
-            <a:tailEnd type="arrow"/>
-          </a:ln>
+          <a:noFill/>
         </p:spPr>
-        <p:style>
-          <a:lnRef idx="1">
-            <a:schemeClr val="accent1"/>
-          </a:lnRef>
-          <a:fillRef idx="0">
-            <a:schemeClr val="accent1"/>
-          </a:fillRef>
-          <a:effectRef idx="0">
-            <a:schemeClr val="accent1"/>
-          </a:effectRef>
-          <a:fontRef idx="minor">
-            <a:schemeClr val="tx1"/>
-          </a:fontRef>
-        </p:style>
-      </p:cxnSp>
+        <p:txBody>
+          <a:bodyPr wrap="none" rtlCol="0">
+            <a:spAutoFit/>
+          </a:bodyPr>
+          <a:lstStyle/>
+          <a:p>
+            <a:r>
+              <a:rPr lang="en-GB" sz="1400" i="1" dirty="0"/>
+              <a:t>t</a:t>
+            </a:r>
+            <a:r>
+              <a:rPr lang="en-GB" sz="1400" i="1" dirty="0" smtClean="0"/>
+              <a:t>ext string</a:t>
+            </a:r>
+          </a:p>
+        </p:txBody>
+      </p:sp>
+      <p:sp>
+        <p:nvSpPr>
+          <p:cNvPr id="29" name="TextBox 28"/>
+          <p:cNvSpPr txBox="1"/>
+          <p:nvPr/>
+        </p:nvSpPr>
+        <p:spPr>
+          <a:xfrm>
+            <a:off x="5940152" y="2348880"/>
+            <a:ext cx="912179" cy="307777"/>
+          </a:xfrm>
+          <a:prstGeom prst="rect">
+            <a:avLst/>
+          </a:prstGeom>
+          <a:noFill/>
+        </p:spPr>
+        <p:txBody>
+          <a:bodyPr wrap="none" rtlCol="0">
+            <a:spAutoFit/>
+          </a:bodyPr>
+          <a:lstStyle/>
+          <a:p>
+            <a:r>
+              <a:rPr lang="en-GB" sz="1400" i="1" dirty="0" err="1" smtClean="0"/>
+              <a:t>physioset</a:t>
+            </a:r>
+            <a:endParaRPr lang="en-GB" sz="1400" i="1" dirty="0" smtClean="0"/>
+          </a:p>
+        </p:txBody>
+      </p:sp>
+      <p:sp>
+        <p:nvSpPr>
+          <p:cNvPr id="30" name="TextBox 29"/>
+          <p:cNvSpPr txBox="1"/>
+          <p:nvPr/>
+        </p:nvSpPr>
+        <p:spPr>
+          <a:xfrm>
+            <a:off x="3851920" y="3356992"/>
+            <a:ext cx="800319" cy="246221"/>
+          </a:xfrm>
+          <a:prstGeom prst="rect">
+            <a:avLst/>
+          </a:prstGeom>
+          <a:solidFill>
+            <a:schemeClr val="bg1">
+              <a:lumMod val="85000"/>
+            </a:schemeClr>
+          </a:solidFill>
+        </p:spPr>
+        <p:txBody>
+          <a:bodyPr wrap="none" rtlCol="0">
+            <a:spAutoFit/>
+          </a:bodyPr>
+          <a:lstStyle/>
+          <a:p>
+            <a:r>
+              <a:rPr lang="en-GB" sz="1000" b="1" dirty="0" smtClean="0">
+                <a:latin typeface="Courier New" pitchFamily="49" charset="0"/>
+                <a:cs typeface="Courier New" pitchFamily="49" charset="0"/>
+              </a:rPr>
+              <a:t>Importer</a:t>
+            </a:r>
+            <a:endParaRPr lang="en-GB" sz="1000" b="1" dirty="0">
+              <a:latin typeface="Courier New" pitchFamily="49" charset="0"/>
+              <a:cs typeface="Courier New" pitchFamily="49" charset="0"/>
+            </a:endParaRPr>
+          </a:p>
+        </p:txBody>
+      </p:sp>
+      <p:sp>
+        <p:nvSpPr>
+          <p:cNvPr id="34" name="TextBox 33"/>
+          <p:cNvSpPr txBox="1"/>
+          <p:nvPr/>
+        </p:nvSpPr>
+        <p:spPr>
+          <a:xfrm>
+            <a:off x="2627784" y="3645024"/>
+            <a:ext cx="3251148" cy="307777"/>
+          </a:xfrm>
+          <a:prstGeom prst="rect">
+            <a:avLst/>
+          </a:prstGeom>
+          <a:noFill/>
+        </p:spPr>
+        <p:txBody>
+          <a:bodyPr wrap="none" rtlCol="0">
+            <a:spAutoFit/>
+          </a:bodyPr>
+          <a:lstStyle/>
+          <a:p>
+            <a:r>
+              <a:rPr lang="en-GB" sz="1400" i="1" dirty="0" err="1" smtClean="0"/>
+              <a:t>physioset.import</a:t>
+            </a:r>
+            <a:r>
+              <a:rPr lang="en-GB" sz="1400" i="1" dirty="0" smtClean="0"/>
+              <a:t>.[</a:t>
+            </a:r>
+            <a:r>
+              <a:rPr lang="en-GB" sz="1400" i="1" dirty="0" err="1" smtClean="0"/>
+              <a:t>mff|edfplus|eeglab</a:t>
+            </a:r>
+            <a:r>
+              <a:rPr lang="en-GB" sz="1400" i="1" dirty="0" smtClean="0"/>
+              <a:t>|…]</a:t>
+            </a:r>
+          </a:p>
+        </p:txBody>
+      </p:sp>
+      <p:sp>
+        <p:nvSpPr>
+          <p:cNvPr id="24" name="TextBox 23"/>
+          <p:cNvSpPr txBox="1"/>
+          <p:nvPr/>
+        </p:nvSpPr>
+        <p:spPr>
+          <a:xfrm>
+            <a:off x="3779912" y="1844824"/>
+            <a:ext cx="936104" cy="276999"/>
+          </a:xfrm>
+          <a:prstGeom prst="rect">
+            <a:avLst/>
+          </a:prstGeom>
+          <a:noFill/>
+        </p:spPr>
+        <p:txBody>
+          <a:bodyPr wrap="square" rtlCol="0">
+            <a:spAutoFit/>
+          </a:bodyPr>
+          <a:lstStyle/>
+          <a:p>
+            <a:pPr algn="ctr"/>
+            <a:r>
+              <a:rPr lang="en-US" sz="1200" i="1" dirty="0" smtClean="0"/>
+              <a:t>process(</a:t>
+            </a:r>
+            <a:r>
+              <a:rPr lang="en-US" sz="1200" i="1" dirty="0" smtClean="0"/>
+              <a:t>)</a:t>
+            </a:r>
+            <a:endParaRPr lang="en-US" sz="1200" i="1" dirty="0"/>
+          </a:p>
+        </p:txBody>
+      </p:sp>
     </p:spTree>
     <p:extLst>
       <p:ext uri="{BB962C8B-B14F-4D97-AF65-F5344CB8AC3E}">
-        <p14:creationId xmlns:p14="http://schemas.microsoft.com/office/powerpoint/2010/main" val="1770505156"/>
+        <p14:creationId xmlns:p14="http://schemas.microsoft.com/office/powerpoint/2010/main" val="3748940439"/>
+      </p:ext>
+    </p:extLst>
+  </p:cSld>
+  <p:clrMapOvr>
+    <a:masterClrMapping/>
+  </p:clrMapOvr>
+</p:sld>
+</file>
+
+<file path=ppt/slides/slide4.xml><?xml version="1.0" encoding="utf-8"?>
+<p:sld xmlns:a="http://schemas.openxmlformats.org/drawingml/2006/main" xmlns:r="http://schemas.openxmlformats.org/officeDocument/2006/relationships" xmlns:p="http://schemas.openxmlformats.org/presentationml/2006/main">
+  <p:cSld>
+    <p:spTree>
+      <p:nvGrpSpPr>
+        <p:cNvPr id="1" name=""/>
+        <p:cNvGrpSpPr/>
+        <p:nvPr/>
+      </p:nvGrpSpPr>
+      <p:grpSpPr>
+        <a:xfrm>
+          <a:off x="0" y="0"/>
+          <a:ext cx="0" cy="0"/>
+          <a:chOff x="0" y="0"/>
+          <a:chExt cx="0" cy="0"/>
+        </a:xfrm>
+      </p:grpSpPr>
+      <p:sp>
+        <p:nvSpPr>
+          <p:cNvPr id="34" name="TextBox 33"/>
+          <p:cNvSpPr txBox="1"/>
+          <p:nvPr/>
+        </p:nvSpPr>
+        <p:spPr>
+          <a:xfrm>
+            <a:off x="2699792" y="5805264"/>
+            <a:ext cx="3251148" cy="307777"/>
+          </a:xfrm>
+          <a:prstGeom prst="rect">
+            <a:avLst/>
+          </a:prstGeom>
+          <a:noFill/>
+        </p:spPr>
+        <p:txBody>
+          <a:bodyPr wrap="none" rtlCol="0">
+            <a:spAutoFit/>
+          </a:bodyPr>
+          <a:lstStyle/>
+          <a:p>
+            <a:r>
+              <a:rPr lang="en-GB" sz="1400" i="1" dirty="0" err="1" smtClean="0"/>
+              <a:t>physioset.import</a:t>
+            </a:r>
+            <a:r>
+              <a:rPr lang="en-GB" sz="1400" i="1" dirty="0" smtClean="0"/>
+              <a:t>.[</a:t>
+            </a:r>
+            <a:r>
+              <a:rPr lang="en-GB" sz="1400" i="1" dirty="0" err="1" smtClean="0"/>
+              <a:t>mff|edfplus|eeglab</a:t>
+            </a:r>
+            <a:r>
+              <a:rPr lang="en-GB" sz="1400" i="1" dirty="0" smtClean="0"/>
+              <a:t>|…]</a:t>
+            </a:r>
+          </a:p>
+        </p:txBody>
+      </p:sp>
+      <p:grpSp>
+        <p:nvGrpSpPr>
+          <p:cNvPr id="55" name="Group 54"/>
+          <p:cNvGrpSpPr/>
+          <p:nvPr/>
+        </p:nvGrpSpPr>
+        <p:grpSpPr>
+          <a:xfrm>
+            <a:off x="1547664" y="1124744"/>
+            <a:ext cx="6768752" cy="2982525"/>
+            <a:chOff x="1547664" y="1124744"/>
+            <a:chExt cx="6768752" cy="2982525"/>
+          </a:xfrm>
+        </p:grpSpPr>
+        <p:sp>
+          <p:nvSpPr>
+            <p:cNvPr id="12" name="Rounded Rectangle 11"/>
+            <p:cNvSpPr/>
+            <p:nvPr/>
+          </p:nvSpPr>
+          <p:spPr>
+            <a:xfrm>
+              <a:off x="2411760" y="1556792"/>
+              <a:ext cx="4320480" cy="1800200"/>
+            </a:xfrm>
+            <a:prstGeom prst="roundRect">
+              <a:avLst/>
+            </a:prstGeom>
+            <a:noFill/>
+          </p:spPr>
+          <p:style>
+            <a:lnRef idx="2">
+              <a:schemeClr val="accent1">
+                <a:shade val="50000"/>
+              </a:schemeClr>
+            </a:lnRef>
+            <a:fillRef idx="1">
+              <a:schemeClr val="accent1"/>
+            </a:fillRef>
+            <a:effectRef idx="0">
+              <a:schemeClr val="accent1"/>
+            </a:effectRef>
+            <a:fontRef idx="minor">
+              <a:schemeClr val="lt1"/>
+            </a:fontRef>
+          </p:style>
+          <p:txBody>
+            <a:bodyPr rtlCol="0" anchor="ctr"/>
+            <a:lstStyle/>
+            <a:p>
+              <a:pPr algn="ctr"/>
+              <a:endParaRPr lang="en-GB"/>
+            </a:p>
+          </p:txBody>
+        </p:sp>
+        <p:sp>
+          <p:nvSpPr>
+            <p:cNvPr id="14" name="TextBox 13"/>
+            <p:cNvSpPr txBox="1"/>
+            <p:nvPr/>
+          </p:nvSpPr>
+          <p:spPr>
+            <a:xfrm>
+              <a:off x="6948264" y="1484784"/>
+              <a:ext cx="1368152" cy="954107"/>
+            </a:xfrm>
+            <a:prstGeom prst="rect">
+              <a:avLst/>
+            </a:prstGeom>
+            <a:noFill/>
+          </p:spPr>
+          <p:txBody>
+            <a:bodyPr wrap="square" rtlCol="0">
+              <a:spAutoFit/>
+            </a:bodyPr>
+            <a:lstStyle/>
+            <a:p>
+              <a:r>
+                <a:rPr lang="en-GB" sz="1400" b="1" dirty="0"/>
+                <a:t>d</a:t>
+              </a:r>
+              <a:r>
+                <a:rPr lang="en-GB" sz="1400" b="1" dirty="0" smtClean="0"/>
+                <a:t>ata1</a:t>
+              </a:r>
+            </a:p>
+            <a:p>
+              <a:r>
+                <a:rPr lang="en-GB" sz="1400" b="1" dirty="0"/>
+                <a:t>d</a:t>
+              </a:r>
+              <a:r>
+                <a:rPr lang="en-GB" sz="1400" b="1" dirty="0" smtClean="0"/>
+                <a:t>ata2</a:t>
+              </a:r>
+            </a:p>
+            <a:p>
+              <a:r>
+                <a:rPr lang="en-GB" sz="1400" b="1" dirty="0" smtClean="0"/>
+                <a:t>…</a:t>
+              </a:r>
+            </a:p>
+            <a:p>
+              <a:r>
+                <a:rPr lang="en-GB" sz="1400" b="1" dirty="0" err="1" smtClean="0"/>
+                <a:t>dataN</a:t>
+              </a:r>
+              <a:endParaRPr lang="en-GB" sz="1400" dirty="0"/>
+            </a:p>
+          </p:txBody>
+        </p:sp>
+        <p:sp>
+          <p:nvSpPr>
+            <p:cNvPr id="16" name="TextBox 15"/>
+            <p:cNvSpPr txBox="1"/>
+            <p:nvPr/>
+          </p:nvSpPr>
+          <p:spPr>
+            <a:xfrm>
+              <a:off x="3131840" y="1556792"/>
+              <a:ext cx="3298900" cy="338554"/>
+            </a:xfrm>
+            <a:prstGeom prst="rect">
+              <a:avLst/>
+            </a:prstGeom>
+            <a:noFill/>
+          </p:spPr>
+          <p:txBody>
+            <a:bodyPr wrap="none" rtlCol="0">
+              <a:spAutoFit/>
+            </a:bodyPr>
+            <a:lstStyle/>
+            <a:p>
+              <a:r>
+                <a:rPr lang="en-GB" sz="1600" b="1" dirty="0" err="1" smtClean="0"/>
+                <a:t>dataArray</a:t>
+              </a:r>
+              <a:r>
+                <a:rPr lang="en-GB" sz="1600" dirty="0" smtClean="0"/>
+                <a:t> </a:t>
+              </a:r>
+              <a:r>
+                <a:rPr lang="en-GB" sz="1600" dirty="0" smtClean="0"/>
+                <a:t>= </a:t>
+              </a:r>
+              <a:r>
+                <a:rPr lang="en-GB" sz="1600" dirty="0" smtClean="0"/>
+                <a:t>process(</a:t>
+              </a:r>
+              <a:r>
+                <a:rPr lang="en-GB" sz="1600" b="1" dirty="0" smtClean="0"/>
+                <a:t>node</a:t>
+              </a:r>
+              <a:r>
+                <a:rPr lang="en-GB" sz="1600" dirty="0" smtClean="0"/>
+                <a:t>, </a:t>
+              </a:r>
+              <a:r>
+                <a:rPr lang="en-GB" sz="1600" b="1" dirty="0" err="1" smtClean="0"/>
+                <a:t>fileName</a:t>
+              </a:r>
+              <a:r>
+                <a:rPr lang="en-GB" sz="1600" dirty="0" smtClean="0"/>
+                <a:t>)</a:t>
+              </a:r>
+              <a:endParaRPr lang="en-GB" sz="1600" dirty="0"/>
+            </a:p>
+          </p:txBody>
+        </p:sp>
+        <p:sp>
+          <p:nvSpPr>
+            <p:cNvPr id="21" name="TextBox 20"/>
+            <p:cNvSpPr txBox="1"/>
+            <p:nvPr/>
+          </p:nvSpPr>
+          <p:spPr>
+            <a:xfrm>
+              <a:off x="4283968" y="1124744"/>
+              <a:ext cx="587057" cy="338554"/>
+            </a:xfrm>
+            <a:prstGeom prst="rect">
+              <a:avLst/>
+            </a:prstGeom>
+            <a:noFill/>
+          </p:spPr>
+          <p:txBody>
+            <a:bodyPr wrap="none" rtlCol="0">
+              <a:spAutoFit/>
+            </a:bodyPr>
+            <a:lstStyle/>
+            <a:p>
+              <a:r>
+                <a:rPr lang="en-GB" sz="1600" b="1" dirty="0" smtClean="0"/>
+                <a:t>split</a:t>
+              </a:r>
+              <a:endParaRPr lang="en-GB" sz="1600" i="1" dirty="0"/>
+            </a:p>
+          </p:txBody>
+        </p:sp>
+        <p:sp>
+          <p:nvSpPr>
+            <p:cNvPr id="22" name="TextBox 21"/>
+            <p:cNvSpPr txBox="1"/>
+            <p:nvPr/>
+          </p:nvSpPr>
+          <p:spPr>
+            <a:xfrm>
+              <a:off x="1691680" y="2132856"/>
+              <a:ext cx="520508" cy="307777"/>
+            </a:xfrm>
+            <a:prstGeom prst="rect">
+              <a:avLst/>
+            </a:prstGeom>
+            <a:noFill/>
+          </p:spPr>
+          <p:txBody>
+            <a:bodyPr wrap="none" rtlCol="0">
+              <a:spAutoFit/>
+            </a:bodyPr>
+            <a:lstStyle/>
+            <a:p>
+              <a:r>
+                <a:rPr lang="en-GB" sz="1400" b="1" dirty="0" smtClean="0"/>
+                <a:t>data</a:t>
+              </a:r>
+              <a:endParaRPr lang="en-GB" sz="1400" b="1" dirty="0" smtClean="0"/>
+            </a:p>
+          </p:txBody>
+        </p:sp>
+        <p:sp>
+          <p:nvSpPr>
+            <p:cNvPr id="44" name="Rounded Rectangle 43"/>
+            <p:cNvSpPr/>
+            <p:nvPr/>
+          </p:nvSpPr>
+          <p:spPr>
+            <a:xfrm>
+              <a:off x="2699792" y="2132856"/>
+              <a:ext cx="936104" cy="792088"/>
+            </a:xfrm>
+            <a:prstGeom prst="roundRect">
+              <a:avLst/>
+            </a:prstGeom>
+            <a:ln/>
+          </p:spPr>
+          <p:style>
+            <a:lnRef idx="2">
+              <a:schemeClr val="accent1"/>
+            </a:lnRef>
+            <a:fillRef idx="1">
+              <a:schemeClr val="lt1"/>
+            </a:fillRef>
+            <a:effectRef idx="0">
+              <a:schemeClr val="accent1"/>
+            </a:effectRef>
+            <a:fontRef idx="minor">
+              <a:schemeClr val="dk1"/>
+            </a:fontRef>
+          </p:style>
+          <p:txBody>
+            <a:bodyPr rtlCol="0" anchor="ctr"/>
+            <a:lstStyle/>
+            <a:p>
+              <a:pPr algn="ctr"/>
+              <a:endParaRPr lang="en-GB"/>
+            </a:p>
+          </p:txBody>
+        </p:sp>
+        <p:sp>
+          <p:nvSpPr>
+            <p:cNvPr id="45" name="TextBox 44"/>
+            <p:cNvSpPr txBox="1"/>
+            <p:nvPr/>
+          </p:nvSpPr>
+          <p:spPr>
+            <a:xfrm>
+              <a:off x="2699792" y="2276872"/>
+              <a:ext cx="936104" cy="461665"/>
+            </a:xfrm>
+            <a:prstGeom prst="rect">
+              <a:avLst/>
+            </a:prstGeom>
+            <a:noFill/>
+          </p:spPr>
+          <p:txBody>
+            <a:bodyPr wrap="square" rtlCol="0">
+              <a:spAutoFit/>
+            </a:bodyPr>
+            <a:lstStyle/>
+            <a:p>
+              <a:pPr algn="ctr"/>
+              <a:r>
+                <a:rPr lang="en-US" sz="1200" i="1" dirty="0"/>
+                <a:t>e</a:t>
+              </a:r>
+              <a:r>
+                <a:rPr lang="en-US" sz="1200" i="1" dirty="0" smtClean="0"/>
+                <a:t>vent selection</a:t>
+              </a:r>
+              <a:endParaRPr lang="en-US" sz="1200" i="1" dirty="0"/>
+            </a:p>
+          </p:txBody>
+        </p:sp>
+        <p:cxnSp>
+          <p:nvCxnSpPr>
+            <p:cNvPr id="26" name="Straight Arrow Connector 25"/>
+            <p:cNvCxnSpPr>
+              <a:endCxn id="45" idx="1"/>
+            </p:cNvCxnSpPr>
+            <p:nvPr/>
+          </p:nvCxnSpPr>
+          <p:spPr>
+            <a:xfrm>
+              <a:off x="2051720" y="2492896"/>
+              <a:ext cx="648072" cy="0"/>
+            </a:xfrm>
+            <a:prstGeom prst="straightConnector1">
+              <a:avLst/>
+            </a:prstGeom>
+            <a:ln>
+              <a:tailEnd type="arrow"/>
+            </a:ln>
+          </p:spPr>
+          <p:style>
+            <a:lnRef idx="1">
+              <a:schemeClr val="accent1"/>
+            </a:lnRef>
+            <a:fillRef idx="0">
+              <a:schemeClr val="accent1"/>
+            </a:fillRef>
+            <a:effectRef idx="0">
+              <a:schemeClr val="accent1"/>
+            </a:effectRef>
+            <a:fontRef idx="minor">
+              <a:schemeClr val="tx1"/>
+            </a:fontRef>
+          </p:style>
+        </p:cxnSp>
+        <p:cxnSp>
+          <p:nvCxnSpPr>
+            <p:cNvPr id="40" name="Straight Arrow Connector 39"/>
+            <p:cNvCxnSpPr/>
+            <p:nvPr/>
+          </p:nvCxnSpPr>
+          <p:spPr>
+            <a:xfrm flipV="1">
+              <a:off x="4211960" y="2924944"/>
+              <a:ext cx="0" cy="720080"/>
+            </a:xfrm>
+            <a:prstGeom prst="straightConnector1">
+              <a:avLst/>
+            </a:prstGeom>
+            <a:ln>
+              <a:solidFill>
+                <a:schemeClr val="bg1">
+                  <a:lumMod val="50000"/>
+                </a:schemeClr>
+              </a:solidFill>
+              <a:tailEnd type="arrow"/>
+            </a:ln>
+          </p:spPr>
+          <p:style>
+            <a:lnRef idx="1">
+              <a:schemeClr val="accent1"/>
+            </a:lnRef>
+            <a:fillRef idx="0">
+              <a:schemeClr val="accent1"/>
+            </a:fillRef>
+            <a:effectRef idx="0">
+              <a:schemeClr val="accent1"/>
+            </a:effectRef>
+            <a:fontRef idx="minor">
+              <a:schemeClr val="tx1"/>
+            </a:fontRef>
+          </p:style>
+        </p:cxnSp>
+        <p:sp>
+          <p:nvSpPr>
+            <p:cNvPr id="27" name="TextBox 26"/>
+            <p:cNvSpPr txBox="1"/>
+            <p:nvPr/>
+          </p:nvSpPr>
+          <p:spPr>
+            <a:xfrm>
+              <a:off x="1547664" y="2420888"/>
+              <a:ext cx="912179" cy="307777"/>
+            </a:xfrm>
+            <a:prstGeom prst="rect">
+              <a:avLst/>
+            </a:prstGeom>
+            <a:noFill/>
+          </p:spPr>
+          <p:txBody>
+            <a:bodyPr wrap="none" rtlCol="0">
+              <a:spAutoFit/>
+            </a:bodyPr>
+            <a:lstStyle/>
+            <a:p>
+              <a:r>
+                <a:rPr lang="en-GB" sz="1400" i="1" dirty="0" err="1" smtClean="0"/>
+                <a:t>physioset</a:t>
+              </a:r>
+              <a:endParaRPr lang="en-GB" sz="1400" i="1" dirty="0" smtClean="0"/>
+            </a:p>
+          </p:txBody>
+        </p:sp>
+        <p:sp>
+          <p:nvSpPr>
+            <p:cNvPr id="29" name="TextBox 28"/>
+            <p:cNvSpPr txBox="1"/>
+            <p:nvPr/>
+          </p:nvSpPr>
+          <p:spPr>
+            <a:xfrm>
+              <a:off x="6948264" y="2564904"/>
+              <a:ext cx="912179" cy="307777"/>
+            </a:xfrm>
+            <a:prstGeom prst="rect">
+              <a:avLst/>
+            </a:prstGeom>
+            <a:noFill/>
+          </p:spPr>
+          <p:txBody>
+            <a:bodyPr wrap="none" rtlCol="0">
+              <a:spAutoFit/>
+            </a:bodyPr>
+            <a:lstStyle/>
+            <a:p>
+              <a:r>
+                <a:rPr lang="en-GB" sz="1400" i="1" dirty="0" err="1" smtClean="0"/>
+                <a:t>physioset</a:t>
+              </a:r>
+              <a:endParaRPr lang="en-GB" sz="1400" i="1" dirty="0" smtClean="0"/>
+            </a:p>
+          </p:txBody>
+        </p:sp>
+        <p:sp>
+          <p:nvSpPr>
+            <p:cNvPr id="30" name="TextBox 29"/>
+            <p:cNvSpPr txBox="1"/>
+            <p:nvPr/>
+          </p:nvSpPr>
+          <p:spPr>
+            <a:xfrm>
+              <a:off x="3851920" y="3573016"/>
+              <a:ext cx="646406" cy="246221"/>
+            </a:xfrm>
+            <a:prstGeom prst="rect">
+              <a:avLst/>
+            </a:prstGeom>
+            <a:solidFill>
+              <a:schemeClr val="bg1">
+                <a:lumMod val="85000"/>
+              </a:schemeClr>
+            </a:solidFill>
+          </p:spPr>
+          <p:txBody>
+            <a:bodyPr wrap="none" rtlCol="0">
+              <a:spAutoFit/>
+            </a:bodyPr>
+            <a:lstStyle/>
+            <a:p>
+              <a:r>
+                <a:rPr lang="en-GB" sz="1000" b="1" dirty="0" smtClean="0">
+                  <a:latin typeface="Courier New" pitchFamily="49" charset="0"/>
+                  <a:cs typeface="Courier New" pitchFamily="49" charset="0"/>
+                </a:rPr>
+                <a:t>Offset</a:t>
+              </a:r>
+              <a:endParaRPr lang="en-GB" sz="1000" b="1" dirty="0">
+                <a:latin typeface="Courier New" pitchFamily="49" charset="0"/>
+                <a:cs typeface="Courier New" pitchFamily="49" charset="0"/>
+              </a:endParaRPr>
+            </a:p>
+          </p:txBody>
+        </p:sp>
+        <p:sp>
+          <p:nvSpPr>
+            <p:cNvPr id="23" name="Rounded Rectangle 22"/>
+            <p:cNvSpPr/>
+            <p:nvPr/>
+          </p:nvSpPr>
+          <p:spPr>
+            <a:xfrm>
+              <a:off x="3995936" y="2132856"/>
+              <a:ext cx="936104" cy="792088"/>
+            </a:xfrm>
+            <a:prstGeom prst="roundRect">
+              <a:avLst/>
+            </a:prstGeom>
+            <a:ln/>
+          </p:spPr>
+          <p:style>
+            <a:lnRef idx="2">
+              <a:schemeClr val="accent1"/>
+            </a:lnRef>
+            <a:fillRef idx="1">
+              <a:schemeClr val="lt1"/>
+            </a:fillRef>
+            <a:effectRef idx="0">
+              <a:schemeClr val="accent1"/>
+            </a:effectRef>
+            <a:fontRef idx="minor">
+              <a:schemeClr val="dk1"/>
+            </a:fontRef>
+          </p:style>
+          <p:txBody>
+            <a:bodyPr rtlCol="0" anchor="ctr"/>
+            <a:lstStyle/>
+            <a:p>
+              <a:pPr algn="ctr"/>
+              <a:endParaRPr lang="en-GB"/>
+            </a:p>
+          </p:txBody>
+        </p:sp>
+        <p:sp>
+          <p:nvSpPr>
+            <p:cNvPr id="24" name="TextBox 23"/>
+            <p:cNvSpPr txBox="1"/>
+            <p:nvPr/>
+          </p:nvSpPr>
+          <p:spPr>
+            <a:xfrm>
+              <a:off x="3995936" y="2276872"/>
+              <a:ext cx="936104" cy="461665"/>
+            </a:xfrm>
+            <a:prstGeom prst="rect">
+              <a:avLst/>
+            </a:prstGeom>
+            <a:noFill/>
+          </p:spPr>
+          <p:txBody>
+            <a:bodyPr wrap="square" rtlCol="0">
+              <a:spAutoFit/>
+            </a:bodyPr>
+            <a:lstStyle/>
+            <a:p>
+              <a:pPr algn="ctr"/>
+              <a:r>
+                <a:rPr lang="en-US" sz="1200" i="1" dirty="0" smtClean="0"/>
+                <a:t>data splitting</a:t>
+              </a:r>
+              <a:endParaRPr lang="en-US" sz="1200" i="1" dirty="0"/>
+            </a:p>
+          </p:txBody>
+        </p:sp>
+        <p:sp>
+          <p:nvSpPr>
+            <p:cNvPr id="25" name="Rounded Rectangle 24"/>
+            <p:cNvSpPr/>
+            <p:nvPr/>
+          </p:nvSpPr>
+          <p:spPr>
+            <a:xfrm>
+              <a:off x="5292080" y="2132856"/>
+              <a:ext cx="936104" cy="792088"/>
+            </a:xfrm>
+            <a:prstGeom prst="roundRect">
+              <a:avLst/>
+            </a:prstGeom>
+            <a:ln/>
+          </p:spPr>
+          <p:style>
+            <a:lnRef idx="2">
+              <a:schemeClr val="accent1"/>
+            </a:lnRef>
+            <a:fillRef idx="1">
+              <a:schemeClr val="lt1"/>
+            </a:fillRef>
+            <a:effectRef idx="0">
+              <a:schemeClr val="accent1"/>
+            </a:effectRef>
+            <a:fontRef idx="minor">
+              <a:schemeClr val="dk1"/>
+            </a:fontRef>
+          </p:style>
+          <p:txBody>
+            <a:bodyPr rtlCol="0" anchor="ctr"/>
+            <a:lstStyle/>
+            <a:p>
+              <a:pPr algn="ctr"/>
+              <a:endParaRPr lang="en-GB"/>
+            </a:p>
+          </p:txBody>
+        </p:sp>
+        <p:sp>
+          <p:nvSpPr>
+            <p:cNvPr id="28" name="TextBox 27"/>
+            <p:cNvSpPr txBox="1"/>
+            <p:nvPr/>
+          </p:nvSpPr>
+          <p:spPr>
+            <a:xfrm>
+              <a:off x="5292080" y="2276872"/>
+              <a:ext cx="936104" cy="461665"/>
+            </a:xfrm>
+            <a:prstGeom prst="rect">
+              <a:avLst/>
+            </a:prstGeom>
+            <a:noFill/>
+          </p:spPr>
+          <p:txBody>
+            <a:bodyPr wrap="square" rtlCol="0">
+              <a:spAutoFit/>
+            </a:bodyPr>
+            <a:lstStyle/>
+            <a:p>
+              <a:pPr algn="ctr"/>
+              <a:r>
+                <a:rPr lang="en-US" sz="1200" i="1" dirty="0"/>
+                <a:t>d</a:t>
+              </a:r>
+              <a:r>
+                <a:rPr lang="en-US" sz="1200" i="1" dirty="0" smtClean="0"/>
+                <a:t>ata split naming</a:t>
+              </a:r>
+              <a:endParaRPr lang="en-US" sz="1200" i="1" dirty="0"/>
+            </a:p>
+          </p:txBody>
+        </p:sp>
+        <p:cxnSp>
+          <p:nvCxnSpPr>
+            <p:cNvPr id="31" name="Straight Arrow Connector 30"/>
+            <p:cNvCxnSpPr/>
+            <p:nvPr/>
+          </p:nvCxnSpPr>
+          <p:spPr>
+            <a:xfrm flipV="1">
+              <a:off x="4716016" y="2924944"/>
+              <a:ext cx="0" cy="936104"/>
+            </a:xfrm>
+            <a:prstGeom prst="straightConnector1">
+              <a:avLst/>
+            </a:prstGeom>
+            <a:ln>
+              <a:solidFill>
+                <a:schemeClr val="bg1">
+                  <a:lumMod val="50000"/>
+                </a:schemeClr>
+              </a:solidFill>
+              <a:tailEnd type="arrow"/>
+            </a:ln>
+          </p:spPr>
+          <p:style>
+            <a:lnRef idx="1">
+              <a:schemeClr val="accent1"/>
+            </a:lnRef>
+            <a:fillRef idx="0">
+              <a:schemeClr val="accent1"/>
+            </a:fillRef>
+            <a:effectRef idx="0">
+              <a:schemeClr val="accent1"/>
+            </a:effectRef>
+            <a:fontRef idx="minor">
+              <a:schemeClr val="tx1"/>
+            </a:fontRef>
+          </p:style>
+        </p:cxnSp>
+        <p:sp>
+          <p:nvSpPr>
+            <p:cNvPr id="32" name="TextBox 31"/>
+            <p:cNvSpPr txBox="1"/>
+            <p:nvPr/>
+          </p:nvSpPr>
+          <p:spPr>
+            <a:xfrm>
+              <a:off x="4355976" y="3861048"/>
+              <a:ext cx="800319" cy="246221"/>
+            </a:xfrm>
+            <a:prstGeom prst="rect">
+              <a:avLst/>
+            </a:prstGeom>
+            <a:solidFill>
+              <a:schemeClr val="bg1">
+                <a:lumMod val="85000"/>
+              </a:schemeClr>
+            </a:solidFill>
+          </p:spPr>
+          <p:txBody>
+            <a:bodyPr wrap="none" rtlCol="0">
+              <a:spAutoFit/>
+            </a:bodyPr>
+            <a:lstStyle/>
+            <a:p>
+              <a:r>
+                <a:rPr lang="en-GB" sz="1000" b="1" dirty="0" smtClean="0">
+                  <a:latin typeface="Courier New" pitchFamily="49" charset="0"/>
+                  <a:cs typeface="Courier New" pitchFamily="49" charset="0"/>
+                </a:rPr>
+                <a:t>Duration</a:t>
+              </a:r>
+              <a:endParaRPr lang="en-GB" sz="1000" b="1" dirty="0">
+                <a:latin typeface="Courier New" pitchFamily="49" charset="0"/>
+                <a:cs typeface="Courier New" pitchFamily="49" charset="0"/>
+              </a:endParaRPr>
+            </a:p>
+          </p:txBody>
+        </p:sp>
+        <p:cxnSp>
+          <p:nvCxnSpPr>
+            <p:cNvPr id="41" name="Straight Arrow Connector 40"/>
+            <p:cNvCxnSpPr/>
+            <p:nvPr/>
+          </p:nvCxnSpPr>
+          <p:spPr>
+            <a:xfrm flipV="1">
+              <a:off x="3131840" y="2924944"/>
+              <a:ext cx="0" cy="720080"/>
+            </a:xfrm>
+            <a:prstGeom prst="straightConnector1">
+              <a:avLst/>
+            </a:prstGeom>
+            <a:ln>
+              <a:solidFill>
+                <a:schemeClr val="bg1">
+                  <a:lumMod val="50000"/>
+                </a:schemeClr>
+              </a:solidFill>
+              <a:tailEnd type="arrow"/>
+            </a:ln>
+          </p:spPr>
+          <p:style>
+            <a:lnRef idx="1">
+              <a:schemeClr val="accent1"/>
+            </a:lnRef>
+            <a:fillRef idx="0">
+              <a:schemeClr val="accent1"/>
+            </a:fillRef>
+            <a:effectRef idx="0">
+              <a:schemeClr val="accent1"/>
+            </a:effectRef>
+            <a:fontRef idx="minor">
+              <a:schemeClr val="tx1"/>
+            </a:fontRef>
+          </p:style>
+        </p:cxnSp>
+        <p:sp>
+          <p:nvSpPr>
+            <p:cNvPr id="33" name="TextBox 32"/>
+            <p:cNvSpPr txBox="1"/>
+            <p:nvPr/>
+          </p:nvSpPr>
+          <p:spPr>
+            <a:xfrm>
+              <a:off x="2555776" y="3573016"/>
+              <a:ext cx="1185103" cy="246221"/>
+            </a:xfrm>
+            <a:prstGeom prst="rect">
+              <a:avLst/>
+            </a:prstGeom>
+            <a:solidFill>
+              <a:schemeClr val="bg1">
+                <a:lumMod val="85000"/>
+              </a:schemeClr>
+            </a:solidFill>
+          </p:spPr>
+          <p:txBody>
+            <a:bodyPr wrap="none" rtlCol="0">
+              <a:spAutoFit/>
+            </a:bodyPr>
+            <a:lstStyle/>
+            <a:p>
+              <a:r>
+                <a:rPr lang="en-GB" sz="1000" b="1" dirty="0" err="1" smtClean="0">
+                  <a:latin typeface="Courier New" pitchFamily="49" charset="0"/>
+                  <a:cs typeface="Courier New" pitchFamily="49" charset="0"/>
+                </a:rPr>
+                <a:t>EventSelector</a:t>
+              </a:r>
+              <a:endParaRPr lang="en-GB" sz="1000" b="1" dirty="0">
+                <a:latin typeface="Courier New" pitchFamily="49" charset="0"/>
+                <a:cs typeface="Courier New" pitchFamily="49" charset="0"/>
+              </a:endParaRPr>
+            </a:p>
+          </p:txBody>
+        </p:sp>
+        <p:cxnSp>
+          <p:nvCxnSpPr>
+            <p:cNvPr id="46" name="Straight Arrow Connector 45"/>
+            <p:cNvCxnSpPr/>
+            <p:nvPr/>
+          </p:nvCxnSpPr>
+          <p:spPr>
+            <a:xfrm flipV="1">
+              <a:off x="5796136" y="2924944"/>
+              <a:ext cx="0" cy="720080"/>
+            </a:xfrm>
+            <a:prstGeom prst="straightConnector1">
+              <a:avLst/>
+            </a:prstGeom>
+            <a:ln>
+              <a:solidFill>
+                <a:schemeClr val="bg1">
+                  <a:lumMod val="50000"/>
+                </a:schemeClr>
+              </a:solidFill>
+              <a:tailEnd type="arrow"/>
+            </a:ln>
+          </p:spPr>
+          <p:style>
+            <a:lnRef idx="1">
+              <a:schemeClr val="accent1"/>
+            </a:lnRef>
+            <a:fillRef idx="0">
+              <a:schemeClr val="accent1"/>
+            </a:fillRef>
+            <a:effectRef idx="0">
+              <a:schemeClr val="accent1"/>
+            </a:effectRef>
+            <a:fontRef idx="minor">
+              <a:schemeClr val="tx1"/>
+            </a:fontRef>
+          </p:style>
+        </p:cxnSp>
+        <p:sp>
+          <p:nvSpPr>
+            <p:cNvPr id="42" name="TextBox 41"/>
+            <p:cNvSpPr txBox="1"/>
+            <p:nvPr/>
+          </p:nvSpPr>
+          <p:spPr>
+            <a:xfrm>
+              <a:off x="5148064" y="3573016"/>
+              <a:ext cx="1492929" cy="246221"/>
+            </a:xfrm>
+            <a:prstGeom prst="rect">
+              <a:avLst/>
+            </a:prstGeom>
+            <a:solidFill>
+              <a:schemeClr val="bg1">
+                <a:lumMod val="85000"/>
+              </a:schemeClr>
+            </a:solidFill>
+          </p:spPr>
+          <p:txBody>
+            <a:bodyPr wrap="none" rtlCol="0">
+              <a:spAutoFit/>
+            </a:bodyPr>
+            <a:lstStyle/>
+            <a:p>
+              <a:r>
+                <a:rPr lang="en-GB" sz="1000" b="1" dirty="0" err="1" smtClean="0">
+                  <a:latin typeface="Courier New" pitchFamily="49" charset="0"/>
+                  <a:cs typeface="Courier New" pitchFamily="49" charset="0"/>
+                </a:rPr>
+                <a:t>SplitNamingPolicy</a:t>
+              </a:r>
+              <a:endParaRPr lang="en-GB" sz="1000" b="1" dirty="0">
+                <a:latin typeface="Courier New" pitchFamily="49" charset="0"/>
+                <a:cs typeface="Courier New" pitchFamily="49" charset="0"/>
+              </a:endParaRPr>
+            </a:p>
+          </p:txBody>
+        </p:sp>
+        <p:cxnSp>
+          <p:nvCxnSpPr>
+            <p:cNvPr id="47" name="Straight Arrow Connector 46"/>
+            <p:cNvCxnSpPr>
+              <a:endCxn id="24" idx="1"/>
+            </p:cNvCxnSpPr>
+            <p:nvPr/>
+          </p:nvCxnSpPr>
+          <p:spPr>
+            <a:xfrm>
+              <a:off x="3635896" y="2503500"/>
+              <a:ext cx="360040" cy="0"/>
+            </a:xfrm>
+            <a:prstGeom prst="straightConnector1">
+              <a:avLst/>
+            </a:prstGeom>
+            <a:ln>
+              <a:tailEnd type="arrow"/>
+            </a:ln>
+          </p:spPr>
+          <p:style>
+            <a:lnRef idx="1">
+              <a:schemeClr val="accent1"/>
+            </a:lnRef>
+            <a:fillRef idx="0">
+              <a:schemeClr val="accent1"/>
+            </a:fillRef>
+            <a:effectRef idx="0">
+              <a:schemeClr val="accent1"/>
+            </a:effectRef>
+            <a:fontRef idx="minor">
+              <a:schemeClr val="tx1"/>
+            </a:fontRef>
+          </p:style>
+        </p:cxnSp>
+        <p:cxnSp>
+          <p:nvCxnSpPr>
+            <p:cNvPr id="48" name="Straight Arrow Connector 47"/>
+            <p:cNvCxnSpPr>
+              <a:endCxn id="28" idx="1"/>
+            </p:cNvCxnSpPr>
+            <p:nvPr/>
+          </p:nvCxnSpPr>
+          <p:spPr>
+            <a:xfrm flipV="1">
+              <a:off x="4932040" y="2507705"/>
+              <a:ext cx="360040" cy="0"/>
+            </a:xfrm>
+            <a:prstGeom prst="straightConnector1">
+              <a:avLst/>
+            </a:prstGeom>
+            <a:ln>
+              <a:tailEnd type="arrow"/>
+            </a:ln>
+          </p:spPr>
+          <p:style>
+            <a:lnRef idx="1">
+              <a:schemeClr val="accent1"/>
+            </a:lnRef>
+            <a:fillRef idx="0">
+              <a:schemeClr val="accent1"/>
+            </a:fillRef>
+            <a:effectRef idx="0">
+              <a:schemeClr val="accent1"/>
+            </a:effectRef>
+            <a:fontRef idx="minor">
+              <a:schemeClr val="tx1"/>
+            </a:fontRef>
+          </p:style>
+        </p:cxnSp>
+        <p:cxnSp>
+          <p:nvCxnSpPr>
+            <p:cNvPr id="54" name="Straight Arrow Connector 53"/>
+            <p:cNvCxnSpPr>
+              <a:stCxn id="28" idx="3"/>
+            </p:cNvCxnSpPr>
+            <p:nvPr/>
+          </p:nvCxnSpPr>
+          <p:spPr>
+            <a:xfrm flipV="1">
+              <a:off x="6228184" y="2492896"/>
+              <a:ext cx="1080120" cy="0"/>
+            </a:xfrm>
+            <a:prstGeom prst="straightConnector1">
+              <a:avLst/>
+            </a:prstGeom>
+            <a:ln>
+              <a:tailEnd type="arrow"/>
+            </a:ln>
+          </p:spPr>
+          <p:style>
+            <a:lnRef idx="1">
+              <a:schemeClr val="accent1"/>
+            </a:lnRef>
+            <a:fillRef idx="0">
+              <a:schemeClr val="accent1"/>
+            </a:fillRef>
+            <a:effectRef idx="0">
+              <a:schemeClr val="accent1"/>
+            </a:effectRef>
+            <a:fontRef idx="minor">
+              <a:schemeClr val="tx1"/>
+            </a:fontRef>
+          </p:style>
+        </p:cxnSp>
+      </p:grpSp>
+    </p:spTree>
+    <p:extLst>
+      <p:ext uri="{BB962C8B-B14F-4D97-AF65-F5344CB8AC3E}">
+        <p14:creationId xmlns:p14="http://schemas.microsoft.com/office/powerpoint/2010/main" val="1576972422"/>
       </p:ext>
     </p:extLst>
   </p:cSld>

--- a/+meegpipe/+node/figs.pptx
+++ b/+meegpipe/+node/figs.pptx
@@ -7587,8 +7587,8 @@
           </p:nvSpPr>
           <p:spPr>
             <a:xfrm>
-              <a:off x="6948264" y="1484784"/>
-              <a:ext cx="1368152" cy="954107"/>
+              <a:off x="6948264" y="2132856"/>
+              <a:ext cx="1368152" cy="307777"/>
             </a:xfrm>
             <a:prstGeom prst="rect">
               <a:avLst/>
@@ -7602,34 +7602,8 @@
             <a:lstStyle/>
             <a:p>
               <a:r>
-                <a:rPr lang="en-GB" sz="1400" b="1" dirty="0"/>
-                <a:t>d</a:t>
-              </a:r>
-              <a:r>
                 <a:rPr lang="en-GB" sz="1400" b="1" dirty="0" smtClean="0"/>
-                <a:t>ata1</a:t>
-              </a:r>
-            </a:p>
-            <a:p>
-              <a:r>
-                <a:rPr lang="en-GB" sz="1400" b="1" dirty="0"/>
-                <a:t>d</a:t>
-              </a:r>
-              <a:r>
-                <a:rPr lang="en-GB" sz="1400" b="1" dirty="0" smtClean="0"/>
-                <a:t>ata2</a:t>
-              </a:r>
-            </a:p>
-            <a:p>
-              <a:r>
-                <a:rPr lang="en-GB" sz="1400" b="1" dirty="0" smtClean="0"/>
-                <a:t>…</a:t>
-              </a:r>
-            </a:p>
-            <a:p>
-              <a:r>
-                <a:rPr lang="en-GB" sz="1400" b="1" dirty="0" err="1" smtClean="0"/>
-                <a:t>dataN</a:t>
+                <a:t>data</a:t>
               </a:r>
               <a:endParaRPr lang="en-GB" sz="1400" dirty="0"/>
             </a:p>
@@ -7938,7 +7912,7 @@
           </p:nvSpPr>
           <p:spPr>
             <a:xfrm>
-              <a:off x="6948264" y="2564904"/>
+              <a:off x="6948264" y="2492896"/>
               <a:ext cx="912179" cy="307777"/>
             </a:xfrm>
             <a:prstGeom prst="rect">

--- a/+meegpipe/+node/figs.pptx
+++ b/+meegpipe/+node/figs.pptx
@@ -7617,7 +7617,7 @@
           </p:nvSpPr>
           <p:spPr>
             <a:xfrm>
-              <a:off x="3131840" y="1556792"/>
+              <a:off x="2915816" y="1556792"/>
               <a:ext cx="3298900" cy="338554"/>
             </a:xfrm>
             <a:prstGeom prst="rect">
